--- a/PPTs/Dua Kumayl.pptx
+++ b/PPTs/Dua Kumayl.pptx
@@ -461,7 +461,7 @@
           <a:p>
             <a:fld id="{F192BFF6-EB1E-4216-AE1F-8531F2060E7A}" type="datetimeFigureOut">
               <a:rPr lang="en-CA" smtClean="0"/>
-              <a:t>2024-01-25</a:t>
+              <a:t>2024-02-15</a:t>
             </a:fld>
             <a:endParaRPr lang="en-CA"/>
           </a:p>
@@ -9000,36 +9000,6 @@
           </p:spPr>
         </p:pic>
       </p:grpSp>
-      <p:sp>
-        <p:nvSpPr>
-          <p:cNvPr id="2" name="Slide Number Placeholder 1">
-            <a:extLst>
-              <a:ext uri="{FF2B5EF4-FFF2-40B4-BE49-F238E27FC236}">
-                <a16:creationId xmlns:a16="http://schemas.microsoft.com/office/drawing/2014/main" id="{837C4EDA-A509-BB32-2953-59C94A37AC12}"/>
-              </a:ext>
-            </a:extLst>
-          </p:cNvPr>
-          <p:cNvSpPr>
-            <a:spLocks noGrp="1"/>
-          </p:cNvSpPr>
-          <p:nvPr>
-            <p:ph type="sldNum" sz="quarter" idx="12"/>
-          </p:nvPr>
-        </p:nvSpPr>
-        <p:spPr/>
-        <p:txBody>
-          <a:bodyPr/>
-          <a:lstStyle/>
-          <a:p>
-            <a:fld id="{483B47EA-5D2D-44B5-B00B-9EB09598820D}" type="slidenum">
-              <a:rPr lang="ar-SA" altLang="en-US" smtClean="0"/>
-              <a:pPr/>
-              <a:t>1</a:t>
-            </a:fld>
-            <a:endParaRPr lang="en-US" altLang="en-US" dirty="0"/>
-          </a:p>
-        </p:txBody>
-      </p:sp>
     </p:spTree>
     <p:extLst>
       <p:ext uri="{BB962C8B-B14F-4D97-AF65-F5344CB8AC3E}">

--- a/PPTs/Dua Kumayl.pptx
+++ b/PPTs/Dua Kumayl.pptx
@@ -461,7 +461,7 @@
           <a:p>
             <a:fld id="{F192BFF6-EB1E-4216-AE1F-8531F2060E7A}" type="datetimeFigureOut">
               <a:rPr lang="en-CA" smtClean="0"/>
-              <a:t>2024-03-29</a:t>
+              <a:t>2024-05-23</a:t>
             </a:fld>
             <a:endParaRPr lang="en-CA"/>
           </a:p>
@@ -8717,41 +8717,7 @@
                 <a:ea typeface="Calibri Light" panose="020F0302020204030204" pitchFamily="34" charset="0"/>
                 <a:cs typeface="Calibri Light" panose="020F0302020204030204" pitchFamily="34" charset="0"/>
               </a:rPr>
-              <a:t>And We desired to show </a:t>
-            </a:r>
-            <a:r>
-              <a:rPr kumimoji="0" lang="en-US" sz="1400" b="0" i="1" u="none" strike="noStrike" kern="1200" cap="none" spc="0" normalizeH="0" baseline="0" noProof="0" dirty="0" err="1">
-                <a:ln>
-                  <a:noFill/>
-                </a:ln>
-                <a:solidFill>
-                  <a:srgbClr val="127274"/>
-                </a:solidFill>
-                <a:effectLst/>
-                <a:uLnTx/>
-                <a:uFillTx/>
-                <a:latin typeface="Calibri Light" panose="020F0302020204030204" pitchFamily="34" charset="0"/>
-                <a:ea typeface="Calibri Light" panose="020F0302020204030204" pitchFamily="34" charset="0"/>
-                <a:cs typeface="Calibri Light" panose="020F0302020204030204" pitchFamily="34" charset="0"/>
-              </a:rPr>
-              <a:t>favour</a:t>
-            </a:r>
-            <a:r>
-              <a:rPr kumimoji="0" lang="en-US" sz="1400" b="0" i="1" u="none" strike="noStrike" kern="1200" cap="none" spc="0" normalizeH="0" baseline="0" noProof="0" dirty="0">
-                <a:ln>
-                  <a:noFill/>
-                </a:ln>
-                <a:solidFill>
-                  <a:srgbClr val="127274"/>
-                </a:solidFill>
-                <a:effectLst/>
-                <a:uLnTx/>
-                <a:uFillTx/>
-                <a:latin typeface="Calibri Light" panose="020F0302020204030204" pitchFamily="34" charset="0"/>
-                <a:ea typeface="Calibri Light" panose="020F0302020204030204" pitchFamily="34" charset="0"/>
-                <a:cs typeface="Calibri Light" panose="020F0302020204030204" pitchFamily="34" charset="0"/>
-              </a:rPr>
-              <a:t> upon those who were abased in the land, </a:t>
+              <a:t>And We desired to show favor upon those who were abased in the land, </a:t>
             </a:r>
           </a:p>
           <a:p>
@@ -8826,7 +8792,7 @@
               <a:t>(Surah </a:t>
             </a:r>
             <a:r>
-              <a:rPr kumimoji="0" lang="en-US" sz="1200" b="0" i="1" u="none" strike="noStrike" kern="1200" cap="none" spc="0" normalizeH="0" baseline="0" noProof="0" dirty="0" err="1">
+              <a:rPr kumimoji="0" lang="en-US" sz="1200" b="0" i="1" u="none" strike="noStrike" kern="1200" cap="none" spc="0" normalizeH="0" baseline="0" noProof="0">
                 <a:ln>
                   <a:noFill/>
                 </a:ln>
@@ -8840,7 +8806,7 @@
                 <a:ea typeface="Calibri Light" panose="020F0302020204030204" pitchFamily="34" charset="0"/>
                 <a:cs typeface="Calibri Light" panose="020F0302020204030204" pitchFamily="34" charset="0"/>
               </a:rPr>
-              <a:t>Qasas</a:t>
+              <a:t>Qasas: </a:t>
             </a:r>
             <a:r>
               <a:rPr kumimoji="0" lang="en-US" sz="1200" b="0" i="1" u="none" strike="noStrike" kern="1200" cap="none" spc="0" normalizeH="0" baseline="0" noProof="0" dirty="0">
@@ -8857,7 +8823,7 @@
                 <a:ea typeface="Calibri Light" panose="020F0302020204030204" pitchFamily="34" charset="0"/>
                 <a:cs typeface="Calibri Light" panose="020F0302020204030204" pitchFamily="34" charset="0"/>
               </a:rPr>
-              <a:t> : 5)</a:t>
+              <a:t>5)</a:t>
             </a:r>
             <a:endParaRPr kumimoji="0" lang="en-CA" sz="1200" b="0" i="1" u="none" strike="noStrike" kern="1200" cap="none" spc="0" normalizeH="0" baseline="0" noProof="0" dirty="0">
               <a:ln>

--- a/PPTs/Dua Kumayl.pptx
+++ b/PPTs/Dua Kumayl.pptx
@@ -461,7 +461,7 @@
           <a:p>
             <a:fld id="{F192BFF6-EB1E-4216-AE1F-8531F2060E7A}" type="datetimeFigureOut">
               <a:rPr lang="en-CA" smtClean="0"/>
-              <a:t>2024-05-23</a:t>
+              <a:t>2024-07-04</a:t>
             </a:fld>
             <a:endParaRPr lang="en-CA"/>
           </a:p>
@@ -950,9 +950,18 @@
   <p:clrMapOvr>
     <a:masterClrMapping/>
   </p:clrMapOvr>
-  <p:transition>
-    <p:fade/>
-  </p:transition>
+  <mc:AlternateContent xmlns:mc="http://schemas.openxmlformats.org/markup-compatibility/2006">
+    <mc:Choice xmlns:p14="http://schemas.microsoft.com/office/powerpoint/2010/main" Requires="p14">
+      <p:transition p14:dur="300">
+        <p:fade/>
+      </p:transition>
+    </mc:Choice>
+    <mc:Fallback>
+      <p:transition>
+        <p:fade/>
+      </p:transition>
+    </mc:Fallback>
+  </mc:AlternateContent>
 </p:sldLayout>
 </file>
 
@@ -1175,9 +1184,18 @@
   <p:clrMapOvr>
     <a:masterClrMapping/>
   </p:clrMapOvr>
-  <p:transition>
-    <p:fade/>
-  </p:transition>
+  <mc:AlternateContent xmlns:mc="http://schemas.openxmlformats.org/markup-compatibility/2006">
+    <mc:Choice xmlns:p14="http://schemas.microsoft.com/office/powerpoint/2010/main" Requires="p14">
+      <p:transition p14:dur="300">
+        <p:fade/>
+      </p:transition>
+    </mc:Choice>
+    <mc:Fallback>
+      <p:transition>
+        <p:fade/>
+      </p:transition>
+    </mc:Fallback>
+  </mc:AlternateContent>
 </p:sldLayout>
 </file>
 
@@ -1410,9 +1428,18 @@
   <p:clrMapOvr>
     <a:masterClrMapping/>
   </p:clrMapOvr>
-  <p:transition>
-    <p:fade/>
-  </p:transition>
+  <mc:AlternateContent xmlns:mc="http://schemas.openxmlformats.org/markup-compatibility/2006">
+    <mc:Choice xmlns:p14="http://schemas.microsoft.com/office/powerpoint/2010/main" Requires="p14">
+      <p:transition p14:dur="300">
+        <p:fade/>
+      </p:transition>
+    </mc:Choice>
+    <mc:Fallback>
+      <p:transition>
+        <p:fade/>
+      </p:transition>
+    </mc:Fallback>
+  </mc:AlternateContent>
 </p:sldLayout>
 </file>
 
@@ -1642,9 +1669,18 @@
   <p:clrMapOvr>
     <a:masterClrMapping/>
   </p:clrMapOvr>
-  <p:transition>
-    <p:fade/>
-  </p:transition>
+  <mc:AlternateContent xmlns:mc="http://schemas.openxmlformats.org/markup-compatibility/2006">
+    <mc:Choice xmlns:p14="http://schemas.microsoft.com/office/powerpoint/2010/main" Requires="p14">
+      <p:transition p14:dur="300">
+        <p:fade/>
+      </p:transition>
+    </mc:Choice>
+    <mc:Fallback>
+      <p:transition>
+        <p:fade/>
+      </p:transition>
+    </mc:Fallback>
+  </mc:AlternateContent>
   <p:extLst>
     <p:ext uri="{DCECCB84-F9BA-43D5-87BE-67443E8EF086}">
       <p15:sldGuideLst xmlns:p15="http://schemas.microsoft.com/office/powerpoint/2012/main">
@@ -1888,9 +1924,18 @@
   <p:clrMapOvr>
     <a:masterClrMapping/>
   </p:clrMapOvr>
-  <p:transition>
-    <p:fade/>
-  </p:transition>
+  <mc:AlternateContent xmlns:mc="http://schemas.openxmlformats.org/markup-compatibility/2006">
+    <mc:Choice xmlns:p14="http://schemas.microsoft.com/office/powerpoint/2010/main" Requires="p14">
+      <p:transition p14:dur="300">
+        <p:fade/>
+      </p:transition>
+    </mc:Choice>
+    <mc:Fallback>
+      <p:transition>
+        <p:fade/>
+      </p:transition>
+    </mc:Fallback>
+  </mc:AlternateContent>
   <p:extLst>
     <p:ext uri="{DCECCB84-F9BA-43D5-87BE-67443E8EF086}">
       <p15:sldGuideLst xmlns:p15="http://schemas.microsoft.com/office/powerpoint/2012/main">
@@ -2137,9 +2182,18 @@
   <p:clrMapOvr>
     <a:masterClrMapping/>
   </p:clrMapOvr>
-  <p:transition>
-    <p:fade/>
-  </p:transition>
+  <mc:AlternateContent xmlns:mc="http://schemas.openxmlformats.org/markup-compatibility/2006">
+    <mc:Choice xmlns:p14="http://schemas.microsoft.com/office/powerpoint/2010/main" Requires="p14">
+      <p:transition p14:dur="300">
+        <p:fade/>
+      </p:transition>
+    </mc:Choice>
+    <mc:Fallback>
+      <p:transition>
+        <p:fade/>
+      </p:transition>
+    </mc:Fallback>
+  </mc:AlternateContent>
 </p:sldLayout>
 </file>
 
@@ -2468,9 +2522,18 @@
   <p:clrMapOvr>
     <a:masterClrMapping/>
   </p:clrMapOvr>
-  <p:transition>
-    <p:fade/>
-  </p:transition>
+  <mc:AlternateContent xmlns:mc="http://schemas.openxmlformats.org/markup-compatibility/2006">
+    <mc:Choice xmlns:p14="http://schemas.microsoft.com/office/powerpoint/2010/main" Requires="p14">
+      <p:transition p14:dur="300">
+        <p:fade/>
+      </p:transition>
+    </mc:Choice>
+    <mc:Fallback>
+      <p:transition>
+        <p:fade/>
+      </p:transition>
+    </mc:Fallback>
+  </mc:AlternateContent>
 </p:sldLayout>
 </file>
 
@@ -2929,9 +2992,18 @@
   <p:clrMapOvr>
     <a:masterClrMapping/>
   </p:clrMapOvr>
-  <p:transition>
-    <p:fade/>
-  </p:transition>
+  <mc:AlternateContent xmlns:mc="http://schemas.openxmlformats.org/markup-compatibility/2006">
+    <mc:Choice xmlns:p14="http://schemas.microsoft.com/office/powerpoint/2010/main" Requires="p14">
+      <p:transition p14:dur="300">
+        <p:fade/>
+      </p:transition>
+    </mc:Choice>
+    <mc:Fallback>
+      <p:transition>
+        <p:fade/>
+      </p:transition>
+    </mc:Fallback>
+  </mc:AlternateContent>
 </p:sldLayout>
 </file>
 
@@ -3092,9 +3164,18 @@
   <p:clrMapOvr>
     <a:masterClrMapping/>
   </p:clrMapOvr>
-  <p:transition>
-    <p:fade/>
-  </p:transition>
+  <mc:AlternateContent xmlns:mc="http://schemas.openxmlformats.org/markup-compatibility/2006">
+    <mc:Choice xmlns:p14="http://schemas.microsoft.com/office/powerpoint/2010/main" Requires="p14">
+      <p:transition p14:dur="300">
+        <p:fade/>
+      </p:transition>
+    </mc:Choice>
+    <mc:Fallback>
+      <p:transition>
+        <p:fade/>
+      </p:transition>
+    </mc:Fallback>
+  </mc:AlternateContent>
 </p:sldLayout>
 </file>
 
@@ -3229,9 +3310,18 @@
   <p:clrMapOvr>
     <a:masterClrMapping/>
   </p:clrMapOvr>
-  <p:transition>
-    <p:fade/>
-  </p:transition>
+  <mc:AlternateContent xmlns:mc="http://schemas.openxmlformats.org/markup-compatibility/2006">
+    <mc:Choice xmlns:p14="http://schemas.microsoft.com/office/powerpoint/2010/main" Requires="p14">
+      <p:transition p14:dur="300">
+        <p:fade/>
+      </p:transition>
+    </mc:Choice>
+    <mc:Fallback>
+      <p:transition>
+        <p:fade/>
+      </p:transition>
+    </mc:Fallback>
+  </mc:AlternateContent>
 </p:sldLayout>
 </file>
 
@@ -3546,9 +3636,18 @@
   <p:clrMapOvr>
     <a:masterClrMapping/>
   </p:clrMapOvr>
-  <p:transition>
-    <p:fade/>
-  </p:transition>
+  <mc:AlternateContent xmlns:mc="http://schemas.openxmlformats.org/markup-compatibility/2006">
+    <mc:Choice xmlns:p14="http://schemas.microsoft.com/office/powerpoint/2010/main" Requires="p14">
+      <p:transition p14:dur="300">
+        <p:fade/>
+      </p:transition>
+    </mc:Choice>
+    <mc:Fallback>
+      <p:transition>
+        <p:fade/>
+      </p:transition>
+    </mc:Fallback>
+  </mc:AlternateContent>
 </p:sldLayout>
 </file>
 
@@ -3771,9 +3870,18 @@
   <p:clrMapOvr>
     <a:masterClrMapping/>
   </p:clrMapOvr>
-  <p:transition>
-    <p:fade/>
-  </p:transition>
+  <mc:AlternateContent xmlns:mc="http://schemas.openxmlformats.org/markup-compatibility/2006">
+    <mc:Choice xmlns:p14="http://schemas.microsoft.com/office/powerpoint/2010/main" Requires="p14">
+      <p:transition p14:dur="300">
+        <p:fade/>
+      </p:transition>
+    </mc:Choice>
+    <mc:Fallback>
+      <p:transition>
+        <p:fade/>
+      </p:transition>
+    </mc:Fallback>
+  </mc:AlternateContent>
 </p:sldLayout>
 </file>
 
@@ -4066,9 +4174,18 @@
   <p:clrMapOvr>
     <a:masterClrMapping/>
   </p:clrMapOvr>
-  <p:transition>
-    <p:fade/>
-  </p:transition>
+  <mc:AlternateContent xmlns:mc="http://schemas.openxmlformats.org/markup-compatibility/2006">
+    <mc:Choice xmlns:p14="http://schemas.microsoft.com/office/powerpoint/2010/main" Requires="p14">
+      <p:transition p14:dur="300">
+        <p:fade/>
+      </p:transition>
+    </mc:Choice>
+    <mc:Fallback>
+      <p:transition>
+        <p:fade/>
+      </p:transition>
+    </mc:Fallback>
+  </mc:AlternateContent>
 </p:sldLayout>
 </file>
 
@@ -4296,9 +4413,18 @@
   <p:clrMapOvr>
     <a:masterClrMapping/>
   </p:clrMapOvr>
-  <p:transition>
-    <p:fade/>
-  </p:transition>
+  <mc:AlternateContent xmlns:mc="http://schemas.openxmlformats.org/markup-compatibility/2006">
+    <mc:Choice xmlns:p14="http://schemas.microsoft.com/office/powerpoint/2010/main" Requires="p14">
+      <p:transition p14:dur="300">
+        <p:fade/>
+      </p:transition>
+    </mc:Choice>
+    <mc:Fallback>
+      <p:transition>
+        <p:fade/>
+      </p:transition>
+    </mc:Fallback>
+  </mc:AlternateContent>
 </p:sldLayout>
 </file>
 
@@ -4536,9 +4662,18 @@
   <p:clrMapOvr>
     <a:masterClrMapping/>
   </p:clrMapOvr>
-  <p:transition>
-    <p:fade/>
-  </p:transition>
+  <mc:AlternateContent xmlns:mc="http://schemas.openxmlformats.org/markup-compatibility/2006">
+    <mc:Choice xmlns:p14="http://schemas.microsoft.com/office/powerpoint/2010/main" Requires="p14">
+      <p:transition p14:dur="300">
+        <p:fade/>
+      </p:transition>
+    </mc:Choice>
+    <mc:Fallback>
+      <p:transition>
+        <p:fade/>
+      </p:transition>
+    </mc:Fallback>
+  </mc:AlternateContent>
 </p:sldLayout>
 </file>
 
@@ -4662,9 +4797,18 @@
   <p:clrMapOvr>
     <a:masterClrMapping/>
   </p:clrMapOvr>
-  <p:transition>
-    <p:fade/>
-  </p:transition>
+  <mc:AlternateContent xmlns:mc="http://schemas.openxmlformats.org/markup-compatibility/2006">
+    <mc:Choice xmlns:p14="http://schemas.microsoft.com/office/powerpoint/2010/main" Requires="p14">
+      <p:transition p14:dur="300">
+        <p:fade/>
+      </p:transition>
+    </mc:Choice>
+    <mc:Fallback>
+      <p:transition>
+        <p:fade/>
+      </p:transition>
+    </mc:Fallback>
+  </mc:AlternateContent>
 </p:sldLayout>
 </file>
 
@@ -4889,9 +5033,18 @@
   <p:clrMapOvr>
     <a:masterClrMapping/>
   </p:clrMapOvr>
-  <p:transition>
-    <p:fade/>
-  </p:transition>
+  <mc:AlternateContent xmlns:mc="http://schemas.openxmlformats.org/markup-compatibility/2006">
+    <mc:Choice xmlns:p14="http://schemas.microsoft.com/office/powerpoint/2010/main" Requires="p14">
+      <p:transition p14:dur="300">
+        <p:fade/>
+      </p:transition>
+    </mc:Choice>
+    <mc:Fallback>
+      <p:transition>
+        <p:fade/>
+      </p:transition>
+    </mc:Fallback>
+  </mc:AlternateContent>
 </p:sldLayout>
 </file>
 
@@ -5216,9 +5369,18 @@
   <p:clrMapOvr>
     <a:masterClrMapping/>
   </p:clrMapOvr>
-  <p:transition>
-    <p:fade/>
-  </p:transition>
+  <mc:AlternateContent xmlns:mc="http://schemas.openxmlformats.org/markup-compatibility/2006">
+    <mc:Choice xmlns:p14="http://schemas.microsoft.com/office/powerpoint/2010/main" Requires="p14">
+      <p:transition p14:dur="300">
+        <p:fade/>
+      </p:transition>
+    </mc:Choice>
+    <mc:Fallback>
+      <p:transition>
+        <p:fade/>
+      </p:transition>
+    </mc:Fallback>
+  </mc:AlternateContent>
 </p:sldLayout>
 </file>
 
@@ -5673,9 +5835,18 @@
   <p:clrMapOvr>
     <a:masterClrMapping/>
   </p:clrMapOvr>
-  <p:transition>
-    <p:fade/>
-  </p:transition>
+  <mc:AlternateContent xmlns:mc="http://schemas.openxmlformats.org/markup-compatibility/2006">
+    <mc:Choice xmlns:p14="http://schemas.microsoft.com/office/powerpoint/2010/main" Requires="p14">
+      <p:transition p14:dur="300">
+        <p:fade/>
+      </p:transition>
+    </mc:Choice>
+    <mc:Fallback>
+      <p:transition>
+        <p:fade/>
+      </p:transition>
+    </mc:Fallback>
+  </mc:AlternateContent>
 </p:sldLayout>
 </file>
 
@@ -5830,9 +6001,18 @@
   <p:clrMapOvr>
     <a:masterClrMapping/>
   </p:clrMapOvr>
-  <p:transition>
-    <p:fade/>
-  </p:transition>
+  <mc:AlternateContent xmlns:mc="http://schemas.openxmlformats.org/markup-compatibility/2006">
+    <mc:Choice xmlns:p14="http://schemas.microsoft.com/office/powerpoint/2010/main" Requires="p14">
+      <p:transition p14:dur="300">
+        <p:fade/>
+      </p:transition>
+    </mc:Choice>
+    <mc:Fallback>
+      <p:transition>
+        <p:fade/>
+      </p:transition>
+    </mc:Fallback>
+  </mc:AlternateContent>
 </p:sldLayout>
 </file>
 
@@ -5960,9 +6140,18 @@
   <p:clrMapOvr>
     <a:masterClrMapping/>
   </p:clrMapOvr>
-  <p:transition>
-    <p:fade/>
-  </p:transition>
+  <mc:AlternateContent xmlns:mc="http://schemas.openxmlformats.org/markup-compatibility/2006">
+    <mc:Choice xmlns:p14="http://schemas.microsoft.com/office/powerpoint/2010/main" Requires="p14">
+      <p:transition p14:dur="300">
+        <p:fade/>
+      </p:transition>
+    </mc:Choice>
+    <mc:Fallback>
+      <p:transition>
+        <p:fade/>
+      </p:transition>
+    </mc:Fallback>
+  </mc:AlternateContent>
 </p:sldLayout>
 </file>
 
@@ -6272,9 +6461,18 @@
   <p:clrMapOvr>
     <a:masterClrMapping/>
   </p:clrMapOvr>
-  <p:transition>
-    <p:fade/>
-  </p:transition>
+  <mc:AlternateContent xmlns:mc="http://schemas.openxmlformats.org/markup-compatibility/2006">
+    <mc:Choice xmlns:p14="http://schemas.microsoft.com/office/powerpoint/2010/main" Requires="p14">
+      <p:transition p14:dur="300">
+        <p:fade/>
+      </p:transition>
+    </mc:Choice>
+    <mc:Fallback>
+      <p:transition>
+        <p:fade/>
+      </p:transition>
+    </mc:Fallback>
+  </mc:AlternateContent>
 </p:sldLayout>
 </file>
 
@@ -6565,9 +6763,18 @@
   <p:clrMapOvr>
     <a:masterClrMapping/>
   </p:clrMapOvr>
-  <p:transition>
-    <p:fade/>
-  </p:transition>
+  <mc:AlternateContent xmlns:mc="http://schemas.openxmlformats.org/markup-compatibility/2006">
+    <mc:Choice xmlns:p14="http://schemas.microsoft.com/office/powerpoint/2010/main" Requires="p14">
+      <p:transition p14:dur="300">
+        <p:fade/>
+      </p:transition>
+    </mc:Choice>
+    <mc:Fallback>
+      <p:transition>
+        <p:fade/>
+      </p:transition>
+    </mc:Fallback>
+  </mc:AlternateContent>
 </p:sldLayout>
 </file>
 
@@ -7039,9 +7246,18 @@
     <p:sldLayoutId id="2147483670" r:id="rId10"/>
     <p:sldLayoutId id="2147483671" r:id="rId11"/>
   </p:sldLayoutIdLst>
-  <p:transition>
-    <p:fade/>
-  </p:transition>
+  <mc:AlternateContent xmlns:mc="http://schemas.openxmlformats.org/markup-compatibility/2006">
+    <mc:Choice xmlns:p14="http://schemas.microsoft.com/office/powerpoint/2010/main" Requires="p14">
+      <p:transition p14:dur="300">
+        <p:fade/>
+      </p:transition>
+    </mc:Choice>
+    <mc:Fallback>
+      <p:transition>
+        <p:fade/>
+      </p:transition>
+    </mc:Fallback>
+  </mc:AlternateContent>
   <p:hf hdr="0" ftr="0" dt="0"/>
   <p:txStyles>
     <p:titleStyle>
@@ -7902,9 +8118,18 @@
     <p:sldLayoutId id="2147483686" r:id="rId11"/>
     <p:sldLayoutId id="2147483687" r:id="rId12"/>
   </p:sldLayoutIdLst>
-  <p:transition>
-    <p:fade/>
-  </p:transition>
+  <mc:AlternateContent xmlns:mc="http://schemas.openxmlformats.org/markup-compatibility/2006">
+    <mc:Choice xmlns:p14="http://schemas.microsoft.com/office/powerpoint/2010/main" Requires="p14">
+      <p:transition p14:dur="300">
+        <p:fade/>
+      </p:transition>
+    </mc:Choice>
+    <mc:Fallback>
+      <p:transition>
+        <p:fade/>
+      </p:transition>
+    </mc:Fallback>
+  </mc:AlternateContent>
   <p:hf hdr="0" ftr="0" dt="0"/>
   <p:txStyles>
     <p:titleStyle>
@@ -9103,12 +9328,16 @@
   <p:clrMapOvr>
     <a:masterClrMapping/>
   </p:clrMapOvr>
-  <mc:AlternateContent xmlns:mc="http://schemas.openxmlformats.org/markup-compatibility/2006" xmlns:p14="http://schemas.microsoft.com/office/powerpoint/2010/main">
-    <mc:Choice Requires="p14">
-      <p:transition p14:dur="0"/>
+  <mc:AlternateContent xmlns:mc="http://schemas.openxmlformats.org/markup-compatibility/2006">
+    <mc:Choice xmlns:p14="http://schemas.microsoft.com/office/powerpoint/2010/main" Requires="p14">
+      <p:transition p14:dur="300">
+        <p:fade/>
+      </p:transition>
     </mc:Choice>
-    <mc:Fallback xmlns="">
-      <p:transition/>
+    <mc:Fallback>
+      <p:transition>
+        <p:fade/>
+      </p:transition>
     </mc:Fallback>
   </mc:AlternateContent>
 </p:sld>
@@ -9220,12 +9449,16 @@
   <p:clrMapOvr>
     <a:masterClrMapping/>
   </p:clrMapOvr>
-  <mc:AlternateContent xmlns:mc="http://schemas.openxmlformats.org/markup-compatibility/2006" xmlns:p14="http://schemas.microsoft.com/office/powerpoint/2010/main">
-    <mc:Choice Requires="p14">
-      <p:transition p14:dur="0"/>
+  <mc:AlternateContent xmlns:mc="http://schemas.openxmlformats.org/markup-compatibility/2006">
+    <mc:Choice xmlns:p14="http://schemas.microsoft.com/office/powerpoint/2010/main" Requires="p14">
+      <p:transition p14:dur="300">
+        <p:fade/>
+      </p:transition>
     </mc:Choice>
-    <mc:Fallback xmlns="">
-      <p:transition/>
+    <mc:Fallback>
+      <p:transition>
+        <p:fade/>
+      </p:transition>
     </mc:Fallback>
   </mc:AlternateContent>
 </p:sld>
@@ -9348,12 +9581,16 @@
   <p:clrMapOvr>
     <a:masterClrMapping/>
   </p:clrMapOvr>
-  <mc:AlternateContent xmlns:mc="http://schemas.openxmlformats.org/markup-compatibility/2006" xmlns:p14="http://schemas.microsoft.com/office/powerpoint/2010/main">
-    <mc:Choice Requires="p14">
-      <p:transition p14:dur="0"/>
+  <mc:AlternateContent xmlns:mc="http://schemas.openxmlformats.org/markup-compatibility/2006">
+    <mc:Choice xmlns:p14="http://schemas.microsoft.com/office/powerpoint/2010/main" Requires="p14">
+      <p:transition p14:dur="300">
+        <p:fade/>
+      </p:transition>
     </mc:Choice>
-    <mc:Fallback xmlns="">
-      <p:transition/>
+    <mc:Fallback>
+      <p:transition>
+        <p:fade/>
+      </p:transition>
     </mc:Fallback>
   </mc:AlternateContent>
 </p:sld>
@@ -9460,12 +9697,16 @@
   <p:clrMapOvr>
     <a:masterClrMapping/>
   </p:clrMapOvr>
-  <mc:AlternateContent xmlns:mc="http://schemas.openxmlformats.org/markup-compatibility/2006" xmlns:p14="http://schemas.microsoft.com/office/powerpoint/2010/main">
-    <mc:Choice Requires="p14">
-      <p:transition p14:dur="0"/>
+  <mc:AlternateContent xmlns:mc="http://schemas.openxmlformats.org/markup-compatibility/2006">
+    <mc:Choice xmlns:p14="http://schemas.microsoft.com/office/powerpoint/2010/main" Requires="p14">
+      <p:transition p14:dur="300">
+        <p:fade/>
+      </p:transition>
     </mc:Choice>
-    <mc:Fallback xmlns="">
-      <p:transition/>
+    <mc:Fallback>
+      <p:transition>
+        <p:fade/>
+      </p:transition>
     </mc:Fallback>
   </mc:AlternateContent>
 </p:sld>
@@ -9587,12 +9828,16 @@
   <p:clrMapOvr>
     <a:masterClrMapping/>
   </p:clrMapOvr>
-  <mc:AlternateContent xmlns:mc="http://schemas.openxmlformats.org/markup-compatibility/2006" xmlns:p14="http://schemas.microsoft.com/office/powerpoint/2010/main">
-    <mc:Choice Requires="p14">
-      <p:transition p14:dur="0"/>
+  <mc:AlternateContent xmlns:mc="http://schemas.openxmlformats.org/markup-compatibility/2006">
+    <mc:Choice xmlns:p14="http://schemas.microsoft.com/office/powerpoint/2010/main" Requires="p14">
+      <p:transition p14:dur="300">
+        <p:fade/>
+      </p:transition>
     </mc:Choice>
-    <mc:Fallback xmlns="">
-      <p:transition/>
+    <mc:Fallback>
+      <p:transition>
+        <p:fade/>
+      </p:transition>
     </mc:Fallback>
   </mc:AlternateContent>
 </p:sld>
@@ -9711,12 +9956,16 @@
   <p:clrMapOvr>
     <a:masterClrMapping/>
   </p:clrMapOvr>
-  <mc:AlternateContent xmlns:mc="http://schemas.openxmlformats.org/markup-compatibility/2006" xmlns:p14="http://schemas.microsoft.com/office/powerpoint/2010/main">
-    <mc:Choice Requires="p14">
-      <p:transition p14:dur="0"/>
+  <mc:AlternateContent xmlns:mc="http://schemas.openxmlformats.org/markup-compatibility/2006">
+    <mc:Choice xmlns:p14="http://schemas.microsoft.com/office/powerpoint/2010/main" Requires="p14">
+      <p:transition p14:dur="300">
+        <p:fade/>
+      </p:transition>
     </mc:Choice>
-    <mc:Fallback xmlns="">
-      <p:transition/>
+    <mc:Fallback>
+      <p:transition>
+        <p:fade/>
+      </p:transition>
     </mc:Fallback>
   </mc:AlternateContent>
 </p:sld>
@@ -9830,12 +10079,16 @@
   <p:clrMapOvr>
     <a:masterClrMapping/>
   </p:clrMapOvr>
-  <mc:AlternateContent xmlns:mc="http://schemas.openxmlformats.org/markup-compatibility/2006" xmlns:p14="http://schemas.microsoft.com/office/powerpoint/2010/main">
-    <mc:Choice Requires="p14">
-      <p:transition p14:dur="0"/>
+  <mc:AlternateContent xmlns:mc="http://schemas.openxmlformats.org/markup-compatibility/2006">
+    <mc:Choice xmlns:p14="http://schemas.microsoft.com/office/powerpoint/2010/main" Requires="p14">
+      <p:transition p14:dur="300">
+        <p:fade/>
+      </p:transition>
     </mc:Choice>
-    <mc:Fallback xmlns="">
-      <p:transition/>
+    <mc:Fallback>
+      <p:transition>
+        <p:fade/>
+      </p:transition>
     </mc:Fallback>
   </mc:AlternateContent>
 </p:sld>
@@ -9953,12 +10206,16 @@
   <p:clrMapOvr>
     <a:masterClrMapping/>
   </p:clrMapOvr>
-  <mc:AlternateContent xmlns:mc="http://schemas.openxmlformats.org/markup-compatibility/2006" xmlns:p14="http://schemas.microsoft.com/office/powerpoint/2010/main">
-    <mc:Choice Requires="p14">
-      <p:transition p14:dur="0"/>
+  <mc:AlternateContent xmlns:mc="http://schemas.openxmlformats.org/markup-compatibility/2006">
+    <mc:Choice xmlns:p14="http://schemas.microsoft.com/office/powerpoint/2010/main" Requires="p14">
+      <p:transition p14:dur="300">
+        <p:fade/>
+      </p:transition>
     </mc:Choice>
-    <mc:Fallback xmlns="">
-      <p:transition/>
+    <mc:Fallback>
+      <p:transition>
+        <p:fade/>
+      </p:transition>
     </mc:Fallback>
   </mc:AlternateContent>
 </p:sld>
@@ -10057,12 +10314,16 @@
   <p:clrMapOvr>
     <a:masterClrMapping/>
   </p:clrMapOvr>
-  <mc:AlternateContent xmlns:mc="http://schemas.openxmlformats.org/markup-compatibility/2006" xmlns:p14="http://schemas.microsoft.com/office/powerpoint/2010/main">
-    <mc:Choice Requires="p14">
-      <p:transition p14:dur="0"/>
+  <mc:AlternateContent xmlns:mc="http://schemas.openxmlformats.org/markup-compatibility/2006">
+    <mc:Choice xmlns:p14="http://schemas.microsoft.com/office/powerpoint/2010/main" Requires="p14">
+      <p:transition p14:dur="300">
+        <p:fade/>
+      </p:transition>
     </mc:Choice>
-    <mc:Fallback xmlns="">
-      <p:transition/>
+    <mc:Fallback>
+      <p:transition>
+        <p:fade/>
+      </p:transition>
     </mc:Fallback>
   </mc:AlternateContent>
 </p:sld>
@@ -10181,12 +10442,16 @@
   <p:clrMapOvr>
     <a:masterClrMapping/>
   </p:clrMapOvr>
-  <mc:AlternateContent xmlns:mc="http://schemas.openxmlformats.org/markup-compatibility/2006" xmlns:p14="http://schemas.microsoft.com/office/powerpoint/2010/main">
-    <mc:Choice Requires="p14">
-      <p:transition p14:dur="0"/>
+  <mc:AlternateContent xmlns:mc="http://schemas.openxmlformats.org/markup-compatibility/2006">
+    <mc:Choice xmlns:p14="http://schemas.microsoft.com/office/powerpoint/2010/main" Requires="p14">
+      <p:transition p14:dur="300">
+        <p:fade/>
+      </p:transition>
     </mc:Choice>
-    <mc:Fallback xmlns="">
-      <p:transition/>
+    <mc:Fallback>
+      <p:transition>
+        <p:fade/>
+      </p:transition>
     </mc:Fallback>
   </mc:AlternateContent>
 </p:sld>
@@ -10294,7 +10559,7 @@
           <a:p>
             <a:r>
               <a:rPr lang="en-US" dirty="0"/>
-              <a:t>And You knowest my weakness before a little of this world's tribulations and punishments,</a:t>
+              <a:t>And You know my weakness before a little of this world's tribulations and punishments,</a:t>
             </a:r>
           </a:p>
         </p:txBody>
@@ -10309,12 +10574,16 @@
   <p:clrMapOvr>
     <a:masterClrMapping/>
   </p:clrMapOvr>
-  <mc:AlternateContent xmlns:mc="http://schemas.openxmlformats.org/markup-compatibility/2006" xmlns:p14="http://schemas.microsoft.com/office/powerpoint/2010/main">
-    <mc:Choice Requires="p14">
-      <p:transition p14:dur="0"/>
+  <mc:AlternateContent xmlns:mc="http://schemas.openxmlformats.org/markup-compatibility/2006">
+    <mc:Choice xmlns:p14="http://schemas.microsoft.com/office/powerpoint/2010/main" Requires="p14">
+      <p:transition p14:dur="300">
+        <p:fade/>
+      </p:transition>
     </mc:Choice>
-    <mc:Fallback xmlns="">
-      <p:transition/>
+    <mc:Fallback>
+      <p:transition>
+        <p:fade/>
+      </p:transition>
     </mc:Fallback>
   </mc:AlternateContent>
 </p:sld>
@@ -10437,12 +10706,16 @@
   <p:clrMapOvr>
     <a:masterClrMapping/>
   </p:clrMapOvr>
-  <mc:AlternateContent xmlns:mc="http://schemas.openxmlformats.org/markup-compatibility/2006" xmlns:p14="http://schemas.microsoft.com/office/powerpoint/2010/main">
-    <mc:Choice Requires="p14">
-      <p:transition p14:dur="0"/>
+  <mc:AlternateContent xmlns:mc="http://schemas.openxmlformats.org/markup-compatibility/2006">
+    <mc:Choice xmlns:p14="http://schemas.microsoft.com/office/powerpoint/2010/main" Requires="p14">
+      <p:transition p14:dur="300">
+        <p:fade/>
+      </p:transition>
     </mc:Choice>
-    <mc:Fallback xmlns="">
-      <p:transition/>
+    <mc:Fallback>
+      <p:transition>
+        <p:fade/>
+      </p:transition>
     </mc:Fallback>
   </mc:AlternateContent>
 </p:sld>
@@ -10546,12 +10819,16 @@
   <p:clrMapOvr>
     <a:masterClrMapping/>
   </p:clrMapOvr>
-  <mc:AlternateContent xmlns:mc="http://schemas.openxmlformats.org/markup-compatibility/2006" xmlns:p14="http://schemas.microsoft.com/office/powerpoint/2010/main">
-    <mc:Choice Requires="p14">
-      <p:transition p14:dur="0"/>
+  <mc:AlternateContent xmlns:mc="http://schemas.openxmlformats.org/markup-compatibility/2006">
+    <mc:Choice xmlns:p14="http://schemas.microsoft.com/office/powerpoint/2010/main" Requires="p14">
+      <p:transition p14:dur="300">
+        <p:fade/>
+      </p:transition>
     </mc:Choice>
-    <mc:Fallback xmlns="">
-      <p:transition/>
+    <mc:Fallback>
+      <p:transition>
+        <p:fade/>
+      </p:transition>
     </mc:Fallback>
   </mc:AlternateContent>
 </p:sld>
@@ -10677,12 +10954,16 @@
   <p:clrMapOvr>
     <a:masterClrMapping/>
   </p:clrMapOvr>
-  <mc:AlternateContent xmlns:mc="http://schemas.openxmlformats.org/markup-compatibility/2006" xmlns:p14="http://schemas.microsoft.com/office/powerpoint/2010/main">
-    <mc:Choice Requires="p14">
-      <p:transition p14:dur="0"/>
+  <mc:AlternateContent xmlns:mc="http://schemas.openxmlformats.org/markup-compatibility/2006">
+    <mc:Choice xmlns:p14="http://schemas.microsoft.com/office/powerpoint/2010/main" Requires="p14">
+      <p:transition p14:dur="300">
+        <p:fade/>
+      </p:transition>
     </mc:Choice>
-    <mc:Fallback xmlns="">
-      <p:transition/>
+    <mc:Fallback>
+      <p:transition>
+        <p:fade/>
+      </p:transition>
     </mc:Fallback>
   </mc:AlternateContent>
 </p:sld>
@@ -10797,12 +11078,16 @@
   <p:clrMapOvr>
     <a:masterClrMapping/>
   </p:clrMapOvr>
-  <mc:AlternateContent xmlns:mc="http://schemas.openxmlformats.org/markup-compatibility/2006" xmlns:p14="http://schemas.microsoft.com/office/powerpoint/2010/main">
-    <mc:Choice Requires="p14">
-      <p:transition p14:dur="0"/>
+  <mc:AlternateContent xmlns:mc="http://schemas.openxmlformats.org/markup-compatibility/2006">
+    <mc:Choice xmlns:p14="http://schemas.microsoft.com/office/powerpoint/2010/main" Requires="p14">
+      <p:transition p14:dur="300">
+        <p:fade/>
+      </p:transition>
     </mc:Choice>
-    <mc:Fallback xmlns="">
-      <p:transition/>
+    <mc:Fallback>
+      <p:transition>
+        <p:fade/>
+      </p:transition>
     </mc:Fallback>
   </mc:AlternateContent>
 </p:sld>
@@ -10920,12 +11205,16 @@
   <p:clrMapOvr>
     <a:masterClrMapping/>
   </p:clrMapOvr>
-  <mc:AlternateContent xmlns:mc="http://schemas.openxmlformats.org/markup-compatibility/2006" xmlns:p14="http://schemas.microsoft.com/office/powerpoint/2010/main">
-    <mc:Choice Requires="p14">
-      <p:transition p14:dur="0"/>
+  <mc:AlternateContent xmlns:mc="http://schemas.openxmlformats.org/markup-compatibility/2006">
+    <mc:Choice xmlns:p14="http://schemas.microsoft.com/office/powerpoint/2010/main" Requires="p14">
+      <p:transition p14:dur="300">
+        <p:fade/>
+      </p:transition>
     </mc:Choice>
-    <mc:Fallback xmlns="">
-      <p:transition/>
+    <mc:Fallback>
+      <p:transition>
+        <p:fade/>
+      </p:transition>
     </mc:Fallback>
   </mc:AlternateContent>
 </p:sld>
@@ -11040,12 +11329,16 @@
   <p:clrMapOvr>
     <a:masterClrMapping/>
   </p:clrMapOvr>
-  <mc:AlternateContent xmlns:mc="http://schemas.openxmlformats.org/markup-compatibility/2006" xmlns:p14="http://schemas.microsoft.com/office/powerpoint/2010/main">
-    <mc:Choice Requires="p14">
-      <p:transition p14:dur="0"/>
+  <mc:AlternateContent xmlns:mc="http://schemas.openxmlformats.org/markup-compatibility/2006">
+    <mc:Choice xmlns:p14="http://schemas.microsoft.com/office/powerpoint/2010/main" Requires="p14">
+      <p:transition p14:dur="300">
+        <p:fade/>
+      </p:transition>
     </mc:Choice>
-    <mc:Fallback xmlns="">
-      <p:transition/>
+    <mc:Fallback>
+      <p:transition>
+        <p:fade/>
+      </p:transition>
     </mc:Fallback>
   </mc:AlternateContent>
 </p:sld>
@@ -11144,12 +11437,16 @@
   <p:clrMapOvr>
     <a:masterClrMapping/>
   </p:clrMapOvr>
-  <mc:AlternateContent xmlns:mc="http://schemas.openxmlformats.org/markup-compatibility/2006" xmlns:p14="http://schemas.microsoft.com/office/powerpoint/2010/main">
-    <mc:Choice Requires="p14">
-      <p:transition p14:dur="0"/>
+  <mc:AlternateContent xmlns:mc="http://schemas.openxmlformats.org/markup-compatibility/2006">
+    <mc:Choice xmlns:p14="http://schemas.microsoft.com/office/powerpoint/2010/main" Requires="p14">
+      <p:transition p14:dur="300">
+        <p:fade/>
+      </p:transition>
     </mc:Choice>
-    <mc:Fallback xmlns="">
-      <p:transition/>
+    <mc:Fallback>
+      <p:transition>
+        <p:fade/>
+      </p:transition>
     </mc:Fallback>
   </mc:AlternateContent>
 </p:sld>
@@ -11268,12 +11565,16 @@
   <p:clrMapOvr>
     <a:masterClrMapping/>
   </p:clrMapOvr>
-  <mc:AlternateContent xmlns:mc="http://schemas.openxmlformats.org/markup-compatibility/2006" xmlns:p14="http://schemas.microsoft.com/office/powerpoint/2010/main">
-    <mc:Choice Requires="p14">
-      <p:transition p14:dur="0"/>
+  <mc:AlternateContent xmlns:mc="http://schemas.openxmlformats.org/markup-compatibility/2006">
+    <mc:Choice xmlns:p14="http://schemas.microsoft.com/office/powerpoint/2010/main" Requires="p14">
+      <p:transition p14:dur="300">
+        <p:fade/>
+      </p:transition>
     </mc:Choice>
-    <mc:Fallback xmlns="">
-      <p:transition/>
+    <mc:Fallback>
+      <p:transition>
+        <p:fade/>
+      </p:transition>
     </mc:Fallback>
   </mc:AlternateContent>
 </p:sld>
@@ -11404,12 +11705,16 @@
   <p:clrMapOvr>
     <a:masterClrMapping/>
   </p:clrMapOvr>
-  <mc:AlternateContent xmlns:mc="http://schemas.openxmlformats.org/markup-compatibility/2006" xmlns:p14="http://schemas.microsoft.com/office/powerpoint/2010/main">
-    <mc:Choice Requires="p14">
-      <p:transition p14:dur="0"/>
+  <mc:AlternateContent xmlns:mc="http://schemas.openxmlformats.org/markup-compatibility/2006">
+    <mc:Choice xmlns:p14="http://schemas.microsoft.com/office/powerpoint/2010/main" Requires="p14">
+      <p:transition p14:dur="300">
+        <p:fade/>
+      </p:transition>
     </mc:Choice>
-    <mc:Fallback xmlns="">
-      <p:transition/>
+    <mc:Fallback>
+      <p:transition>
+        <p:fade/>
+      </p:transition>
     </mc:Fallback>
   </mc:AlternateContent>
 </p:sld>
@@ -11520,12 +11825,16 @@
   <p:clrMapOvr>
     <a:masterClrMapping/>
   </p:clrMapOvr>
-  <mc:AlternateContent xmlns:mc="http://schemas.openxmlformats.org/markup-compatibility/2006" xmlns:p14="http://schemas.microsoft.com/office/powerpoint/2010/main">
-    <mc:Choice Requires="p14">
-      <p:transition p14:dur="0"/>
+  <mc:AlternateContent xmlns:mc="http://schemas.openxmlformats.org/markup-compatibility/2006">
+    <mc:Choice xmlns:p14="http://schemas.microsoft.com/office/powerpoint/2010/main" Requires="p14">
+      <p:transition p14:dur="300">
+        <p:fade/>
+      </p:transition>
     </mc:Choice>
-    <mc:Fallback xmlns="">
-      <p:transition/>
+    <mc:Fallback>
+      <p:transition>
+        <p:fade/>
+      </p:transition>
     </mc:Fallback>
   </mc:AlternateContent>
 </p:sld>
@@ -11632,12 +11941,16 @@
   <p:clrMapOvr>
     <a:masterClrMapping/>
   </p:clrMapOvr>
-  <mc:AlternateContent xmlns:mc="http://schemas.openxmlformats.org/markup-compatibility/2006" xmlns:p14="http://schemas.microsoft.com/office/powerpoint/2010/main">
-    <mc:Choice Requires="p14">
-      <p:transition p14:dur="0"/>
+  <mc:AlternateContent xmlns:mc="http://schemas.openxmlformats.org/markup-compatibility/2006">
+    <mc:Choice xmlns:p14="http://schemas.microsoft.com/office/powerpoint/2010/main" Requires="p14">
+      <p:transition p14:dur="300">
+        <p:fade/>
+      </p:transition>
     </mc:Choice>
-    <mc:Fallback xmlns="">
-      <p:transition/>
+    <mc:Fallback>
+      <p:transition>
+        <p:fade/>
+      </p:transition>
     </mc:Fallback>
   </mc:AlternateContent>
 </p:sld>
@@ -11736,12 +12049,16 @@
   <p:clrMapOvr>
     <a:masterClrMapping/>
   </p:clrMapOvr>
-  <mc:AlternateContent xmlns:mc="http://schemas.openxmlformats.org/markup-compatibility/2006" xmlns:p14="http://schemas.microsoft.com/office/powerpoint/2010/main">
-    <mc:Choice Requires="p14">
-      <p:transition p14:dur="0"/>
+  <mc:AlternateContent xmlns:mc="http://schemas.openxmlformats.org/markup-compatibility/2006">
+    <mc:Choice xmlns:p14="http://schemas.microsoft.com/office/powerpoint/2010/main" Requires="p14">
+      <p:transition p14:dur="300">
+        <p:fade/>
+      </p:transition>
     </mc:Choice>
-    <mc:Fallback xmlns="">
-      <p:transition/>
+    <mc:Fallback>
+      <p:transition>
+        <p:fade/>
+      </p:transition>
     </mc:Fallback>
   </mc:AlternateContent>
 </p:sld>
@@ -11845,12 +12162,16 @@
   <p:clrMapOvr>
     <a:masterClrMapping/>
   </p:clrMapOvr>
-  <mc:AlternateContent xmlns:mc="http://schemas.openxmlformats.org/markup-compatibility/2006" xmlns:p14="http://schemas.microsoft.com/office/powerpoint/2010/main">
-    <mc:Choice Requires="p14">
-      <p:transition p14:dur="0"/>
+  <mc:AlternateContent xmlns:mc="http://schemas.openxmlformats.org/markup-compatibility/2006">
+    <mc:Choice xmlns:p14="http://schemas.microsoft.com/office/powerpoint/2010/main" Requires="p14">
+      <p:transition p14:dur="300">
+        <p:fade/>
+      </p:transition>
     </mc:Choice>
-    <mc:Fallback xmlns="">
-      <p:transition/>
+    <mc:Fallback>
+      <p:transition>
+        <p:fade/>
+      </p:transition>
     </mc:Fallback>
   </mc:AlternateContent>
 </p:sld>
@@ -11934,7 +12255,15 @@
           <a:p>
             <a:r>
               <a:rPr lang="en-US" dirty="0"/>
-              <a:t>For the pain and severity of chastisement?</a:t>
+              <a:t>For the pain and severity of </a:t>
+            </a:r>
+            <a:r>
+              <a:rPr lang="en-US" dirty="0" err="1"/>
+              <a:t>chaveisement</a:t>
+            </a:r>
+            <a:r>
+              <a:rPr lang="en-US" dirty="0"/>
+              <a:t>?</a:t>
             </a:r>
           </a:p>
         </p:txBody>
@@ -11949,12 +12278,16 @@
   <p:clrMapOvr>
     <a:masterClrMapping/>
   </p:clrMapOvr>
-  <mc:AlternateContent xmlns:mc="http://schemas.openxmlformats.org/markup-compatibility/2006" xmlns:p14="http://schemas.microsoft.com/office/powerpoint/2010/main">
-    <mc:Choice Requires="p14">
-      <p:transition p14:dur="0"/>
+  <mc:AlternateContent xmlns:mc="http://schemas.openxmlformats.org/markup-compatibility/2006">
+    <mc:Choice xmlns:p14="http://schemas.microsoft.com/office/powerpoint/2010/main" Requires="p14">
+      <p:transition p14:dur="300">
+        <p:fade/>
+      </p:transition>
     </mc:Choice>
-    <mc:Fallback xmlns="">
-      <p:transition/>
+    <mc:Fallback>
+      <p:transition>
+        <p:fade/>
+      </p:transition>
     </mc:Fallback>
   </mc:AlternateContent>
 </p:sld>
@@ -12053,12 +12386,16 @@
   <p:clrMapOvr>
     <a:masterClrMapping/>
   </p:clrMapOvr>
-  <mc:AlternateContent xmlns:mc="http://schemas.openxmlformats.org/markup-compatibility/2006" xmlns:p14="http://schemas.microsoft.com/office/powerpoint/2010/main">
-    <mc:Choice Requires="p14">
-      <p:transition p14:dur="0"/>
+  <mc:AlternateContent xmlns:mc="http://schemas.openxmlformats.org/markup-compatibility/2006">
+    <mc:Choice xmlns:p14="http://schemas.microsoft.com/office/powerpoint/2010/main" Requires="p14">
+      <p:transition p14:dur="300">
+        <p:fade/>
+      </p:transition>
     </mc:Choice>
-    <mc:Fallback xmlns="">
-      <p:transition/>
+    <mc:Fallback>
+      <p:transition>
+        <p:fade/>
+      </p:transition>
     </mc:Fallback>
   </mc:AlternateContent>
 </p:sld>
@@ -12165,12 +12502,16 @@
   <p:clrMapOvr>
     <a:masterClrMapping/>
   </p:clrMapOvr>
-  <mc:AlternateContent xmlns:mc="http://schemas.openxmlformats.org/markup-compatibility/2006" xmlns:p14="http://schemas.microsoft.com/office/powerpoint/2010/main">
-    <mc:Choice Requires="p14">
-      <p:transition p14:dur="0"/>
+  <mc:AlternateContent xmlns:mc="http://schemas.openxmlformats.org/markup-compatibility/2006">
+    <mc:Choice xmlns:p14="http://schemas.microsoft.com/office/powerpoint/2010/main" Requires="p14">
+      <p:transition p14:dur="300">
+        <p:fade/>
+      </p:transition>
     </mc:Choice>
-    <mc:Fallback xmlns="">
-      <p:transition/>
+    <mc:Fallback>
+      <p:transition>
+        <p:fade/>
+      </p:transition>
     </mc:Fallback>
   </mc:AlternateContent>
 </p:sld>
@@ -12285,12 +12626,16 @@
   <p:clrMapOvr>
     <a:masterClrMapping/>
   </p:clrMapOvr>
-  <mc:AlternateContent xmlns:mc="http://schemas.openxmlformats.org/markup-compatibility/2006" xmlns:p14="http://schemas.microsoft.com/office/powerpoint/2010/main">
-    <mc:Choice Requires="p14">
-      <p:transition p14:dur="0"/>
+  <mc:AlternateContent xmlns:mc="http://schemas.openxmlformats.org/markup-compatibility/2006">
+    <mc:Choice xmlns:p14="http://schemas.microsoft.com/office/powerpoint/2010/main" Requires="p14">
+      <p:transition p14:dur="300">
+        <p:fade/>
+      </p:transition>
     </mc:Choice>
-    <mc:Fallback xmlns="">
-      <p:transition/>
+    <mc:Fallback>
+      <p:transition>
+        <p:fade/>
+      </p:transition>
     </mc:Fallback>
   </mc:AlternateContent>
 </p:sld>
@@ -12405,12 +12750,16 @@
   <p:clrMapOvr>
     <a:masterClrMapping/>
   </p:clrMapOvr>
-  <mc:AlternateContent xmlns:mc="http://schemas.openxmlformats.org/markup-compatibility/2006" xmlns:p14="http://schemas.microsoft.com/office/powerpoint/2010/main">
-    <mc:Choice Requires="p14">
-      <p:transition p14:dur="0"/>
+  <mc:AlternateContent xmlns:mc="http://schemas.openxmlformats.org/markup-compatibility/2006">
+    <mc:Choice xmlns:p14="http://schemas.microsoft.com/office/powerpoint/2010/main" Requires="p14">
+      <p:transition p14:dur="300">
+        <p:fade/>
+      </p:transition>
     </mc:Choice>
-    <mc:Fallback xmlns="">
-      <p:transition/>
+    <mc:Fallback>
+      <p:transition>
+        <p:fade/>
+      </p:transition>
     </mc:Fallback>
   </mc:AlternateContent>
 </p:sld>
@@ -12525,7 +12874,15 @@
           <a:p>
             <a:r>
               <a:rPr lang="en-US" dirty="0"/>
-              <a:t>Then suppose, My God, my Master, my Protector, and my Lord, that I am able to endure Your chastisement,</a:t>
+              <a:t>Then suppose, My God, my Master, my Protector, and my Lord, that I am able to endure Your </a:t>
+            </a:r>
+            <a:r>
+              <a:rPr lang="en-US" dirty="0" err="1"/>
+              <a:t>chaveisement</a:t>
+            </a:r>
+            <a:r>
+              <a:rPr lang="en-US" dirty="0"/>
+              <a:t>,</a:t>
             </a:r>
           </a:p>
         </p:txBody>
@@ -12540,12 +12897,16 @@
   <p:clrMapOvr>
     <a:masterClrMapping/>
   </p:clrMapOvr>
-  <mc:AlternateContent xmlns:mc="http://schemas.openxmlformats.org/markup-compatibility/2006" xmlns:p14="http://schemas.microsoft.com/office/powerpoint/2010/main">
-    <mc:Choice Requires="p14">
-      <p:transition p14:dur="0"/>
+  <mc:AlternateContent xmlns:mc="http://schemas.openxmlformats.org/markup-compatibility/2006">
+    <mc:Choice xmlns:p14="http://schemas.microsoft.com/office/powerpoint/2010/main" Requires="p14">
+      <p:transition p14:dur="300">
+        <p:fade/>
+      </p:transition>
     </mc:Choice>
-    <mc:Fallback xmlns="">
-      <p:transition/>
+    <mc:Fallback>
+      <p:transition>
+        <p:fade/>
+      </p:transition>
     </mc:Fallback>
   </mc:AlternateContent>
 </p:sld>
@@ -12656,12 +13017,16 @@
   <p:clrMapOvr>
     <a:masterClrMapping/>
   </p:clrMapOvr>
-  <mc:AlternateContent xmlns:mc="http://schemas.openxmlformats.org/markup-compatibility/2006" xmlns:p14="http://schemas.microsoft.com/office/powerpoint/2010/main">
-    <mc:Choice Requires="p14">
-      <p:transition p14:dur="0"/>
+  <mc:AlternateContent xmlns:mc="http://schemas.openxmlformats.org/markup-compatibility/2006">
+    <mc:Choice xmlns:p14="http://schemas.microsoft.com/office/powerpoint/2010/main" Requires="p14">
+      <p:transition p14:dur="300">
+        <p:fade/>
+      </p:transition>
     </mc:Choice>
-    <mc:Fallback xmlns="">
-      <p:transition/>
+    <mc:Fallback>
+      <p:transition>
+        <p:fade/>
+      </p:transition>
     </mc:Fallback>
   </mc:AlternateContent>
 </p:sld>
@@ -12768,12 +13133,16 @@
   <p:clrMapOvr>
     <a:masterClrMapping/>
   </p:clrMapOvr>
-  <mc:AlternateContent xmlns:mc="http://schemas.openxmlformats.org/markup-compatibility/2006" xmlns:p14="http://schemas.microsoft.com/office/powerpoint/2010/main">
-    <mc:Choice Requires="p14">
-      <p:transition p14:dur="0"/>
+  <mc:AlternateContent xmlns:mc="http://schemas.openxmlformats.org/markup-compatibility/2006">
+    <mc:Choice xmlns:p14="http://schemas.microsoft.com/office/powerpoint/2010/main" Requires="p14">
+      <p:transition p14:dur="300">
+        <p:fade/>
+      </p:transition>
     </mc:Choice>
-    <mc:Fallback xmlns="">
-      <p:transition/>
+    <mc:Fallback>
+      <p:transition>
+        <p:fade/>
+      </p:transition>
     </mc:Fallback>
   </mc:AlternateContent>
 </p:sld>
@@ -12884,12 +13253,16 @@
   <p:clrMapOvr>
     <a:masterClrMapping/>
   </p:clrMapOvr>
-  <mc:AlternateContent xmlns:mc="http://schemas.openxmlformats.org/markup-compatibility/2006" xmlns:p14="http://schemas.microsoft.com/office/powerpoint/2010/main">
-    <mc:Choice Requires="p14">
-      <p:transition p14:dur="0"/>
+  <mc:AlternateContent xmlns:mc="http://schemas.openxmlformats.org/markup-compatibility/2006">
+    <mc:Choice xmlns:p14="http://schemas.microsoft.com/office/powerpoint/2010/main" Requires="p14">
+      <p:transition p14:dur="300">
+        <p:fade/>
+      </p:transition>
     </mc:Choice>
-    <mc:Fallback xmlns="">
-      <p:transition/>
+    <mc:Fallback>
+      <p:transition>
+        <p:fade/>
+      </p:transition>
     </mc:Fallback>
   </mc:AlternateContent>
 </p:sld>
@@ -13004,12 +13377,16 @@
   <p:clrMapOvr>
     <a:masterClrMapping/>
   </p:clrMapOvr>
-  <mc:AlternateContent xmlns:mc="http://schemas.openxmlformats.org/markup-compatibility/2006" xmlns:p14="http://schemas.microsoft.com/office/powerpoint/2010/main">
-    <mc:Choice Requires="p14">
-      <p:transition p14:dur="0"/>
+  <mc:AlternateContent xmlns:mc="http://schemas.openxmlformats.org/markup-compatibility/2006">
+    <mc:Choice xmlns:p14="http://schemas.microsoft.com/office/powerpoint/2010/main" Requires="p14">
+      <p:transition p14:dur="300">
+        <p:fade/>
+      </p:transition>
     </mc:Choice>
-    <mc:Fallback xmlns="">
-      <p:transition/>
+    <mc:Fallback>
+      <p:transition>
+        <p:fade/>
+      </p:transition>
     </mc:Fallback>
   </mc:AlternateContent>
 </p:sld>
@@ -13121,12 +13498,16 @@
   <p:clrMapOvr>
     <a:masterClrMapping/>
   </p:clrMapOvr>
-  <mc:AlternateContent xmlns:mc="http://schemas.openxmlformats.org/markup-compatibility/2006" xmlns:p14="http://schemas.microsoft.com/office/powerpoint/2010/main">
-    <mc:Choice Requires="p14">
-      <p:transition p14:dur="0"/>
+  <mc:AlternateContent xmlns:mc="http://schemas.openxmlformats.org/markup-compatibility/2006">
+    <mc:Choice xmlns:p14="http://schemas.microsoft.com/office/powerpoint/2010/main" Requires="p14">
+      <p:transition p14:dur="300">
+        <p:fade/>
+      </p:transition>
     </mc:Choice>
-    <mc:Fallback xmlns="">
-      <p:transition/>
+    <mc:Fallback>
+      <p:transition>
+        <p:fade/>
+      </p:transition>
     </mc:Fallback>
   </mc:AlternateContent>
 </p:sld>
@@ -13256,12 +13637,16 @@
   <p:clrMapOvr>
     <a:masterClrMapping/>
   </p:clrMapOvr>
-  <mc:AlternateContent xmlns:mc="http://schemas.openxmlformats.org/markup-compatibility/2006" xmlns:p14="http://schemas.microsoft.com/office/powerpoint/2010/main">
-    <mc:Choice Requires="p14">
-      <p:transition p14:dur="0"/>
+  <mc:AlternateContent xmlns:mc="http://schemas.openxmlformats.org/markup-compatibility/2006">
+    <mc:Choice xmlns:p14="http://schemas.microsoft.com/office/powerpoint/2010/main" Requires="p14">
+      <p:transition p14:dur="300">
+        <p:fade/>
+      </p:transition>
     </mc:Choice>
-    <mc:Fallback xmlns="">
-      <p:transition/>
+    <mc:Fallback>
+      <p:transition>
+        <p:fade/>
+      </p:transition>
     </mc:Fallback>
   </mc:AlternateContent>
 </p:sld>
@@ -13388,12 +13773,16 @@
   <p:clrMapOvr>
     <a:masterClrMapping/>
   </p:clrMapOvr>
-  <mc:AlternateContent xmlns:mc="http://schemas.openxmlformats.org/markup-compatibility/2006" xmlns:p14="http://schemas.microsoft.com/office/powerpoint/2010/main">
-    <mc:Choice Requires="p14">
-      <p:transition p14:dur="0"/>
+  <mc:AlternateContent xmlns:mc="http://schemas.openxmlformats.org/markup-compatibility/2006">
+    <mc:Choice xmlns:p14="http://schemas.microsoft.com/office/powerpoint/2010/main" Requires="p14">
+      <p:transition p14:dur="300">
+        <p:fade/>
+      </p:transition>
     </mc:Choice>
-    <mc:Fallback xmlns="">
-      <p:transition/>
+    <mc:Fallback>
+      <p:transition>
+        <p:fade/>
+      </p:transition>
     </mc:Fallback>
   </mc:AlternateContent>
 </p:sld>
@@ -13509,12 +13898,16 @@
   <p:clrMapOvr>
     <a:masterClrMapping/>
   </p:clrMapOvr>
-  <mc:AlternateContent xmlns:mc="http://schemas.openxmlformats.org/markup-compatibility/2006" xmlns:p14="http://schemas.microsoft.com/office/powerpoint/2010/main">
-    <mc:Choice Requires="p14">
-      <p:transition p14:dur="0"/>
+  <mc:AlternateContent xmlns:mc="http://schemas.openxmlformats.org/markup-compatibility/2006">
+    <mc:Choice xmlns:p14="http://schemas.microsoft.com/office/powerpoint/2010/main" Requires="p14">
+      <p:transition p14:dur="300">
+        <p:fade/>
+      </p:transition>
     </mc:Choice>
-    <mc:Fallback xmlns="">
-      <p:transition/>
+    <mc:Fallback>
+      <p:transition>
+        <p:fade/>
+      </p:transition>
     </mc:Fallback>
   </mc:AlternateContent>
 </p:sld>
@@ -13630,12 +14023,16 @@
   <p:clrMapOvr>
     <a:masterClrMapping/>
   </p:clrMapOvr>
-  <mc:AlternateContent xmlns:mc="http://schemas.openxmlformats.org/markup-compatibility/2006" xmlns:p14="http://schemas.microsoft.com/office/powerpoint/2010/main">
-    <mc:Choice Requires="p14">
-      <p:transition p14:dur="0"/>
+  <mc:AlternateContent xmlns:mc="http://schemas.openxmlformats.org/markup-compatibility/2006">
+    <mc:Choice xmlns:p14="http://schemas.microsoft.com/office/powerpoint/2010/main" Requires="p14">
+      <p:transition p14:dur="300">
+        <p:fade/>
+      </p:transition>
     </mc:Choice>
-    <mc:Fallback xmlns="">
-      <p:transition/>
+    <mc:Fallback>
+      <p:transition>
+        <p:fade/>
+      </p:transition>
     </mc:Fallback>
   </mc:AlternateContent>
 </p:sld>
@@ -13754,12 +14151,16 @@
   <p:clrMapOvr>
     <a:masterClrMapping/>
   </p:clrMapOvr>
-  <mc:AlternateContent xmlns:mc="http://schemas.openxmlformats.org/markup-compatibility/2006" xmlns:p14="http://schemas.microsoft.com/office/powerpoint/2010/main">
-    <mc:Choice Requires="p14">
-      <p:transition p14:dur="0"/>
+  <mc:AlternateContent xmlns:mc="http://schemas.openxmlformats.org/markup-compatibility/2006">
+    <mc:Choice xmlns:p14="http://schemas.microsoft.com/office/powerpoint/2010/main" Requires="p14">
+      <p:transition p14:dur="300">
+        <p:fade/>
+      </p:transition>
     </mc:Choice>
-    <mc:Fallback xmlns="">
-      <p:transition/>
+    <mc:Fallback>
+      <p:transition>
+        <p:fade/>
+      </p:transition>
     </mc:Fallback>
   </mc:AlternateContent>
 </p:sld>
@@ -13875,12 +14276,16 @@
   <p:clrMapOvr>
     <a:masterClrMapping/>
   </p:clrMapOvr>
-  <mc:AlternateContent xmlns:mc="http://schemas.openxmlformats.org/markup-compatibility/2006" xmlns:p14="http://schemas.microsoft.com/office/powerpoint/2010/main">
-    <mc:Choice Requires="p14">
-      <p:transition p14:dur="0"/>
+  <mc:AlternateContent xmlns:mc="http://schemas.openxmlformats.org/markup-compatibility/2006">
+    <mc:Choice xmlns:p14="http://schemas.microsoft.com/office/powerpoint/2010/main" Requires="p14">
+      <p:transition p14:dur="300">
+        <p:fade/>
+      </p:transition>
     </mc:Choice>
-    <mc:Fallback xmlns="">
-      <p:transition/>
+    <mc:Fallback>
+      <p:transition>
+        <p:fade/>
+      </p:transition>
     </mc:Fallback>
   </mc:AlternateContent>
 </p:sld>
@@ -13996,12 +14401,16 @@
   <p:clrMapOvr>
     <a:masterClrMapping/>
   </p:clrMapOvr>
-  <mc:AlternateContent xmlns:mc="http://schemas.openxmlformats.org/markup-compatibility/2006" xmlns:p14="http://schemas.microsoft.com/office/powerpoint/2010/main">
-    <mc:Choice Requires="p14">
-      <p:transition p14:dur="0"/>
+  <mc:AlternateContent xmlns:mc="http://schemas.openxmlformats.org/markup-compatibility/2006">
+    <mc:Choice xmlns:p14="http://schemas.microsoft.com/office/powerpoint/2010/main" Requires="p14">
+      <p:transition p14:dur="300">
+        <p:fade/>
+      </p:transition>
     </mc:Choice>
-    <mc:Fallback xmlns="">
-      <p:transition/>
+    <mc:Fallback>
+      <p:transition>
+        <p:fade/>
+      </p:transition>
     </mc:Fallback>
   </mc:AlternateContent>
 </p:sld>
@@ -14117,12 +14526,16 @@
   <p:clrMapOvr>
     <a:masterClrMapping/>
   </p:clrMapOvr>
-  <mc:AlternateContent xmlns:mc="http://schemas.openxmlformats.org/markup-compatibility/2006" xmlns:p14="http://schemas.microsoft.com/office/powerpoint/2010/main">
-    <mc:Choice Requires="p14">
-      <p:transition p14:dur="0"/>
+  <mc:AlternateContent xmlns:mc="http://schemas.openxmlformats.org/markup-compatibility/2006">
+    <mc:Choice xmlns:p14="http://schemas.microsoft.com/office/powerpoint/2010/main" Requires="p14">
+      <p:transition p14:dur="300">
+        <p:fade/>
+      </p:transition>
     </mc:Choice>
-    <mc:Fallback xmlns="">
-      <p:transition/>
+    <mc:Fallback>
+      <p:transition>
+        <p:fade/>
+      </p:transition>
     </mc:Fallback>
   </mc:AlternateContent>
 </p:sld>
@@ -14230,12 +14643,16 @@
   <p:clrMapOvr>
     <a:masterClrMapping/>
   </p:clrMapOvr>
-  <mc:AlternateContent xmlns:mc="http://schemas.openxmlformats.org/markup-compatibility/2006" xmlns:p14="http://schemas.microsoft.com/office/powerpoint/2010/main">
-    <mc:Choice Requires="p14">
-      <p:transition p14:dur="0"/>
+  <mc:AlternateContent xmlns:mc="http://schemas.openxmlformats.org/markup-compatibility/2006">
+    <mc:Choice xmlns:p14="http://schemas.microsoft.com/office/powerpoint/2010/main" Requires="p14">
+      <p:transition p14:dur="300">
+        <p:fade/>
+      </p:transition>
     </mc:Choice>
-    <mc:Fallback xmlns="">
-      <p:transition/>
+    <mc:Fallback>
+      <p:transition>
+        <p:fade/>
+      </p:transition>
     </mc:Fallback>
   </mc:AlternateContent>
 </p:sld>
@@ -14357,12 +14774,16 @@
   <p:clrMapOvr>
     <a:masterClrMapping/>
   </p:clrMapOvr>
-  <mc:AlternateContent xmlns:mc="http://schemas.openxmlformats.org/markup-compatibility/2006" xmlns:p14="http://schemas.microsoft.com/office/powerpoint/2010/main">
-    <mc:Choice Requires="p14">
-      <p:transition p14:dur="0"/>
+  <mc:AlternateContent xmlns:mc="http://schemas.openxmlformats.org/markup-compatibility/2006">
+    <mc:Choice xmlns:p14="http://schemas.microsoft.com/office/powerpoint/2010/main" Requires="p14">
+      <p:transition p14:dur="300">
+        <p:fade/>
+      </p:transition>
     </mc:Choice>
-    <mc:Fallback xmlns="">
-      <p:transition/>
+    <mc:Fallback>
+      <p:transition>
+        <p:fade/>
+      </p:transition>
     </mc:Fallback>
   </mc:AlternateContent>
 </p:sld>
@@ -14466,12 +14887,16 @@
   <p:clrMapOvr>
     <a:masterClrMapping/>
   </p:clrMapOvr>
-  <mc:AlternateContent xmlns:mc="http://schemas.openxmlformats.org/markup-compatibility/2006" xmlns:p14="http://schemas.microsoft.com/office/powerpoint/2010/main">
-    <mc:Choice Requires="p14">
-      <p:transition p14:dur="0"/>
+  <mc:AlternateContent xmlns:mc="http://schemas.openxmlformats.org/markup-compatibility/2006">
+    <mc:Choice xmlns:p14="http://schemas.microsoft.com/office/powerpoint/2010/main" Requires="p14">
+      <p:transition p14:dur="300">
+        <p:fade/>
+      </p:transition>
     </mc:Choice>
-    <mc:Fallback xmlns="">
-      <p:transition/>
+    <mc:Fallback>
+      <p:transition>
+        <p:fade/>
+      </p:transition>
     </mc:Fallback>
   </mc:AlternateContent>
 </p:sld>
@@ -14578,12 +15003,16 @@
   <p:clrMapOvr>
     <a:masterClrMapping/>
   </p:clrMapOvr>
-  <mc:AlternateContent xmlns:mc="http://schemas.openxmlformats.org/markup-compatibility/2006" xmlns:p14="http://schemas.microsoft.com/office/powerpoint/2010/main">
-    <mc:Choice Requires="p14">
-      <p:transition p14:dur="0"/>
+  <mc:AlternateContent xmlns:mc="http://schemas.openxmlformats.org/markup-compatibility/2006">
+    <mc:Choice xmlns:p14="http://schemas.microsoft.com/office/powerpoint/2010/main" Requires="p14">
+      <p:transition p14:dur="300">
+        <p:fade/>
+      </p:transition>
     </mc:Choice>
-    <mc:Fallback xmlns="">
-      <p:transition/>
+    <mc:Fallback>
+      <p:transition>
+        <p:fade/>
+      </p:transition>
     </mc:Fallback>
   </mc:AlternateContent>
 </p:sld>
@@ -14687,12 +15116,16 @@
   <p:clrMapOvr>
     <a:masterClrMapping/>
   </p:clrMapOvr>
-  <mc:AlternateContent xmlns:mc="http://schemas.openxmlformats.org/markup-compatibility/2006" xmlns:p14="http://schemas.microsoft.com/office/powerpoint/2010/main">
-    <mc:Choice Requires="p14">
-      <p:transition p14:dur="0"/>
+  <mc:AlternateContent xmlns:mc="http://schemas.openxmlformats.org/markup-compatibility/2006">
+    <mc:Choice xmlns:p14="http://schemas.microsoft.com/office/powerpoint/2010/main" Requires="p14">
+      <p:transition p14:dur="300">
+        <p:fade/>
+      </p:transition>
     </mc:Choice>
-    <mc:Fallback xmlns="">
-      <p:transition/>
+    <mc:Fallback>
+      <p:transition>
+        <p:fade/>
+      </p:transition>
     </mc:Fallback>
   </mc:AlternateContent>
 </p:sld>
@@ -14804,12 +15237,16 @@
   <p:clrMapOvr>
     <a:masterClrMapping/>
   </p:clrMapOvr>
-  <mc:AlternateContent xmlns:mc="http://schemas.openxmlformats.org/markup-compatibility/2006" xmlns:p14="http://schemas.microsoft.com/office/powerpoint/2010/main">
-    <mc:Choice Requires="p14">
-      <p:transition p14:dur="0"/>
+  <mc:AlternateContent xmlns:mc="http://schemas.openxmlformats.org/markup-compatibility/2006">
+    <mc:Choice xmlns:p14="http://schemas.microsoft.com/office/powerpoint/2010/main" Requires="p14">
+      <p:transition p14:dur="300">
+        <p:fade/>
+      </p:transition>
     </mc:Choice>
-    <mc:Fallback xmlns="">
-      <p:transition/>
+    <mc:Fallback>
+      <p:transition>
+        <p:fade/>
+      </p:transition>
     </mc:Fallback>
   </mc:AlternateContent>
 </p:sld>
@@ -14932,12 +15369,16 @@
   <p:clrMapOvr>
     <a:masterClrMapping/>
   </p:clrMapOvr>
-  <mc:AlternateContent xmlns:mc="http://schemas.openxmlformats.org/markup-compatibility/2006" xmlns:p14="http://schemas.microsoft.com/office/powerpoint/2010/main">
-    <mc:Choice Requires="p14">
-      <p:transition p14:dur="0"/>
+  <mc:AlternateContent xmlns:mc="http://schemas.openxmlformats.org/markup-compatibility/2006">
+    <mc:Choice xmlns:p14="http://schemas.microsoft.com/office/powerpoint/2010/main" Requires="p14">
+      <p:transition p14:dur="300">
+        <p:fade/>
+      </p:transition>
     </mc:Choice>
-    <mc:Fallback xmlns="">
-      <p:transition/>
+    <mc:Fallback>
+      <p:transition>
+        <p:fade/>
+      </p:transition>
     </mc:Fallback>
   </mc:AlternateContent>
 </p:sld>
@@ -15045,12 +15486,16 @@
   <p:clrMapOvr>
     <a:masterClrMapping/>
   </p:clrMapOvr>
-  <mc:AlternateContent xmlns:mc="http://schemas.openxmlformats.org/markup-compatibility/2006" xmlns:p14="http://schemas.microsoft.com/office/powerpoint/2010/main">
-    <mc:Choice Requires="p14">
-      <p:transition p14:dur="0"/>
+  <mc:AlternateContent xmlns:mc="http://schemas.openxmlformats.org/markup-compatibility/2006">
+    <mc:Choice xmlns:p14="http://schemas.microsoft.com/office/powerpoint/2010/main" Requires="p14">
+      <p:transition p14:dur="300">
+        <p:fade/>
+      </p:transition>
     </mc:Choice>
-    <mc:Fallback xmlns="">
-      <p:transition/>
+    <mc:Fallback>
+      <p:transition>
+        <p:fade/>
+      </p:transition>
     </mc:Fallback>
   </mc:AlternateContent>
 </p:sld>
@@ -15161,12 +15606,16 @@
   <p:clrMapOvr>
     <a:masterClrMapping/>
   </p:clrMapOvr>
-  <mc:AlternateContent xmlns:mc="http://schemas.openxmlformats.org/markup-compatibility/2006" xmlns:p14="http://schemas.microsoft.com/office/powerpoint/2010/main">
-    <mc:Choice Requires="p14">
-      <p:transition p14:dur="0"/>
+  <mc:AlternateContent xmlns:mc="http://schemas.openxmlformats.org/markup-compatibility/2006">
+    <mc:Choice xmlns:p14="http://schemas.microsoft.com/office/powerpoint/2010/main" Requires="p14">
+      <p:transition p14:dur="300">
+        <p:fade/>
+      </p:transition>
     </mc:Choice>
-    <mc:Fallback xmlns="">
-      <p:transition/>
+    <mc:Fallback>
+      <p:transition>
+        <p:fade/>
+      </p:transition>
     </mc:Fallback>
   </mc:AlternateContent>
 </p:sld>
@@ -15285,7 +15734,15 @@
           <a:p>
             <a:r>
               <a:rPr lang="en-US" dirty="0"/>
-              <a:t>My Protector, so how should he remain in the chastisement, while he has hope for Your previous clemency?</a:t>
+              <a:t>My Protector, so how should he remain in the </a:t>
+            </a:r>
+            <a:r>
+              <a:rPr lang="en-US" dirty="0" err="1"/>
+              <a:t>chaveisement</a:t>
+            </a:r>
+            <a:r>
+              <a:rPr lang="en-US" dirty="0"/>
+              <a:t>, while he has hope for Your previous clemency?</a:t>
             </a:r>
           </a:p>
         </p:txBody>
@@ -15300,12 +15757,16 @@
   <p:clrMapOvr>
     <a:masterClrMapping/>
   </p:clrMapOvr>
-  <mc:AlternateContent xmlns:mc="http://schemas.openxmlformats.org/markup-compatibility/2006" xmlns:p14="http://schemas.microsoft.com/office/powerpoint/2010/main">
-    <mc:Choice Requires="p14">
-      <p:transition p14:dur="0"/>
+  <mc:AlternateContent xmlns:mc="http://schemas.openxmlformats.org/markup-compatibility/2006">
+    <mc:Choice xmlns:p14="http://schemas.microsoft.com/office/powerpoint/2010/main" Requires="p14">
+      <p:transition p14:dur="300">
+        <p:fade/>
+      </p:transition>
     </mc:Choice>
-    <mc:Fallback xmlns="">
-      <p:transition/>
+    <mc:Fallback>
+      <p:transition>
+        <p:fade/>
+      </p:transition>
     </mc:Fallback>
   </mc:AlternateContent>
 </p:sld>
@@ -15412,12 +15873,16 @@
   <p:clrMapOvr>
     <a:masterClrMapping/>
   </p:clrMapOvr>
-  <mc:AlternateContent xmlns:mc="http://schemas.openxmlformats.org/markup-compatibility/2006" xmlns:p14="http://schemas.microsoft.com/office/powerpoint/2010/main">
-    <mc:Choice Requires="p14">
-      <p:transition p14:dur="0"/>
+  <mc:AlternateContent xmlns:mc="http://schemas.openxmlformats.org/markup-compatibility/2006">
+    <mc:Choice xmlns:p14="http://schemas.microsoft.com/office/powerpoint/2010/main" Requires="p14">
+      <p:transition p14:dur="300">
+        <p:fade/>
+      </p:transition>
     </mc:Choice>
-    <mc:Fallback xmlns="">
-      <p:transition/>
+    <mc:Fallback>
+      <p:transition>
+        <p:fade/>
+      </p:transition>
     </mc:Fallback>
   </mc:AlternateContent>
 </p:sld>
@@ -15540,12 +16005,16 @@
   <p:clrMapOvr>
     <a:masterClrMapping/>
   </p:clrMapOvr>
-  <mc:AlternateContent xmlns:mc="http://schemas.openxmlformats.org/markup-compatibility/2006" xmlns:p14="http://schemas.microsoft.com/office/powerpoint/2010/main">
-    <mc:Choice Requires="p14">
-      <p:transition p14:dur="0"/>
+  <mc:AlternateContent xmlns:mc="http://schemas.openxmlformats.org/markup-compatibility/2006">
+    <mc:Choice xmlns:p14="http://schemas.microsoft.com/office/powerpoint/2010/main" Requires="p14">
+      <p:transition p14:dur="300">
+        <p:fade/>
+      </p:transition>
     </mc:Choice>
-    <mc:Fallback xmlns="">
-      <p:transition/>
+    <mc:Fallback>
+      <p:transition>
+        <p:fade/>
+      </p:transition>
     </mc:Fallback>
   </mc:AlternateContent>
 </p:sld>
@@ -15676,12 +16145,16 @@
   <p:clrMapOvr>
     <a:masterClrMapping/>
   </p:clrMapOvr>
-  <mc:AlternateContent xmlns:mc="http://schemas.openxmlformats.org/markup-compatibility/2006" xmlns:p14="http://schemas.microsoft.com/office/powerpoint/2010/main">
-    <mc:Choice Requires="p14">
-      <p:transition p14:dur="0"/>
+  <mc:AlternateContent xmlns:mc="http://schemas.openxmlformats.org/markup-compatibility/2006">
+    <mc:Choice xmlns:p14="http://schemas.microsoft.com/office/powerpoint/2010/main" Requires="p14">
+      <p:transition p14:dur="300">
+        <p:fade/>
+      </p:transition>
     </mc:Choice>
-    <mc:Fallback xmlns="">
-      <p:transition/>
+    <mc:Fallback>
+      <p:transition>
+        <p:fade/>
+      </p:transition>
     </mc:Fallback>
   </mc:AlternateContent>
 </p:sld>
@@ -15785,12 +16258,16 @@
   <p:clrMapOvr>
     <a:masterClrMapping/>
   </p:clrMapOvr>
-  <mc:AlternateContent xmlns:mc="http://schemas.openxmlformats.org/markup-compatibility/2006" xmlns:p14="http://schemas.microsoft.com/office/powerpoint/2010/main">
-    <mc:Choice Requires="p14">
-      <p:transition p14:dur="0"/>
+  <mc:AlternateContent xmlns:mc="http://schemas.openxmlformats.org/markup-compatibility/2006">
+    <mc:Choice xmlns:p14="http://schemas.microsoft.com/office/powerpoint/2010/main" Requires="p14">
+      <p:transition p14:dur="300">
+        <p:fade/>
+      </p:transition>
     </mc:Choice>
-    <mc:Fallback xmlns="">
-      <p:transition/>
+    <mc:Fallback>
+      <p:transition>
+        <p:fade/>
+      </p:transition>
     </mc:Fallback>
   </mc:AlternateContent>
 </p:sld>
@@ -15913,12 +16390,16 @@
   <p:clrMapOvr>
     <a:masterClrMapping/>
   </p:clrMapOvr>
-  <mc:AlternateContent xmlns:mc="http://schemas.openxmlformats.org/markup-compatibility/2006" xmlns:p14="http://schemas.microsoft.com/office/powerpoint/2010/main">
-    <mc:Choice Requires="p14">
-      <p:transition p14:dur="0"/>
+  <mc:AlternateContent xmlns:mc="http://schemas.openxmlformats.org/markup-compatibility/2006">
+    <mc:Choice xmlns:p14="http://schemas.microsoft.com/office/powerpoint/2010/main" Requires="p14">
+      <p:transition p14:dur="300">
+        <p:fade/>
+      </p:transition>
     </mc:Choice>
-    <mc:Fallback xmlns="">
-      <p:transition/>
+    <mc:Fallback>
+      <p:transition>
+        <p:fade/>
+      </p:transition>
     </mc:Fallback>
   </mc:AlternateContent>
 </p:sld>
@@ -16041,12 +16522,16 @@
   <p:clrMapOvr>
     <a:masterClrMapping/>
   </p:clrMapOvr>
-  <mc:AlternateContent xmlns:mc="http://schemas.openxmlformats.org/markup-compatibility/2006" xmlns:p14="http://schemas.microsoft.com/office/powerpoint/2010/main">
-    <mc:Choice Requires="p14">
-      <p:transition p14:dur="0"/>
+  <mc:AlternateContent xmlns:mc="http://schemas.openxmlformats.org/markup-compatibility/2006">
+    <mc:Choice xmlns:p14="http://schemas.microsoft.com/office/powerpoint/2010/main" Requires="p14">
+      <p:transition p14:dur="300">
+        <p:fade/>
+      </p:transition>
     </mc:Choice>
-    <mc:Fallback xmlns="">
-      <p:transition/>
+    <mc:Fallback>
+      <p:transition>
+        <p:fade/>
+      </p:transition>
     </mc:Fallback>
   </mc:AlternateContent>
 </p:sld>
@@ -16174,12 +16659,16 @@
   <p:clrMapOvr>
     <a:masterClrMapping/>
   </p:clrMapOvr>
-  <mc:AlternateContent xmlns:mc="http://schemas.openxmlformats.org/markup-compatibility/2006" xmlns:p14="http://schemas.microsoft.com/office/powerpoint/2010/main">
-    <mc:Choice Requires="p14">
-      <p:transition p14:dur="0"/>
+  <mc:AlternateContent xmlns:mc="http://schemas.openxmlformats.org/markup-compatibility/2006">
+    <mc:Choice xmlns:p14="http://schemas.microsoft.com/office/powerpoint/2010/main" Requires="p14">
+      <p:transition p14:dur="300">
+        <p:fade/>
+      </p:transition>
     </mc:Choice>
-    <mc:Fallback xmlns="">
-      <p:transition/>
+    <mc:Fallback>
+      <p:transition>
+        <p:fade/>
+      </p:transition>
     </mc:Fallback>
   </mc:AlternateContent>
 </p:sld>
@@ -16282,12 +16771,16 @@
   <p:clrMapOvr>
     <a:masterClrMapping/>
   </p:clrMapOvr>
-  <mc:AlternateContent xmlns:mc="http://schemas.openxmlformats.org/markup-compatibility/2006" xmlns:p14="http://schemas.microsoft.com/office/powerpoint/2010/main">
-    <mc:Choice Requires="p14">
-      <p:transition p14:dur="0"/>
+  <mc:AlternateContent xmlns:mc="http://schemas.openxmlformats.org/markup-compatibility/2006">
+    <mc:Choice xmlns:p14="http://schemas.microsoft.com/office/powerpoint/2010/main" Requires="p14">
+      <p:transition p14:dur="300">
+        <p:fade/>
+      </p:transition>
     </mc:Choice>
-    <mc:Fallback xmlns="">
-      <p:transition/>
+    <mc:Fallback>
+      <p:transition>
+        <p:fade/>
+      </p:transition>
     </mc:Fallback>
   </mc:AlternateContent>
 </p:sld>
@@ -16386,12 +16879,16 @@
   <p:clrMapOvr>
     <a:masterClrMapping/>
   </p:clrMapOvr>
-  <mc:AlternateContent xmlns:mc="http://schemas.openxmlformats.org/markup-compatibility/2006" xmlns:p14="http://schemas.microsoft.com/office/powerpoint/2010/main">
-    <mc:Choice Requires="p14">
-      <p:transition p14:dur="0"/>
+  <mc:AlternateContent xmlns:mc="http://schemas.openxmlformats.org/markup-compatibility/2006">
+    <mc:Choice xmlns:p14="http://schemas.microsoft.com/office/powerpoint/2010/main" Requires="p14">
+      <p:transition p14:dur="300">
+        <p:fade/>
+      </p:transition>
     </mc:Choice>
-    <mc:Fallback xmlns="">
-      <p:transition/>
+    <mc:Fallback>
+      <p:transition>
+        <p:fade/>
+      </p:transition>
     </mc:Fallback>
   </mc:AlternateContent>
 </p:sld>
@@ -16486,7 +16983,7 @@
           <a:p>
             <a:r>
               <a:rPr lang="en-US" dirty="0"/>
-              <a:t>Nor it is similar to the goodness and kindness You hast shown to those who profess Your Unity.</a:t>
+              <a:t>Nor it is like the goodness and kindness You have shown to those who profess Your Unity.</a:t>
             </a:r>
           </a:p>
         </p:txBody>
@@ -16501,12 +16998,16 @@
   <p:clrMapOvr>
     <a:masterClrMapping/>
   </p:clrMapOvr>
-  <mc:AlternateContent xmlns:mc="http://schemas.openxmlformats.org/markup-compatibility/2006" xmlns:p14="http://schemas.microsoft.com/office/powerpoint/2010/main">
-    <mc:Choice Requires="p14">
-      <p:transition p14:dur="0"/>
+  <mc:AlternateContent xmlns:mc="http://schemas.openxmlformats.org/markup-compatibility/2006">
+    <mc:Choice xmlns:p14="http://schemas.microsoft.com/office/powerpoint/2010/main" Requires="p14">
+      <p:transition p14:dur="300">
+        <p:fade/>
+      </p:transition>
     </mc:Choice>
-    <mc:Fallback xmlns="">
-      <p:transition/>
+    <mc:Fallback>
+      <p:transition>
+        <p:fade/>
+      </p:transition>
     </mc:Fallback>
   </mc:AlternateContent>
 </p:sld>
@@ -16614,7 +17115,15 @@
           <a:p>
             <a:r>
               <a:rPr lang="en-US" dirty="0"/>
-              <a:t>So I declare with certainty that were it not for what You hast decreed concerning the chastisement of Your deniers</a:t>
+              <a:t>So I declare with certainty that were it not for what You have decreed concerning the </a:t>
+            </a:r>
+            <a:r>
+              <a:rPr lang="en-US" dirty="0" err="1"/>
+              <a:t>chaveisement</a:t>
+            </a:r>
+            <a:r>
+              <a:rPr lang="en-US" dirty="0"/>
+              <a:t> of Your deniers</a:t>
             </a:r>
           </a:p>
         </p:txBody>
@@ -16629,12 +17138,16 @@
   <p:clrMapOvr>
     <a:masterClrMapping/>
   </p:clrMapOvr>
-  <mc:AlternateContent xmlns:mc="http://schemas.openxmlformats.org/markup-compatibility/2006" xmlns:p14="http://schemas.microsoft.com/office/powerpoint/2010/main">
-    <mc:Choice Requires="p14">
-      <p:transition p14:dur="0"/>
+  <mc:AlternateContent xmlns:mc="http://schemas.openxmlformats.org/markup-compatibility/2006">
+    <mc:Choice xmlns:p14="http://schemas.microsoft.com/office/powerpoint/2010/main" Requires="p14">
+      <p:transition p14:dur="300">
+        <p:fade/>
+      </p:transition>
     </mc:Choice>
-    <mc:Fallback xmlns="">
-      <p:transition/>
+    <mc:Fallback>
+      <p:transition>
+        <p:fade/>
+      </p:transition>
     </mc:Fallback>
   </mc:AlternateContent>
 </p:sld>
@@ -16727,7 +17240,7 @@
           <a:p>
             <a:r>
               <a:rPr lang="en-US" dirty="0"/>
-              <a:t>And what You hast foreordained concerning the everlasting home of those who stubbornly resist,</a:t>
+              <a:t>And what You have foreordained concerning the everlasting home of those who stubbornly resist,</a:t>
             </a:r>
           </a:p>
         </p:txBody>
@@ -16742,12 +17255,16 @@
   <p:clrMapOvr>
     <a:masterClrMapping/>
   </p:clrMapOvr>
-  <mc:AlternateContent xmlns:mc="http://schemas.openxmlformats.org/markup-compatibility/2006" xmlns:p14="http://schemas.microsoft.com/office/powerpoint/2010/main">
-    <mc:Choice Requires="p14">
-      <p:transition p14:dur="0"/>
+  <mc:AlternateContent xmlns:mc="http://schemas.openxmlformats.org/markup-compatibility/2006">
+    <mc:Choice xmlns:p14="http://schemas.microsoft.com/office/powerpoint/2010/main" Requires="p14">
+      <p:transition p14:dur="300">
+        <p:fade/>
+      </p:transition>
     </mc:Choice>
-    <mc:Fallback xmlns="">
-      <p:transition/>
+    <mc:Fallback>
+      <p:transition>
+        <p:fade/>
+      </p:transition>
     </mc:Fallback>
   </mc:AlternateContent>
 </p:sld>
@@ -16831,7 +17348,7 @@
           <a:p>
             <a:r>
               <a:rPr lang="en-US" dirty="0"/>
-              <a:t>You wouldst make the Fire, all of it, coolness and safety,</a:t>
+              <a:t>You would make the Fire, all of it, coolness and safety,</a:t>
             </a:r>
           </a:p>
         </p:txBody>
@@ -16846,12 +17363,16 @@
   <p:clrMapOvr>
     <a:masterClrMapping/>
   </p:clrMapOvr>
-  <mc:AlternateContent xmlns:mc="http://schemas.openxmlformats.org/markup-compatibility/2006" xmlns:p14="http://schemas.microsoft.com/office/powerpoint/2010/main">
-    <mc:Choice Requires="p14">
-      <p:transition p14:dur="0"/>
+  <mc:AlternateContent xmlns:mc="http://schemas.openxmlformats.org/markup-compatibility/2006">
+    <mc:Choice xmlns:p14="http://schemas.microsoft.com/office/powerpoint/2010/main" Requires="p14">
+      <p:transition p14:dur="300">
+        <p:fade/>
+      </p:transition>
     </mc:Choice>
-    <mc:Fallback xmlns="">
-      <p:transition/>
+    <mc:Fallback>
+      <p:transition>
+        <p:fade/>
+      </p:transition>
     </mc:Fallback>
   </mc:AlternateContent>
 </p:sld>
@@ -16958,12 +17479,16 @@
   <p:clrMapOvr>
     <a:masterClrMapping/>
   </p:clrMapOvr>
-  <mc:AlternateContent xmlns:mc="http://schemas.openxmlformats.org/markup-compatibility/2006" xmlns:p14="http://schemas.microsoft.com/office/powerpoint/2010/main">
-    <mc:Choice Requires="p14">
-      <p:transition p14:dur="0"/>
+  <mc:AlternateContent xmlns:mc="http://schemas.openxmlformats.org/markup-compatibility/2006">
+    <mc:Choice xmlns:p14="http://schemas.microsoft.com/office/powerpoint/2010/main" Requires="p14">
+      <p:transition p14:dur="300">
+        <p:fade/>
+      </p:transition>
     </mc:Choice>
-    <mc:Fallback xmlns="">
-      <p:transition/>
+    <mc:Fallback>
+      <p:transition>
+        <p:fade/>
+      </p:transition>
     </mc:Fallback>
   </mc:AlternateContent>
 </p:sld>
@@ -17074,12 +17599,16 @@
   <p:clrMapOvr>
     <a:masterClrMapping/>
   </p:clrMapOvr>
-  <mc:AlternateContent xmlns:mc="http://schemas.openxmlformats.org/markup-compatibility/2006" xmlns:p14="http://schemas.microsoft.com/office/powerpoint/2010/main">
-    <mc:Choice Requires="p14">
-      <p:transition p14:dur="0"/>
+  <mc:AlternateContent xmlns:mc="http://schemas.openxmlformats.org/markup-compatibility/2006">
+    <mc:Choice xmlns:p14="http://schemas.microsoft.com/office/powerpoint/2010/main" Requires="p14">
+      <p:transition p14:dur="300">
+        <p:fade/>
+      </p:transition>
     </mc:Choice>
-    <mc:Fallback xmlns="">
-      <p:transition/>
+    <mc:Fallback>
+      <p:transition>
+        <p:fade/>
+      </p:transition>
     </mc:Fallback>
   </mc:AlternateContent>
 </p:sld>
@@ -17176,7 +17705,7 @@
           <a:p>
             <a:r>
               <a:rPr lang="en-US" dirty="0"/>
-              <a:t>But You—holy are Your Names—hast sworn that You will fill it with the unbelievers,</a:t>
+              <a:t>But You—holy are Your Names—have sworn that You will fill it with the unbelievers,</a:t>
             </a:r>
           </a:p>
         </p:txBody>
@@ -17191,12 +17720,16 @@
   <p:clrMapOvr>
     <a:masterClrMapping/>
   </p:clrMapOvr>
-  <mc:AlternateContent xmlns:mc="http://schemas.openxmlformats.org/markup-compatibility/2006" xmlns:p14="http://schemas.microsoft.com/office/powerpoint/2010/main">
-    <mc:Choice Requires="p14">
-      <p:transition p14:dur="0"/>
+  <mc:AlternateContent xmlns:mc="http://schemas.openxmlformats.org/markup-compatibility/2006">
+    <mc:Choice xmlns:p14="http://schemas.microsoft.com/office/powerpoint/2010/main" Requires="p14">
+      <p:transition p14:dur="300">
+        <p:fade/>
+      </p:transition>
     </mc:Choice>
-    <mc:Fallback xmlns="">
-      <p:transition/>
+    <mc:Fallback>
+      <p:transition>
+        <p:fade/>
+      </p:transition>
     </mc:Fallback>
   </mc:AlternateContent>
 </p:sld>
@@ -17300,12 +17833,16 @@
   <p:clrMapOvr>
     <a:masterClrMapping/>
   </p:clrMapOvr>
-  <mc:AlternateContent xmlns:mc="http://schemas.openxmlformats.org/markup-compatibility/2006" xmlns:p14="http://schemas.microsoft.com/office/powerpoint/2010/main">
-    <mc:Choice Requires="p14">
-      <p:transition p14:dur="0"/>
+  <mc:AlternateContent xmlns:mc="http://schemas.openxmlformats.org/markup-compatibility/2006">
+    <mc:Choice xmlns:p14="http://schemas.microsoft.com/office/powerpoint/2010/main" Requires="p14">
+      <p:transition p14:dur="300">
+        <p:fade/>
+      </p:transition>
     </mc:Choice>
-    <mc:Fallback xmlns="">
-      <p:transition/>
+    <mc:Fallback>
+      <p:transition>
+        <p:fade/>
+      </p:transition>
     </mc:Fallback>
   </mc:AlternateContent>
 </p:sld>
@@ -17417,12 +17954,16 @@
   <p:clrMapOvr>
     <a:masterClrMapping/>
   </p:clrMapOvr>
-  <mc:AlternateContent xmlns:mc="http://schemas.openxmlformats.org/markup-compatibility/2006" xmlns:p14="http://schemas.microsoft.com/office/powerpoint/2010/main">
-    <mc:Choice Requires="p14">
-      <p:transition p14:dur="0"/>
+  <mc:AlternateContent xmlns:mc="http://schemas.openxmlformats.org/markup-compatibility/2006">
+    <mc:Choice xmlns:p14="http://schemas.microsoft.com/office/powerpoint/2010/main" Requires="p14">
+      <p:transition p14:dur="300">
+        <p:fade/>
+      </p:transition>
     </mc:Choice>
-    <mc:Fallback xmlns="">
-      <p:transition/>
+    <mc:Fallback>
+      <p:transition>
+        <p:fade/>
+      </p:transition>
     </mc:Fallback>
   </mc:AlternateContent>
 </p:sld>
@@ -17528,12 +18069,16 @@
   <p:clrMapOvr>
     <a:masterClrMapping/>
   </p:clrMapOvr>
-  <mc:AlternateContent xmlns:mc="http://schemas.openxmlformats.org/markup-compatibility/2006" xmlns:p14="http://schemas.microsoft.com/office/powerpoint/2010/main">
-    <mc:Choice Requires="p14">
-      <p:transition p14:dur="0"/>
+  <mc:AlternateContent xmlns:mc="http://schemas.openxmlformats.org/markup-compatibility/2006">
+    <mc:Choice xmlns:p14="http://schemas.microsoft.com/office/powerpoint/2010/main" Requires="p14">
+      <p:transition p14:dur="300">
+        <p:fade/>
+      </p:transition>
     </mc:Choice>
-    <mc:Fallback xmlns="">
-      <p:transition/>
+    <mc:Fallback>
+      <p:transition>
+        <p:fade/>
+      </p:transition>
     </mc:Fallback>
   </mc:AlternateContent>
 </p:sld>
@@ -17641,12 +18186,16 @@
   <p:clrMapOvr>
     <a:masterClrMapping/>
   </p:clrMapOvr>
-  <mc:AlternateContent xmlns:mc="http://schemas.openxmlformats.org/markup-compatibility/2006" xmlns:p14="http://schemas.microsoft.com/office/powerpoint/2010/main">
-    <mc:Choice Requires="p14">
-      <p:transition p14:dur="0"/>
+  <mc:AlternateContent xmlns:mc="http://schemas.openxmlformats.org/markup-compatibility/2006">
+    <mc:Choice xmlns:p14="http://schemas.microsoft.com/office/powerpoint/2010/main" Requires="p14">
+      <p:transition p14:dur="300">
+        <p:fade/>
+      </p:transition>
     </mc:Choice>
-    <mc:Fallback xmlns="">
-      <p:transition/>
+    <mc:Fallback>
+      <p:transition>
+        <p:fade/>
+      </p:transition>
     </mc:Fallback>
   </mc:AlternateContent>
 </p:sld>
@@ -17755,7 +18304,7 @@
           <a:p>
             <a:r>
               <a:rPr lang="en-US" dirty="0"/>
-              <a:t>My God and my Master! So I ask You by the power You hast apportioned</a:t>
+              <a:t>My God and my Master! So I ask You by the power You have apportioned</a:t>
             </a:r>
           </a:p>
         </p:txBody>
@@ -17770,12 +18319,16 @@
   <p:clrMapOvr>
     <a:masterClrMapping/>
   </p:clrMapOvr>
-  <mc:AlternateContent xmlns:mc="http://schemas.openxmlformats.org/markup-compatibility/2006" xmlns:p14="http://schemas.microsoft.com/office/powerpoint/2010/main">
-    <mc:Choice Requires="p14">
-      <p:transition p14:dur="0"/>
+  <mc:AlternateContent xmlns:mc="http://schemas.openxmlformats.org/markup-compatibility/2006">
+    <mc:Choice xmlns:p14="http://schemas.microsoft.com/office/powerpoint/2010/main" Requires="p14">
+      <p:transition p14:dur="300">
+        <p:fade/>
+      </p:transition>
     </mc:Choice>
-    <mc:Fallback xmlns="">
-      <p:transition/>
+    <mc:Fallback>
+      <p:transition>
+        <p:fade/>
+      </p:transition>
     </mc:Fallback>
   </mc:AlternateContent>
 </p:sld>
@@ -17890,7 +18443,7 @@
           <a:p>
             <a:r>
               <a:rPr lang="en-US" dirty="0"/>
-              <a:t>And by the decision which You hast determined and imposed and through which You hast overcome him toward whom it has been put into effect,</a:t>
+              <a:t>And by the decision which You have determined and imposed and through which You have overcome him toward whom it has been put into effect,</a:t>
             </a:r>
           </a:p>
         </p:txBody>
@@ -17905,12 +18458,16 @@
   <p:clrMapOvr>
     <a:masterClrMapping/>
   </p:clrMapOvr>
-  <mc:AlternateContent xmlns:mc="http://schemas.openxmlformats.org/markup-compatibility/2006" xmlns:p14="http://schemas.microsoft.com/office/powerpoint/2010/main">
-    <mc:Choice Requires="p14">
-      <p:transition p14:dur="0"/>
+  <mc:AlternateContent xmlns:mc="http://schemas.openxmlformats.org/markup-compatibility/2006">
+    <mc:Choice xmlns:p14="http://schemas.microsoft.com/office/powerpoint/2010/main" Requires="p14">
+      <p:transition p14:dur="300">
+        <p:fade/>
+      </p:transition>
     </mc:Choice>
-    <mc:Fallback xmlns="">
-      <p:transition/>
+    <mc:Fallback>
+      <p:transition>
+        <p:fade/>
+      </p:transition>
     </mc:Fallback>
   </mc:AlternateContent>
 </p:sld>
@@ -18018,15 +18575,7 @@
           <a:p>
             <a:r>
               <a:rPr lang="en-US" dirty="0"/>
-              <a:t>That You </a:t>
-            </a:r>
-            <a:r>
-              <a:rPr lang="en-US" dirty="0" err="1"/>
-              <a:t>forgivest</a:t>
-            </a:r>
-            <a:r>
-              <a:rPr lang="en-US" dirty="0"/>
-              <a:t> me in this night and at this hour</a:t>
+              <a:t>That You forgive me in this night and at this hour</a:t>
             </a:r>
           </a:p>
         </p:txBody>
@@ -18041,12 +18590,16 @@
   <p:clrMapOvr>
     <a:masterClrMapping/>
   </p:clrMapOvr>
-  <mc:AlternateContent xmlns:mc="http://schemas.openxmlformats.org/markup-compatibility/2006" xmlns:p14="http://schemas.microsoft.com/office/powerpoint/2010/main">
-    <mc:Choice Requires="p14">
-      <p:transition p14:dur="0"/>
+  <mc:AlternateContent xmlns:mc="http://schemas.openxmlformats.org/markup-compatibility/2006">
+    <mc:Choice xmlns:p14="http://schemas.microsoft.com/office/powerpoint/2010/main" Requires="p14">
+      <p:transition p14:dur="300">
+        <p:fade/>
+      </p:transition>
     </mc:Choice>
-    <mc:Fallback xmlns="">
-      <p:transition/>
+    <mc:Fallback>
+      <p:transition>
+        <p:fade/>
+      </p:transition>
     </mc:Fallback>
   </mc:AlternateContent>
 </p:sld>
@@ -18145,12 +18698,16 @@
   <p:clrMapOvr>
     <a:masterClrMapping/>
   </p:clrMapOvr>
-  <mc:AlternateContent xmlns:mc="http://schemas.openxmlformats.org/markup-compatibility/2006" xmlns:p14="http://schemas.microsoft.com/office/powerpoint/2010/main">
-    <mc:Choice Requires="p14">
-      <p:transition p14:dur="0"/>
+  <mc:AlternateContent xmlns:mc="http://schemas.openxmlformats.org/markup-compatibility/2006">
+    <mc:Choice xmlns:p14="http://schemas.microsoft.com/office/powerpoint/2010/main" Requires="p14">
+      <p:transition p14:dur="300">
+        <p:fade/>
+      </p:transition>
     </mc:Choice>
-    <mc:Fallback xmlns="">
-      <p:transition/>
+    <mc:Fallback>
+      <p:transition>
+        <p:fade/>
+      </p:transition>
     </mc:Fallback>
   </mc:AlternateContent>
 </p:sld>
@@ -18249,12 +18806,16 @@
   <p:clrMapOvr>
     <a:masterClrMapping/>
   </p:clrMapOvr>
-  <mc:AlternateContent xmlns:mc="http://schemas.openxmlformats.org/markup-compatibility/2006" xmlns:p14="http://schemas.microsoft.com/office/powerpoint/2010/main">
-    <mc:Choice Requires="p14">
-      <p:transition p14:dur="0"/>
+  <mc:AlternateContent xmlns:mc="http://schemas.openxmlformats.org/markup-compatibility/2006">
+    <mc:Choice xmlns:p14="http://schemas.microsoft.com/office/powerpoint/2010/main" Requires="p14">
+      <p:transition p14:dur="300">
+        <p:fade/>
+      </p:transition>
     </mc:Choice>
-    <mc:Fallback xmlns="">
-      <p:transition/>
+    <mc:Fallback>
+      <p:transition>
+        <p:fade/>
+      </p:transition>
     </mc:Fallback>
   </mc:AlternateContent>
 </p:sld>
@@ -18357,12 +18918,16 @@
   <p:clrMapOvr>
     <a:masterClrMapping/>
   </p:clrMapOvr>
-  <mc:AlternateContent xmlns:mc="http://schemas.openxmlformats.org/markup-compatibility/2006" xmlns:p14="http://schemas.microsoft.com/office/powerpoint/2010/main">
-    <mc:Choice Requires="p14">
-      <p:transition p14:dur="0"/>
+  <mc:AlternateContent xmlns:mc="http://schemas.openxmlformats.org/markup-compatibility/2006">
+    <mc:Choice xmlns:p14="http://schemas.microsoft.com/office/powerpoint/2010/main" Requires="p14">
+      <p:transition p14:dur="300">
+        <p:fade/>
+      </p:transition>
     </mc:Choice>
-    <mc:Fallback xmlns="">
-      <p:transition/>
+    <mc:Fallback>
+      <p:transition>
+        <p:fade/>
+      </p:transition>
     </mc:Fallback>
   </mc:AlternateContent>
 </p:sld>
@@ -18461,12 +19026,16 @@
   <p:clrMapOvr>
     <a:masterClrMapping/>
   </p:clrMapOvr>
-  <mc:AlternateContent xmlns:mc="http://schemas.openxmlformats.org/markup-compatibility/2006" xmlns:p14="http://schemas.microsoft.com/office/powerpoint/2010/main">
-    <mc:Choice Requires="p14">
-      <p:transition p14:dur="0"/>
+  <mc:AlternateContent xmlns:mc="http://schemas.openxmlformats.org/markup-compatibility/2006">
+    <mc:Choice xmlns:p14="http://schemas.microsoft.com/office/powerpoint/2010/main" Requires="p14">
+      <p:transition p14:dur="300">
+        <p:fade/>
+      </p:transition>
     </mc:Choice>
-    <mc:Fallback xmlns="">
-      <p:transition/>
+    <mc:Fallback>
+      <p:transition>
+        <p:fade/>
+      </p:transition>
     </mc:Fallback>
   </mc:AlternateContent>
 </p:sld>
@@ -18565,12 +19134,16 @@
   <p:clrMapOvr>
     <a:masterClrMapping/>
   </p:clrMapOvr>
-  <mc:AlternateContent xmlns:mc="http://schemas.openxmlformats.org/markup-compatibility/2006" xmlns:p14="http://schemas.microsoft.com/office/powerpoint/2010/main">
-    <mc:Choice Requires="p14">
-      <p:transition p14:dur="0"/>
+  <mc:AlternateContent xmlns:mc="http://schemas.openxmlformats.org/markup-compatibility/2006">
+    <mc:Choice xmlns:p14="http://schemas.microsoft.com/office/powerpoint/2010/main" Requires="p14">
+      <p:transition p14:dur="300">
+        <p:fade/>
+      </p:transition>
     </mc:Choice>
-    <mc:Fallback xmlns="">
-      <p:transition/>
+    <mc:Fallback>
+      <p:transition>
+        <p:fade/>
+      </p:transition>
     </mc:Fallback>
   </mc:AlternateContent>
 </p:sld>
@@ -18669,12 +19242,16 @@
   <p:clrMapOvr>
     <a:masterClrMapping/>
   </p:clrMapOvr>
-  <mc:AlternateContent xmlns:mc="http://schemas.openxmlformats.org/markup-compatibility/2006" xmlns:p14="http://schemas.microsoft.com/office/powerpoint/2010/main">
-    <mc:Choice Requires="p14">
-      <p:transition p14:dur="0"/>
+  <mc:AlternateContent xmlns:mc="http://schemas.openxmlformats.org/markup-compatibility/2006">
+    <mc:Choice xmlns:p14="http://schemas.microsoft.com/office/powerpoint/2010/main" Requires="p14">
+      <p:transition p14:dur="300">
+        <p:fade/>
+      </p:transition>
     </mc:Choice>
-    <mc:Fallback xmlns="">
-      <p:transition/>
+    <mc:Fallback>
+      <p:transition>
+        <p:fade/>
+      </p:transition>
     </mc:Fallback>
   </mc:AlternateContent>
 </p:sld>
@@ -18777,12 +19354,16 @@
   <p:clrMapOvr>
     <a:masterClrMapping/>
   </p:clrMapOvr>
-  <mc:AlternateContent xmlns:mc="http://schemas.openxmlformats.org/markup-compatibility/2006" xmlns:p14="http://schemas.microsoft.com/office/powerpoint/2010/main">
-    <mc:Choice Requires="p14">
-      <p:transition p14:dur="0"/>
+  <mc:AlternateContent xmlns:mc="http://schemas.openxmlformats.org/markup-compatibility/2006">
+    <mc:Choice xmlns:p14="http://schemas.microsoft.com/office/powerpoint/2010/main" Requires="p14">
+      <p:transition p14:dur="300">
+        <p:fade/>
+      </p:transition>
     </mc:Choice>
-    <mc:Fallback xmlns="">
-      <p:transition/>
+    <mc:Fallback>
+      <p:transition>
+        <p:fade/>
+      </p:transition>
     </mc:Fallback>
   </mc:AlternateContent>
 </p:sld>
@@ -18894,12 +19475,16 @@
   <p:clrMapOvr>
     <a:masterClrMapping/>
   </p:clrMapOvr>
-  <mc:AlternateContent xmlns:mc="http://schemas.openxmlformats.org/markup-compatibility/2006" xmlns:p14="http://schemas.microsoft.com/office/powerpoint/2010/main">
-    <mc:Choice Requires="p14">
-      <p:transition p14:dur="0"/>
+  <mc:AlternateContent xmlns:mc="http://schemas.openxmlformats.org/markup-compatibility/2006">
+    <mc:Choice xmlns:p14="http://schemas.microsoft.com/office/powerpoint/2010/main" Requires="p14">
+      <p:transition p14:dur="300">
+        <p:fade/>
+      </p:transition>
     </mc:Choice>
-    <mc:Fallback xmlns="">
-      <p:transition/>
+    <mc:Fallback>
+      <p:transition>
+        <p:fade/>
+      </p:transition>
     </mc:Fallback>
   </mc:AlternateContent>
 </p:sld>
@@ -19010,12 +19595,16 @@
   <p:clrMapOvr>
     <a:masterClrMapping/>
   </p:clrMapOvr>
-  <mc:AlternateContent xmlns:mc="http://schemas.openxmlformats.org/markup-compatibility/2006" xmlns:p14="http://schemas.microsoft.com/office/powerpoint/2010/main">
-    <mc:Choice Requires="p14">
-      <p:transition p14:dur="0"/>
+  <mc:AlternateContent xmlns:mc="http://schemas.openxmlformats.org/markup-compatibility/2006">
+    <mc:Choice xmlns:p14="http://schemas.microsoft.com/office/powerpoint/2010/main" Requires="p14">
+      <p:transition p14:dur="300">
+        <p:fade/>
+      </p:transition>
     </mc:Choice>
-    <mc:Fallback xmlns="">
-      <p:transition/>
+    <mc:Fallback>
+      <p:transition>
+        <p:fade/>
+      </p:transition>
     </mc:Fallback>
   </mc:AlternateContent>
 </p:sld>
@@ -19114,12 +19703,16 @@
   <p:clrMapOvr>
     <a:masterClrMapping/>
   </p:clrMapOvr>
-  <mc:AlternateContent xmlns:mc="http://schemas.openxmlformats.org/markup-compatibility/2006" xmlns:p14="http://schemas.microsoft.com/office/powerpoint/2010/main">
-    <mc:Choice Requires="p14">
-      <p:transition p14:dur="0"/>
+  <mc:AlternateContent xmlns:mc="http://schemas.openxmlformats.org/markup-compatibility/2006">
+    <mc:Choice xmlns:p14="http://schemas.microsoft.com/office/powerpoint/2010/main" Requires="p14">
+      <p:transition p14:dur="300">
+        <p:fade/>
+      </p:transition>
     </mc:Choice>
-    <mc:Fallback xmlns="">
-      <p:transition/>
+    <mc:Fallback>
+      <p:transition>
+        <p:fade/>
+      </p:transition>
     </mc:Fallback>
   </mc:AlternateContent>
 </p:sld>
@@ -19226,12 +19819,16 @@
   <p:clrMapOvr>
     <a:masterClrMapping/>
   </p:clrMapOvr>
-  <mc:AlternateContent xmlns:mc="http://schemas.openxmlformats.org/markup-compatibility/2006" xmlns:p14="http://schemas.microsoft.com/office/powerpoint/2010/main">
-    <mc:Choice Requires="p14">
-      <p:transition p14:dur="0"/>
+  <mc:AlternateContent xmlns:mc="http://schemas.openxmlformats.org/markup-compatibility/2006">
+    <mc:Choice xmlns:p14="http://schemas.microsoft.com/office/powerpoint/2010/main" Requires="p14">
+      <p:transition p14:dur="300">
+        <p:fade/>
+      </p:transition>
     </mc:Choice>
-    <mc:Fallback xmlns="">
-      <p:transition/>
+    <mc:Fallback>
+      <p:transition>
+        <p:fade/>
+      </p:transition>
     </mc:Fallback>
   </mc:AlternateContent>
 </p:sld>
@@ -19330,12 +19927,16 @@
   <p:clrMapOvr>
     <a:masterClrMapping/>
   </p:clrMapOvr>
-  <mc:AlternateContent xmlns:mc="http://schemas.openxmlformats.org/markup-compatibility/2006" xmlns:p14="http://schemas.microsoft.com/office/powerpoint/2010/main">
-    <mc:Choice Requires="p14">
-      <p:transition p14:dur="0"/>
+  <mc:AlternateContent xmlns:mc="http://schemas.openxmlformats.org/markup-compatibility/2006">
+    <mc:Choice xmlns:p14="http://schemas.microsoft.com/office/powerpoint/2010/main" Requires="p14">
+      <p:transition p14:dur="300">
+        <p:fade/>
+      </p:transition>
     </mc:Choice>
-    <mc:Fallback xmlns="">
-      <p:transition/>
+    <mc:Fallback>
+      <p:transition>
+        <p:fade/>
+      </p:transition>
     </mc:Fallback>
   </mc:AlternateContent>
 </p:sld>
@@ -19439,12 +20040,16 @@
   <p:clrMapOvr>
     <a:masterClrMapping/>
   </p:clrMapOvr>
-  <mc:AlternateContent xmlns:mc="http://schemas.openxmlformats.org/markup-compatibility/2006" xmlns:p14="http://schemas.microsoft.com/office/powerpoint/2010/main">
-    <mc:Choice Requires="p14">
-      <p:transition p14:dur="0"/>
+  <mc:AlternateContent xmlns:mc="http://schemas.openxmlformats.org/markup-compatibility/2006">
+    <mc:Choice xmlns:p14="http://schemas.microsoft.com/office/powerpoint/2010/main" Requires="p14">
+      <p:transition p14:dur="300">
+        <p:fade/>
+      </p:transition>
     </mc:Choice>
-    <mc:Fallback xmlns="">
-      <p:transition/>
+    <mc:Fallback>
+      <p:transition>
+        <p:fade/>
+      </p:transition>
     </mc:Fallback>
   </mc:AlternateContent>
 </p:sld>
@@ -19552,12 +20157,16 @@
   <p:clrMapOvr>
     <a:masterClrMapping/>
   </p:clrMapOvr>
-  <mc:AlternateContent xmlns:mc="http://schemas.openxmlformats.org/markup-compatibility/2006" xmlns:p14="http://schemas.microsoft.com/office/powerpoint/2010/main">
-    <mc:Choice Requires="p14">
-      <p:transition p14:dur="0"/>
+  <mc:AlternateContent xmlns:mc="http://schemas.openxmlformats.org/markup-compatibility/2006">
+    <mc:Choice xmlns:p14="http://schemas.microsoft.com/office/powerpoint/2010/main" Requires="p14">
+      <p:transition p14:dur="300">
+        <p:fade/>
+      </p:transition>
     </mc:Choice>
-    <mc:Fallback xmlns="">
-      <p:transition/>
+    <mc:Fallback>
+      <p:transition>
+        <p:fade/>
+      </p:transition>
     </mc:Fallback>
   </mc:AlternateContent>
 </p:sld>
@@ -19656,12 +20265,16 @@
   <p:clrMapOvr>
     <a:masterClrMapping/>
   </p:clrMapOvr>
-  <mc:AlternateContent xmlns:mc="http://schemas.openxmlformats.org/markup-compatibility/2006" xmlns:p14="http://schemas.microsoft.com/office/powerpoint/2010/main">
-    <mc:Choice Requires="p14">
-      <p:transition p14:dur="0"/>
+  <mc:AlternateContent xmlns:mc="http://schemas.openxmlformats.org/markup-compatibility/2006">
+    <mc:Choice xmlns:p14="http://schemas.microsoft.com/office/powerpoint/2010/main" Requires="p14">
+      <p:transition p14:dur="300">
+        <p:fade/>
+      </p:transition>
     </mc:Choice>
-    <mc:Fallback xmlns="">
-      <p:transition/>
+    <mc:Fallback>
+      <p:transition>
+        <p:fade/>
+      </p:transition>
     </mc:Fallback>
   </mc:AlternateContent>
 </p:sld>
@@ -19773,12 +20386,16 @@
   <p:clrMapOvr>
     <a:masterClrMapping/>
   </p:clrMapOvr>
-  <mc:AlternateContent xmlns:mc="http://schemas.openxmlformats.org/markup-compatibility/2006" xmlns:p14="http://schemas.microsoft.com/office/powerpoint/2010/main">
-    <mc:Choice Requires="p14">
-      <p:transition p14:dur="0"/>
+  <mc:AlternateContent xmlns:mc="http://schemas.openxmlformats.org/markup-compatibility/2006">
+    <mc:Choice xmlns:p14="http://schemas.microsoft.com/office/powerpoint/2010/main" Requires="p14">
+      <p:transition p14:dur="300">
+        <p:fade/>
+      </p:transition>
     </mc:Choice>
-    <mc:Fallback xmlns="">
-      <p:transition/>
+    <mc:Fallback>
+      <p:transition>
+        <p:fade/>
+      </p:transition>
     </mc:Fallback>
   </mc:AlternateContent>
 </p:sld>
@@ -19877,12 +20494,16 @@
   <p:clrMapOvr>
     <a:masterClrMapping/>
   </p:clrMapOvr>
-  <mc:AlternateContent xmlns:mc="http://schemas.openxmlformats.org/markup-compatibility/2006" xmlns:p14="http://schemas.microsoft.com/office/powerpoint/2010/main">
-    <mc:Choice Requires="p14">
-      <p:transition p14:dur="0"/>
+  <mc:AlternateContent xmlns:mc="http://schemas.openxmlformats.org/markup-compatibility/2006">
+    <mc:Choice xmlns:p14="http://schemas.microsoft.com/office/powerpoint/2010/main" Requires="p14">
+      <p:transition p14:dur="300">
+        <p:fade/>
+      </p:transition>
     </mc:Choice>
-    <mc:Fallback xmlns="">
-      <p:transition/>
+    <mc:Fallback>
+      <p:transition>
+        <p:fade/>
+      </p:transition>
     </mc:Fallback>
   </mc:AlternateContent>
 </p:sld>
@@ -19985,12 +20606,16 @@
   <p:clrMapOvr>
     <a:masterClrMapping/>
   </p:clrMapOvr>
-  <mc:AlternateContent xmlns:mc="http://schemas.openxmlformats.org/markup-compatibility/2006" xmlns:p14="http://schemas.microsoft.com/office/powerpoint/2010/main">
-    <mc:Choice Requires="p14">
-      <p:transition p14:dur="0"/>
+  <mc:AlternateContent xmlns:mc="http://schemas.openxmlformats.org/markup-compatibility/2006">
+    <mc:Choice xmlns:p14="http://schemas.microsoft.com/office/powerpoint/2010/main" Requires="p14">
+      <p:transition p14:dur="300">
+        <p:fade/>
+      </p:transition>
     </mc:Choice>
-    <mc:Fallback xmlns="">
-      <p:transition/>
+    <mc:Fallback>
+      <p:transition>
+        <p:fade/>
+      </p:transition>
     </mc:Fallback>
   </mc:AlternateContent>
 </p:sld>
@@ -20093,12 +20718,16 @@
   <p:clrMapOvr>
     <a:masterClrMapping/>
   </p:clrMapOvr>
-  <mc:AlternateContent xmlns:mc="http://schemas.openxmlformats.org/markup-compatibility/2006" xmlns:p14="http://schemas.microsoft.com/office/powerpoint/2010/main">
-    <mc:Choice Requires="p14">
-      <p:transition p14:dur="0"/>
+  <mc:AlternateContent xmlns:mc="http://schemas.openxmlformats.org/markup-compatibility/2006">
+    <mc:Choice xmlns:p14="http://schemas.microsoft.com/office/powerpoint/2010/main" Requires="p14">
+      <p:transition p14:dur="300">
+        <p:fade/>
+      </p:transition>
     </mc:Choice>
-    <mc:Fallback xmlns="">
-      <p:transition/>
+    <mc:Fallback>
+      <p:transition>
+        <p:fade/>
+      </p:transition>
     </mc:Fallback>
   </mc:AlternateContent>
 </p:sld>
@@ -20201,12 +20830,16 @@
   <p:clrMapOvr>
     <a:masterClrMapping/>
   </p:clrMapOvr>
-  <mc:AlternateContent xmlns:mc="http://schemas.openxmlformats.org/markup-compatibility/2006" xmlns:p14="http://schemas.microsoft.com/office/powerpoint/2010/main">
-    <mc:Choice Requires="p14">
-      <p:transition p14:dur="0"/>
+  <mc:AlternateContent xmlns:mc="http://schemas.openxmlformats.org/markup-compatibility/2006">
+    <mc:Choice xmlns:p14="http://schemas.microsoft.com/office/powerpoint/2010/main" Requires="p14">
+      <p:transition p14:dur="300">
+        <p:fade/>
+      </p:transition>
     </mc:Choice>
-    <mc:Fallback xmlns="">
-      <p:transition/>
+    <mc:Fallback>
+      <p:transition>
+        <p:fade/>
+      </p:transition>
     </mc:Fallback>
   </mc:AlternateContent>
 </p:sld>
@@ -20298,15 +20931,7 @@
           <a:p>
             <a:r>
               <a:rPr lang="en-US" dirty="0"/>
-              <a:t>Or error You </a:t>
-            </a:r>
-            <a:r>
-              <a:rPr lang="en-US" dirty="0" err="1"/>
-              <a:t>covere</a:t>
-            </a:r>
-            <a:r>
-              <a:rPr lang="en-US" dirty="0"/>
-              <a:t>.</a:t>
+              <a:t>Or error You cover.</a:t>
             </a:r>
           </a:p>
         </p:txBody>
@@ -20321,12 +20946,16 @@
   <p:clrMapOvr>
     <a:masterClrMapping/>
   </p:clrMapOvr>
-  <mc:AlternateContent xmlns:mc="http://schemas.openxmlformats.org/markup-compatibility/2006" xmlns:p14="http://schemas.microsoft.com/office/powerpoint/2010/main">
-    <mc:Choice Requires="p14">
-      <p:transition p14:dur="0"/>
+  <mc:AlternateContent xmlns:mc="http://schemas.openxmlformats.org/markup-compatibility/2006">
+    <mc:Choice xmlns:p14="http://schemas.microsoft.com/office/powerpoint/2010/main" Requires="p14">
+      <p:transition p14:dur="300">
+        <p:fade/>
+      </p:transition>
     </mc:Choice>
-    <mc:Fallback xmlns="">
-      <p:transition/>
+    <mc:Fallback>
+      <p:transition>
+        <p:fade/>
+      </p:transition>
     </mc:Fallback>
   </mc:AlternateContent>
 </p:sld>
@@ -20445,12 +21074,16 @@
   <p:clrMapOvr>
     <a:masterClrMapping/>
   </p:clrMapOvr>
-  <mc:AlternateContent xmlns:mc="http://schemas.openxmlformats.org/markup-compatibility/2006" xmlns:p14="http://schemas.microsoft.com/office/powerpoint/2010/main">
-    <mc:Choice Requires="p14">
-      <p:transition p14:dur="0"/>
+  <mc:AlternateContent xmlns:mc="http://schemas.openxmlformats.org/markup-compatibility/2006">
+    <mc:Choice xmlns:p14="http://schemas.microsoft.com/office/powerpoint/2010/main" Requires="p14">
+      <p:transition p14:dur="300">
+        <p:fade/>
+      </p:transition>
     </mc:Choice>
-    <mc:Fallback xmlns="">
-      <p:transition/>
+    <mc:Fallback>
+      <p:transition>
+        <p:fade/>
+      </p:transition>
     </mc:Fallback>
   </mc:AlternateContent>
 </p:sld>
@@ -20561,12 +21194,16 @@
   <p:clrMapOvr>
     <a:masterClrMapping/>
   </p:clrMapOvr>
-  <mc:AlternateContent xmlns:mc="http://schemas.openxmlformats.org/markup-compatibility/2006" xmlns:p14="http://schemas.microsoft.com/office/powerpoint/2010/main">
-    <mc:Choice Requires="p14">
-      <p:transition p14:dur="0"/>
+  <mc:AlternateContent xmlns:mc="http://schemas.openxmlformats.org/markup-compatibility/2006">
+    <mc:Choice xmlns:p14="http://schemas.microsoft.com/office/powerpoint/2010/main" Requires="p14">
+      <p:transition p14:dur="300">
+        <p:fade/>
+      </p:transition>
     </mc:Choice>
-    <mc:Fallback xmlns="">
-      <p:transition/>
+    <mc:Fallback>
+      <p:transition>
+        <p:fade/>
+      </p:transition>
     </mc:Fallback>
   </mc:AlternateContent>
 </p:sld>
@@ -20682,12 +21319,16 @@
   <p:clrMapOvr>
     <a:masterClrMapping/>
   </p:clrMapOvr>
-  <mc:AlternateContent xmlns:mc="http://schemas.openxmlformats.org/markup-compatibility/2006" xmlns:p14="http://schemas.microsoft.com/office/powerpoint/2010/main">
-    <mc:Choice Requires="p14">
-      <p:transition p14:dur="0"/>
+  <mc:AlternateContent xmlns:mc="http://schemas.openxmlformats.org/markup-compatibility/2006">
+    <mc:Choice xmlns:p14="http://schemas.microsoft.com/office/powerpoint/2010/main" Requires="p14">
+      <p:transition p14:dur="300">
+        <p:fade/>
+      </p:transition>
     </mc:Choice>
-    <mc:Fallback xmlns="">
-      <p:transition/>
+    <mc:Fallback>
+      <p:transition>
+        <p:fade/>
+      </p:transition>
     </mc:Fallback>
   </mc:AlternateContent>
 </p:sld>
@@ -20794,12 +21435,16 @@
   <p:clrMapOvr>
     <a:masterClrMapping/>
   </p:clrMapOvr>
-  <mc:AlternateContent xmlns:mc="http://schemas.openxmlformats.org/markup-compatibility/2006" xmlns:p14="http://schemas.microsoft.com/office/powerpoint/2010/main">
-    <mc:Choice Requires="p14">
-      <p:transition p14:dur="0"/>
+  <mc:AlternateContent xmlns:mc="http://schemas.openxmlformats.org/markup-compatibility/2006">
+    <mc:Choice xmlns:p14="http://schemas.microsoft.com/office/powerpoint/2010/main" Requires="p14">
+      <p:transition p14:dur="300">
+        <p:fade/>
+      </p:transition>
     </mc:Choice>
-    <mc:Fallback xmlns="">
-      <p:transition/>
+    <mc:Fallback>
+      <p:transition>
+        <p:fade/>
+      </p:transition>
     </mc:Fallback>
   </mc:AlternateContent>
 </p:sld>
@@ -20907,12 +21552,16 @@
   <p:clrMapOvr>
     <a:masterClrMapping/>
   </p:clrMapOvr>
-  <mc:AlternateContent xmlns:mc="http://schemas.openxmlformats.org/markup-compatibility/2006" xmlns:p14="http://schemas.microsoft.com/office/powerpoint/2010/main">
-    <mc:Choice Requires="p14">
-      <p:transition p14:dur="0"/>
+  <mc:AlternateContent xmlns:mc="http://schemas.openxmlformats.org/markup-compatibility/2006">
+    <mc:Choice xmlns:p14="http://schemas.microsoft.com/office/powerpoint/2010/main" Requires="p14">
+      <p:transition p14:dur="300">
+        <p:fade/>
+      </p:transition>
     </mc:Choice>
-    <mc:Fallback xmlns="">
-      <p:transition/>
+    <mc:Fallback>
+      <p:transition>
+        <p:fade/>
+      </p:transition>
     </mc:Fallback>
   </mc:AlternateContent>
 </p:sld>
@@ -21028,12 +21677,16 @@
   <p:clrMapOvr>
     <a:masterClrMapping/>
   </p:clrMapOvr>
-  <mc:AlternateContent xmlns:mc="http://schemas.openxmlformats.org/markup-compatibility/2006" xmlns:p14="http://schemas.microsoft.com/office/powerpoint/2010/main">
-    <mc:Choice Requires="p14">
-      <p:transition p14:dur="0"/>
+  <mc:AlternateContent xmlns:mc="http://schemas.openxmlformats.org/markup-compatibility/2006">
+    <mc:Choice xmlns:p14="http://schemas.microsoft.com/office/powerpoint/2010/main" Requires="p14">
+      <p:transition p14:dur="300">
+        <p:fade/>
+      </p:transition>
     </mc:Choice>
-    <mc:Fallback xmlns="">
-      <p:transition/>
+    <mc:Fallback>
+      <p:transition>
+        <p:fade/>
+      </p:transition>
     </mc:Fallback>
   </mc:AlternateContent>
 </p:sld>
@@ -21152,12 +21805,16 @@
   <p:clrMapOvr>
     <a:masterClrMapping/>
   </p:clrMapOvr>
-  <mc:AlternateContent xmlns:mc="http://schemas.openxmlformats.org/markup-compatibility/2006" xmlns:p14="http://schemas.microsoft.com/office/powerpoint/2010/main">
-    <mc:Choice Requires="p14">
-      <p:transition p14:dur="0"/>
+  <mc:AlternateContent xmlns:mc="http://schemas.openxmlformats.org/markup-compatibility/2006">
+    <mc:Choice xmlns:p14="http://schemas.microsoft.com/office/powerpoint/2010/main" Requires="p14">
+      <p:transition p14:dur="300">
+        <p:fade/>
+      </p:transition>
     </mc:Choice>
-    <mc:Fallback xmlns="">
-      <p:transition/>
+    <mc:Fallback>
+      <p:transition>
+        <p:fade/>
+      </p:transition>
     </mc:Fallback>
   </mc:AlternateContent>
 </p:sld>
@@ -21256,12 +21913,16 @@
   <p:clrMapOvr>
     <a:masterClrMapping/>
   </p:clrMapOvr>
-  <mc:AlternateContent xmlns:mc="http://schemas.openxmlformats.org/markup-compatibility/2006" xmlns:p14="http://schemas.microsoft.com/office/powerpoint/2010/main">
-    <mc:Choice Requires="p14">
-      <p:transition p14:dur="0"/>
+  <mc:AlternateContent xmlns:mc="http://schemas.openxmlformats.org/markup-compatibility/2006">
+    <mc:Choice xmlns:p14="http://schemas.microsoft.com/office/powerpoint/2010/main" Requires="p14">
+      <p:transition p14:dur="300">
+        <p:fade/>
+      </p:transition>
     </mc:Choice>
-    <mc:Fallback xmlns="">
-      <p:transition/>
+    <mc:Fallback>
+      <p:transition>
+        <p:fade/>
+      </p:transition>
     </mc:Fallback>
   </mc:AlternateContent>
 </p:sld>
@@ -21360,12 +22021,16 @@
   <p:clrMapOvr>
     <a:masterClrMapping/>
   </p:clrMapOvr>
-  <mc:AlternateContent xmlns:mc="http://schemas.openxmlformats.org/markup-compatibility/2006" xmlns:p14="http://schemas.microsoft.com/office/powerpoint/2010/main">
-    <mc:Choice Requires="p14">
-      <p:transition p14:dur="0"/>
+  <mc:AlternateContent xmlns:mc="http://schemas.openxmlformats.org/markup-compatibility/2006">
+    <mc:Choice xmlns:p14="http://schemas.microsoft.com/office/powerpoint/2010/main" Requires="p14">
+      <p:transition p14:dur="300">
+        <p:fade/>
+      </p:transition>
     </mc:Choice>
-    <mc:Fallback xmlns="">
-      <p:transition/>
+    <mc:Fallback>
+      <p:transition>
+        <p:fade/>
+      </p:transition>
     </mc:Fallback>
   </mc:AlternateContent>
 </p:sld>
@@ -21472,12 +22137,16 @@
   <p:clrMapOvr>
     <a:masterClrMapping/>
   </p:clrMapOvr>
-  <mc:AlternateContent xmlns:mc="http://schemas.openxmlformats.org/markup-compatibility/2006" xmlns:p14="http://schemas.microsoft.com/office/powerpoint/2010/main">
-    <mc:Choice Requires="p14">
-      <p:transition p14:dur="0"/>
+  <mc:AlternateContent xmlns:mc="http://schemas.openxmlformats.org/markup-compatibility/2006">
+    <mc:Choice xmlns:p14="http://schemas.microsoft.com/office/powerpoint/2010/main" Requires="p14">
+      <p:transition p14:dur="300">
+        <p:fade/>
+      </p:transition>
     </mc:Choice>
-    <mc:Fallback xmlns="">
-      <p:transition/>
+    <mc:Fallback>
+      <p:transition>
+        <p:fade/>
+      </p:transition>
     </mc:Fallback>
   </mc:AlternateContent>
 </p:sld>
@@ -21576,12 +22245,16 @@
   <p:clrMapOvr>
     <a:masterClrMapping/>
   </p:clrMapOvr>
-  <mc:AlternateContent xmlns:mc="http://schemas.openxmlformats.org/markup-compatibility/2006" xmlns:p14="http://schemas.microsoft.com/office/powerpoint/2010/main">
-    <mc:Choice Requires="p14">
-      <p:transition p14:dur="0"/>
+  <mc:AlternateContent xmlns:mc="http://schemas.openxmlformats.org/markup-compatibility/2006">
+    <mc:Choice xmlns:p14="http://schemas.microsoft.com/office/powerpoint/2010/main" Requires="p14">
+      <p:transition p14:dur="300">
+        <p:fade/>
+      </p:transition>
     </mc:Choice>
-    <mc:Fallback xmlns="">
-      <p:transition/>
+    <mc:Fallback>
+      <p:transition>
+        <p:fade/>
+      </p:transition>
     </mc:Fallback>
   </mc:AlternateContent>
 </p:sld>
@@ -21680,12 +22353,16 @@
   <p:clrMapOvr>
     <a:masterClrMapping/>
   </p:clrMapOvr>
-  <mc:AlternateContent xmlns:mc="http://schemas.openxmlformats.org/markup-compatibility/2006" xmlns:p14="http://schemas.microsoft.com/office/powerpoint/2010/main">
-    <mc:Choice Requires="p14">
-      <p:transition p14:dur="0"/>
+  <mc:AlternateContent xmlns:mc="http://schemas.openxmlformats.org/markup-compatibility/2006">
+    <mc:Choice xmlns:p14="http://schemas.microsoft.com/office/powerpoint/2010/main" Requires="p14">
+      <p:transition p14:dur="300">
+        <p:fade/>
+      </p:transition>
     </mc:Choice>
-    <mc:Fallback xmlns="">
-      <p:transition/>
+    <mc:Fallback>
+      <p:transition>
+        <p:fade/>
+      </p:transition>
     </mc:Fallback>
   </mc:AlternateContent>
 </p:sld>
@@ -21788,12 +22465,16 @@
   <p:clrMapOvr>
     <a:masterClrMapping/>
   </p:clrMapOvr>
-  <mc:AlternateContent xmlns:mc="http://schemas.openxmlformats.org/markup-compatibility/2006" xmlns:p14="http://schemas.microsoft.com/office/powerpoint/2010/main">
-    <mc:Choice Requires="p14">
-      <p:transition p14:dur="0"/>
+  <mc:AlternateContent xmlns:mc="http://schemas.openxmlformats.org/markup-compatibility/2006">
+    <mc:Choice xmlns:p14="http://schemas.microsoft.com/office/powerpoint/2010/main" Requires="p14">
+      <p:transition p14:dur="300">
+        <p:fade/>
+      </p:transition>
     </mc:Choice>
-    <mc:Fallback xmlns="">
-      <p:transition/>
+    <mc:Fallback>
+      <p:transition>
+        <p:fade/>
+      </p:transition>
     </mc:Fallback>
   </mc:AlternateContent>
 </p:sld>
@@ -21900,12 +22581,16 @@
   <p:clrMapOvr>
     <a:masterClrMapping/>
   </p:clrMapOvr>
-  <mc:AlternateContent xmlns:mc="http://schemas.openxmlformats.org/markup-compatibility/2006" xmlns:p14="http://schemas.microsoft.com/office/powerpoint/2010/main">
-    <mc:Choice Requires="p14">
-      <p:transition p14:dur="0"/>
+  <mc:AlternateContent xmlns:mc="http://schemas.openxmlformats.org/markup-compatibility/2006">
+    <mc:Choice xmlns:p14="http://schemas.microsoft.com/office/powerpoint/2010/main" Requires="p14">
+      <p:transition p14:dur="300">
+        <p:fade/>
+      </p:transition>
     </mc:Choice>
-    <mc:Fallback xmlns="">
-      <p:transition/>
+    <mc:Fallback>
+      <p:transition>
+        <p:fade/>
+      </p:transition>
     </mc:Fallback>
   </mc:AlternateContent>
 </p:sld>
@@ -22011,12 +22696,16 @@
   <p:clrMapOvr>
     <a:masterClrMapping/>
   </p:clrMapOvr>
-  <mc:AlternateContent xmlns:mc="http://schemas.openxmlformats.org/markup-compatibility/2006" xmlns:p14="http://schemas.microsoft.com/office/powerpoint/2010/main">
-    <mc:Choice Requires="p14">
-      <p:transition p14:dur="0"/>
+  <mc:AlternateContent xmlns:mc="http://schemas.openxmlformats.org/markup-compatibility/2006">
+    <mc:Choice xmlns:p14="http://schemas.microsoft.com/office/powerpoint/2010/main" Requires="p14">
+      <p:transition p14:dur="300">
+        <p:fade/>
+      </p:transition>
     </mc:Choice>
-    <mc:Fallback xmlns="">
-      <p:transition/>
+    <mc:Fallback>
+      <p:transition>
+        <p:fade/>
+      </p:transition>
     </mc:Fallback>
   </mc:AlternateContent>
 </p:sld>
@@ -22123,12 +22812,16 @@
   <p:clrMapOvr>
     <a:masterClrMapping/>
   </p:clrMapOvr>
-  <mc:AlternateContent xmlns:mc="http://schemas.openxmlformats.org/markup-compatibility/2006" xmlns:p14="http://schemas.microsoft.com/office/powerpoint/2010/main">
-    <mc:Choice Requires="p14">
-      <p:transition p14:dur="0"/>
+  <mc:AlternateContent xmlns:mc="http://schemas.openxmlformats.org/markup-compatibility/2006">
+    <mc:Choice xmlns:p14="http://schemas.microsoft.com/office/powerpoint/2010/main" Requires="p14">
+      <p:transition p14:dur="300">
+        <p:fade/>
+      </p:transition>
     </mc:Choice>
-    <mc:Fallback xmlns="">
-      <p:transition/>
+    <mc:Fallback>
+      <p:transition>
+        <p:fade/>
+      </p:transition>
     </mc:Fallback>
   </mc:AlternateContent>
 </p:sld>
@@ -22255,12 +22948,16 @@
   <p:clrMapOvr>
     <a:masterClrMapping/>
   </p:clrMapOvr>
-  <mc:AlternateContent xmlns:mc="http://schemas.openxmlformats.org/markup-compatibility/2006" xmlns:p14="http://schemas.microsoft.com/office/powerpoint/2010/main">
-    <mc:Choice Requires="p14">
-      <p:transition p14:dur="0"/>
+  <mc:AlternateContent xmlns:mc="http://schemas.openxmlformats.org/markup-compatibility/2006">
+    <mc:Choice xmlns:p14="http://schemas.microsoft.com/office/powerpoint/2010/main" Requires="p14">
+      <p:transition p14:dur="300">
+        <p:fade/>
+      </p:transition>
     </mc:Choice>
-    <mc:Fallback xmlns="">
-      <p:transition/>
+    <mc:Fallback>
+      <p:transition>
+        <p:fade/>
+      </p:transition>
     </mc:Fallback>
   </mc:AlternateContent>
 </p:sld>
@@ -22371,12 +23068,16 @@
   <p:clrMapOvr>
     <a:masterClrMapping/>
   </p:clrMapOvr>
-  <mc:AlternateContent xmlns:mc="http://schemas.openxmlformats.org/markup-compatibility/2006" xmlns:p14="http://schemas.microsoft.com/office/powerpoint/2010/main">
-    <mc:Choice Requires="p14">
-      <p:transition p14:dur="0"/>
+  <mc:AlternateContent xmlns:mc="http://schemas.openxmlformats.org/markup-compatibility/2006">
+    <mc:Choice xmlns:p14="http://schemas.microsoft.com/office/powerpoint/2010/main" Requires="p14">
+      <p:transition p14:dur="300">
+        <p:fade/>
+      </p:transition>
     </mc:Choice>
-    <mc:Fallback xmlns="">
-      <p:transition/>
+    <mc:Fallback>
+      <p:transition>
+        <p:fade/>
+      </p:transition>
     </mc:Fallback>
   </mc:AlternateContent>
 </p:sld>
@@ -22495,12 +23196,16 @@
   <p:clrMapOvr>
     <a:masterClrMapping/>
   </p:clrMapOvr>
-  <mc:AlternateContent xmlns:mc="http://schemas.openxmlformats.org/markup-compatibility/2006" xmlns:p14="http://schemas.microsoft.com/office/powerpoint/2010/main">
-    <mc:Choice Requires="p14">
-      <p:transition p14:dur="0"/>
+  <mc:AlternateContent xmlns:mc="http://schemas.openxmlformats.org/markup-compatibility/2006">
+    <mc:Choice xmlns:p14="http://schemas.microsoft.com/office/powerpoint/2010/main" Requires="p14">
+      <p:transition p14:dur="300">
+        <p:fade/>
+      </p:transition>
     </mc:Choice>
-    <mc:Fallback xmlns="">
-      <p:transition/>
+    <mc:Fallback>
+      <p:transition>
+        <p:fade/>
+      </p:transition>
     </mc:Fallback>
   </mc:AlternateContent>
 </p:sld>
@@ -22607,12 +23312,16 @@
   <p:clrMapOvr>
     <a:masterClrMapping/>
   </p:clrMapOvr>
-  <mc:AlternateContent xmlns:mc="http://schemas.openxmlformats.org/markup-compatibility/2006" xmlns:p14="http://schemas.microsoft.com/office/powerpoint/2010/main">
-    <mc:Choice Requires="p14">
-      <p:transition p14:dur="0"/>
+  <mc:AlternateContent xmlns:mc="http://schemas.openxmlformats.org/markup-compatibility/2006">
+    <mc:Choice xmlns:p14="http://schemas.microsoft.com/office/powerpoint/2010/main" Requires="p14">
+      <p:transition p14:dur="300">
+        <p:fade/>
+      </p:transition>
     </mc:Choice>
-    <mc:Fallback xmlns="">
-      <p:transition/>
+    <mc:Fallback>
+      <p:transition>
+        <p:fade/>
+      </p:transition>
     </mc:Fallback>
   </mc:AlternateContent>
 </p:sld>
@@ -22731,12 +23440,16 @@
   <p:clrMapOvr>
     <a:masterClrMapping/>
   </p:clrMapOvr>
-  <mc:AlternateContent xmlns:mc="http://schemas.openxmlformats.org/markup-compatibility/2006" xmlns:p14="http://schemas.microsoft.com/office/powerpoint/2010/main">
-    <mc:Choice Requires="p14">
-      <p:transition p14:dur="0"/>
+  <mc:AlternateContent xmlns:mc="http://schemas.openxmlformats.org/markup-compatibility/2006">
+    <mc:Choice xmlns:p14="http://schemas.microsoft.com/office/powerpoint/2010/main" Requires="p14">
+      <p:transition p14:dur="300">
+        <p:fade/>
+      </p:transition>
     </mc:Choice>
-    <mc:Fallback xmlns="">
-      <p:transition/>
+    <mc:Fallback>
+      <p:transition>
+        <p:fade/>
+      </p:transition>
     </mc:Fallback>
   </mc:AlternateContent>
 </p:sld>
@@ -22848,12 +23561,16 @@
   <p:clrMapOvr>
     <a:masterClrMapping/>
   </p:clrMapOvr>
-  <mc:AlternateContent xmlns:mc="http://schemas.openxmlformats.org/markup-compatibility/2006" xmlns:p14="http://schemas.microsoft.com/office/powerpoint/2010/main">
-    <mc:Choice Requires="p14">
-      <p:transition p14:dur="0"/>
+  <mc:AlternateContent xmlns:mc="http://schemas.openxmlformats.org/markup-compatibility/2006">
+    <mc:Choice xmlns:p14="http://schemas.microsoft.com/office/powerpoint/2010/main" Requires="p14">
+      <p:transition p14:dur="300">
+        <p:fade/>
+      </p:transition>
     </mc:Choice>
-    <mc:Fallback xmlns="">
-      <p:transition/>
+    <mc:Fallback>
+      <p:transition>
+        <p:fade/>
+      </p:transition>
     </mc:Fallback>
   </mc:AlternateContent>
 </p:sld>
@@ -22969,12 +23686,16 @@
   <p:clrMapOvr>
     <a:masterClrMapping/>
   </p:clrMapOvr>
-  <mc:AlternateContent xmlns:mc="http://schemas.openxmlformats.org/markup-compatibility/2006" xmlns:p14="http://schemas.microsoft.com/office/powerpoint/2010/main">
-    <mc:Choice Requires="p14">
-      <p:transition p14:dur="0"/>
+  <mc:AlternateContent xmlns:mc="http://schemas.openxmlformats.org/markup-compatibility/2006">
+    <mc:Choice xmlns:p14="http://schemas.microsoft.com/office/powerpoint/2010/main" Requires="p14">
+      <p:transition p14:dur="300">
+        <p:fade/>
+      </p:transition>
     </mc:Choice>
-    <mc:Fallback xmlns="">
-      <p:transition/>
+    <mc:Fallback>
+      <p:transition>
+        <p:fade/>
+      </p:transition>
     </mc:Fallback>
   </mc:AlternateContent>
 </p:sld>
@@ -23106,12 +23827,16 @@
   <p:clrMapOvr>
     <a:masterClrMapping/>
   </p:clrMapOvr>
-  <mc:AlternateContent xmlns:mc="http://schemas.openxmlformats.org/markup-compatibility/2006" xmlns:p14="http://schemas.microsoft.com/office/powerpoint/2010/main">
-    <mc:Choice Requires="p14">
-      <p:transition p14:dur="0"/>
+  <mc:AlternateContent xmlns:mc="http://schemas.openxmlformats.org/markup-compatibility/2006">
+    <mc:Choice xmlns:p14="http://schemas.microsoft.com/office/powerpoint/2010/main" Requires="p14">
+      <p:transition p14:dur="300">
+        <p:fade/>
+      </p:transition>
     </mc:Choice>
-    <mc:Fallback xmlns="">
-      <p:transition/>
+    <mc:Fallback>
+      <p:transition>
+        <p:fade/>
+      </p:transition>
     </mc:Fallback>
   </mc:AlternateContent>
 </p:sld>
@@ -23226,12 +23951,16 @@
   <p:clrMapOvr>
     <a:masterClrMapping/>
   </p:clrMapOvr>
-  <mc:AlternateContent xmlns:mc="http://schemas.openxmlformats.org/markup-compatibility/2006" xmlns:p14="http://schemas.microsoft.com/office/powerpoint/2010/main">
-    <mc:Choice Requires="p14">
-      <p:transition p14:dur="0"/>
+  <mc:AlternateContent xmlns:mc="http://schemas.openxmlformats.org/markup-compatibility/2006">
+    <mc:Choice xmlns:p14="http://schemas.microsoft.com/office/powerpoint/2010/main" Requires="p14">
+      <p:transition p14:dur="300">
+        <p:fade/>
+      </p:transition>
     </mc:Choice>
-    <mc:Fallback xmlns="">
-      <p:transition/>
+    <mc:Fallback>
+      <p:transition>
+        <p:fade/>
+      </p:transition>
     </mc:Fallback>
   </mc:AlternateContent>
 </p:sld>
@@ -23357,12 +24086,16 @@
   <p:clrMapOvr>
     <a:masterClrMapping/>
   </p:clrMapOvr>
-  <mc:AlternateContent xmlns:mc="http://schemas.openxmlformats.org/markup-compatibility/2006" xmlns:p14="http://schemas.microsoft.com/office/powerpoint/2010/main">
-    <mc:Choice Requires="p14">
-      <p:transition p14:dur="0"/>
+  <mc:AlternateContent xmlns:mc="http://schemas.openxmlformats.org/markup-compatibility/2006">
+    <mc:Choice xmlns:p14="http://schemas.microsoft.com/office/powerpoint/2010/main" Requires="p14">
+      <p:transition p14:dur="300">
+        <p:fade/>
+      </p:transition>
     </mc:Choice>
-    <mc:Fallback xmlns="">
-      <p:transition/>
+    <mc:Fallback>
+      <p:transition>
+        <p:fade/>
+      </p:transition>
     </mc:Fallback>
   </mc:AlternateContent>
 </p:sld>
@@ -23477,12 +24210,16 @@
   <p:clrMapOvr>
     <a:masterClrMapping/>
   </p:clrMapOvr>
-  <mc:AlternateContent xmlns:mc="http://schemas.openxmlformats.org/markup-compatibility/2006" xmlns:p14="http://schemas.microsoft.com/office/powerpoint/2010/main">
-    <mc:Choice Requires="p14">
-      <p:transition p14:dur="0"/>
+  <mc:AlternateContent xmlns:mc="http://schemas.openxmlformats.org/markup-compatibility/2006">
+    <mc:Choice xmlns:p14="http://schemas.microsoft.com/office/powerpoint/2010/main" Requires="p14">
+      <p:transition p14:dur="300">
+        <p:fade/>
+      </p:transition>
     </mc:Choice>
-    <mc:Fallback xmlns="">
-      <p:transition/>
+    <mc:Fallback>
+      <p:transition>
+        <p:fade/>
+      </p:transition>
     </mc:Fallback>
   </mc:AlternateContent>
 </p:sld>
@@ -23586,12 +24323,16 @@
   <p:clrMapOvr>
     <a:masterClrMapping/>
   </p:clrMapOvr>
-  <mc:AlternateContent xmlns:mc="http://schemas.openxmlformats.org/markup-compatibility/2006" xmlns:p14="http://schemas.microsoft.com/office/powerpoint/2010/main">
-    <mc:Choice Requires="p14">
-      <p:transition p14:dur="0"/>
+  <mc:AlternateContent xmlns:mc="http://schemas.openxmlformats.org/markup-compatibility/2006">
+    <mc:Choice xmlns:p14="http://schemas.microsoft.com/office/powerpoint/2010/main" Requires="p14">
+      <p:transition p14:dur="300">
+        <p:fade/>
+      </p:transition>
     </mc:Choice>
-    <mc:Fallback xmlns="">
-      <p:transition/>
+    <mc:Fallback>
+      <p:transition>
+        <p:fade/>
+      </p:transition>
     </mc:Fallback>
   </mc:AlternateContent>
 </p:sld>
@@ -23690,12 +24431,16 @@
   <p:clrMapOvr>
     <a:masterClrMapping/>
   </p:clrMapOvr>
-  <mc:AlternateContent xmlns:mc="http://schemas.openxmlformats.org/markup-compatibility/2006" xmlns:p14="http://schemas.microsoft.com/office/powerpoint/2010/main">
-    <mc:Choice Requires="p14">
-      <p:transition p14:dur="0"/>
+  <mc:AlternateContent xmlns:mc="http://schemas.openxmlformats.org/markup-compatibility/2006">
+    <mc:Choice xmlns:p14="http://schemas.microsoft.com/office/powerpoint/2010/main" Requires="p14">
+      <p:transition p14:dur="300">
+        <p:fade/>
+      </p:transition>
     </mc:Choice>
-    <mc:Fallback xmlns="">
-      <p:transition/>
+    <mc:Fallback>
+      <p:transition>
+        <p:fade/>
+      </p:transition>
     </mc:Fallback>
   </mc:AlternateContent>
 </p:sld>
@@ -23802,12 +24547,16 @@
   <p:clrMapOvr>
     <a:masterClrMapping/>
   </p:clrMapOvr>
-  <mc:AlternateContent xmlns:mc="http://schemas.openxmlformats.org/markup-compatibility/2006" xmlns:p14="http://schemas.microsoft.com/office/powerpoint/2010/main">
-    <mc:Choice Requires="p14">
-      <p:transition p14:dur="0"/>
+  <mc:AlternateContent xmlns:mc="http://schemas.openxmlformats.org/markup-compatibility/2006">
+    <mc:Choice xmlns:p14="http://schemas.microsoft.com/office/powerpoint/2010/main" Requires="p14">
+      <p:transition p14:dur="300">
+        <p:fade/>
+      </p:transition>
     </mc:Choice>
-    <mc:Fallback xmlns="">
-      <p:transition/>
+    <mc:Fallback>
+      <p:transition>
+        <p:fade/>
+      </p:transition>
     </mc:Fallback>
   </mc:AlternateContent>
 </p:sld>
@@ -23906,12 +24655,16 @@
   <p:clrMapOvr>
     <a:masterClrMapping/>
   </p:clrMapOvr>
-  <mc:AlternateContent xmlns:mc="http://schemas.openxmlformats.org/markup-compatibility/2006" xmlns:p14="http://schemas.microsoft.com/office/powerpoint/2010/main">
-    <mc:Choice Requires="p14">
-      <p:transition p14:dur="0"/>
+  <mc:AlternateContent xmlns:mc="http://schemas.openxmlformats.org/markup-compatibility/2006">
+    <mc:Choice xmlns:p14="http://schemas.microsoft.com/office/powerpoint/2010/main" Requires="p14">
+      <p:transition p14:dur="300">
+        <p:fade/>
+      </p:transition>
     </mc:Choice>
-    <mc:Fallback xmlns="">
-      <p:transition/>
+    <mc:Fallback>
+      <p:transition>
+        <p:fade/>
+      </p:transition>
     </mc:Fallback>
   </mc:AlternateContent>
 </p:sld>
@@ -24018,12 +24771,16 @@
   <p:clrMapOvr>
     <a:masterClrMapping/>
   </p:clrMapOvr>
-  <mc:AlternateContent xmlns:mc="http://schemas.openxmlformats.org/markup-compatibility/2006" xmlns:p14="http://schemas.microsoft.com/office/powerpoint/2010/main">
-    <mc:Choice Requires="p14">
-      <p:transition p14:dur="0"/>
+  <mc:AlternateContent xmlns:mc="http://schemas.openxmlformats.org/markup-compatibility/2006">
+    <mc:Choice xmlns:p14="http://schemas.microsoft.com/office/powerpoint/2010/main" Requires="p14">
+      <p:transition p14:dur="300">
+        <p:fade/>
+      </p:transition>
     </mc:Choice>
-    <mc:Fallback xmlns="">
-      <p:transition/>
+    <mc:Fallback>
+      <p:transition>
+        <p:fade/>
+      </p:transition>
     </mc:Fallback>
   </mc:AlternateContent>
 </p:sld>
@@ -24138,12 +24895,16 @@
   <p:clrMapOvr>
     <a:masterClrMapping/>
   </p:clrMapOvr>
-  <mc:AlternateContent xmlns:mc="http://schemas.openxmlformats.org/markup-compatibility/2006" xmlns:p14="http://schemas.microsoft.com/office/powerpoint/2010/main">
-    <mc:Choice Requires="p14">
-      <p:transition p14:dur="0"/>
+  <mc:AlternateContent xmlns:mc="http://schemas.openxmlformats.org/markup-compatibility/2006">
+    <mc:Choice xmlns:p14="http://schemas.microsoft.com/office/powerpoint/2010/main" Requires="p14">
+      <p:transition p14:dur="300">
+        <p:fade/>
+      </p:transition>
     </mc:Choice>
-    <mc:Fallback xmlns="">
-      <p:transition/>
+    <mc:Fallback>
+      <p:transition>
+        <p:fade/>
+      </p:transition>
     </mc:Fallback>
   </mc:AlternateContent>
 </p:sld>
@@ -24242,12 +25003,16 @@
   <p:clrMapOvr>
     <a:masterClrMapping/>
   </p:clrMapOvr>
-  <mc:AlternateContent xmlns:mc="http://schemas.openxmlformats.org/markup-compatibility/2006" xmlns:p14="http://schemas.microsoft.com/office/powerpoint/2010/main">
-    <mc:Choice Requires="p14">
-      <p:transition p14:dur="0"/>
+  <mc:AlternateContent xmlns:mc="http://schemas.openxmlformats.org/markup-compatibility/2006">
+    <mc:Choice xmlns:p14="http://schemas.microsoft.com/office/powerpoint/2010/main" Requires="p14">
+      <p:transition p14:dur="300">
+        <p:fade/>
+      </p:transition>
     </mc:Choice>
-    <mc:Fallback xmlns="">
-      <p:transition/>
+    <mc:Fallback>
+      <p:transition>
+        <p:fade/>
+      </p:transition>
     </mc:Fallback>
   </mc:AlternateContent>
 </p:sld>
@@ -24351,12 +25116,16 @@
   <p:clrMapOvr>
     <a:masterClrMapping/>
   </p:clrMapOvr>
-  <mc:AlternateContent xmlns:mc="http://schemas.openxmlformats.org/markup-compatibility/2006" xmlns:p14="http://schemas.microsoft.com/office/powerpoint/2010/main">
-    <mc:Choice Requires="p14">
-      <p:transition p14:dur="0"/>
+  <mc:AlternateContent xmlns:mc="http://schemas.openxmlformats.org/markup-compatibility/2006">
+    <mc:Choice xmlns:p14="http://schemas.microsoft.com/office/powerpoint/2010/main" Requires="p14">
+      <p:transition p14:dur="300">
+        <p:fade/>
+      </p:transition>
     </mc:Choice>
-    <mc:Fallback xmlns="">
-      <p:transition/>
+    <mc:Fallback>
+      <p:transition>
+        <p:fade/>
+      </p:transition>
     </mc:Fallback>
   </mc:AlternateContent>
 </p:sld>
@@ -24471,12 +25240,16 @@
   <p:clrMapOvr>
     <a:masterClrMapping/>
   </p:clrMapOvr>
-  <mc:AlternateContent xmlns:mc="http://schemas.openxmlformats.org/markup-compatibility/2006" xmlns:p14="http://schemas.microsoft.com/office/powerpoint/2010/main">
-    <mc:Choice Requires="p14">
-      <p:transition p14:dur="0"/>
+  <mc:AlternateContent xmlns:mc="http://schemas.openxmlformats.org/markup-compatibility/2006">
+    <mc:Choice xmlns:p14="http://schemas.microsoft.com/office/powerpoint/2010/main" Requires="p14">
+      <p:transition p14:dur="300">
+        <p:fade/>
+      </p:transition>
     </mc:Choice>
-    <mc:Fallback xmlns="">
-      <p:transition/>
+    <mc:Fallback>
+      <p:transition>
+        <p:fade/>
+      </p:transition>
     </mc:Fallback>
   </mc:AlternateContent>
 </p:sld>
@@ -24575,12 +25348,16 @@
   <p:clrMapOvr>
     <a:masterClrMapping/>
   </p:clrMapOvr>
-  <mc:AlternateContent xmlns:mc="http://schemas.openxmlformats.org/markup-compatibility/2006" xmlns:p14="http://schemas.microsoft.com/office/powerpoint/2010/main">
-    <mc:Choice Requires="p14">
-      <p:transition p14:dur="0"/>
+  <mc:AlternateContent xmlns:mc="http://schemas.openxmlformats.org/markup-compatibility/2006">
+    <mc:Choice xmlns:p14="http://schemas.microsoft.com/office/powerpoint/2010/main" Requires="p14">
+      <p:transition p14:dur="300">
+        <p:fade/>
+      </p:transition>
     </mc:Choice>
-    <mc:Fallback xmlns="">
-      <p:transition/>
+    <mc:Fallback>
+      <p:transition>
+        <p:fade/>
+      </p:transition>
     </mc:Fallback>
   </mc:AlternateContent>
 </p:sld>
@@ -24687,12 +25464,16 @@
   <p:clrMapOvr>
     <a:masterClrMapping/>
   </p:clrMapOvr>
-  <mc:AlternateContent xmlns:mc="http://schemas.openxmlformats.org/markup-compatibility/2006" xmlns:p14="http://schemas.microsoft.com/office/powerpoint/2010/main">
-    <mc:Choice Requires="p14">
-      <p:transition p14:dur="0"/>
+  <mc:AlternateContent xmlns:mc="http://schemas.openxmlformats.org/markup-compatibility/2006">
+    <mc:Choice xmlns:p14="http://schemas.microsoft.com/office/powerpoint/2010/main" Requires="p14">
+      <p:transition p14:dur="300">
+        <p:fade/>
+      </p:transition>
     </mc:Choice>
-    <mc:Fallback xmlns="">
-      <p:transition/>
+    <mc:Fallback>
+      <p:transition>
+        <p:fade/>
+      </p:transition>
     </mc:Fallback>
   </mc:AlternateContent>
 </p:sld>
@@ -24791,12 +25572,16 @@
   <p:clrMapOvr>
     <a:masterClrMapping/>
   </p:clrMapOvr>
-  <mc:AlternateContent xmlns:mc="http://schemas.openxmlformats.org/markup-compatibility/2006" xmlns:p14="http://schemas.microsoft.com/office/powerpoint/2010/main">
-    <mc:Choice Requires="p14">
-      <p:transition p14:dur="0"/>
+  <mc:AlternateContent xmlns:mc="http://schemas.openxmlformats.org/markup-compatibility/2006">
+    <mc:Choice xmlns:p14="http://schemas.microsoft.com/office/powerpoint/2010/main" Requires="p14">
+      <p:transition p14:dur="300">
+        <p:fade/>
+      </p:transition>
     </mc:Choice>
-    <mc:Fallback xmlns="">
-      <p:transition/>
+    <mc:Fallback>
+      <p:transition>
+        <p:fade/>
+      </p:transition>
     </mc:Fallback>
   </mc:AlternateContent>
 </p:sld>
@@ -24899,12 +25684,16 @@
   <p:clrMapOvr>
     <a:masterClrMapping/>
   </p:clrMapOvr>
-  <mc:AlternateContent xmlns:mc="http://schemas.openxmlformats.org/markup-compatibility/2006" xmlns:p14="http://schemas.microsoft.com/office/powerpoint/2010/main">
-    <mc:Choice Requires="p14">
-      <p:transition p14:dur="0"/>
+  <mc:AlternateContent xmlns:mc="http://schemas.openxmlformats.org/markup-compatibility/2006">
+    <mc:Choice xmlns:p14="http://schemas.microsoft.com/office/powerpoint/2010/main" Requires="p14">
+      <p:transition p14:dur="300">
+        <p:fade/>
+      </p:transition>
     </mc:Choice>
-    <mc:Fallback xmlns="">
-      <p:transition/>
+    <mc:Fallback>
+      <p:transition>
+        <p:fade/>
+      </p:transition>
     </mc:Fallback>
   </mc:AlternateContent>
 </p:sld>
@@ -25003,12 +25792,16 @@
   <p:clrMapOvr>
     <a:masterClrMapping/>
   </p:clrMapOvr>
-  <mc:AlternateContent xmlns:mc="http://schemas.openxmlformats.org/markup-compatibility/2006" xmlns:p14="http://schemas.microsoft.com/office/powerpoint/2010/main">
-    <mc:Choice Requires="p14">
-      <p:transition p14:dur="0"/>
+  <mc:AlternateContent xmlns:mc="http://schemas.openxmlformats.org/markup-compatibility/2006">
+    <mc:Choice xmlns:p14="http://schemas.microsoft.com/office/powerpoint/2010/main" Requires="p14">
+      <p:transition p14:dur="300">
+        <p:fade/>
+      </p:transition>
     </mc:Choice>
-    <mc:Fallback xmlns="">
-      <p:transition/>
+    <mc:Fallback>
+      <p:transition>
+        <p:fade/>
+      </p:transition>
     </mc:Fallback>
   </mc:AlternateContent>
 </p:sld>
@@ -25107,12 +25900,16 @@
   <p:clrMapOvr>
     <a:masterClrMapping/>
   </p:clrMapOvr>
-  <mc:AlternateContent xmlns:mc="http://schemas.openxmlformats.org/markup-compatibility/2006" xmlns:p14="http://schemas.microsoft.com/office/powerpoint/2010/main">
-    <mc:Choice Requires="p14">
-      <p:transition p14:dur="0"/>
+  <mc:AlternateContent xmlns:mc="http://schemas.openxmlformats.org/markup-compatibility/2006">
+    <mc:Choice xmlns:p14="http://schemas.microsoft.com/office/powerpoint/2010/main" Requires="p14">
+      <p:transition p14:dur="300">
+        <p:fade/>
+      </p:transition>
     </mc:Choice>
-    <mc:Fallback xmlns="">
-      <p:transition/>
+    <mc:Fallback>
+      <p:transition>
+        <p:fade/>
+      </p:transition>
     </mc:Fallback>
   </mc:AlternateContent>
 </p:sld>
@@ -25211,12 +26008,16 @@
   <p:clrMapOvr>
     <a:masterClrMapping/>
   </p:clrMapOvr>
-  <mc:AlternateContent xmlns:mc="http://schemas.openxmlformats.org/markup-compatibility/2006" xmlns:p14="http://schemas.microsoft.com/office/powerpoint/2010/main">
-    <mc:Choice Requires="p14">
-      <p:transition p14:dur="0"/>
+  <mc:AlternateContent xmlns:mc="http://schemas.openxmlformats.org/markup-compatibility/2006">
+    <mc:Choice xmlns:p14="http://schemas.microsoft.com/office/powerpoint/2010/main" Requires="p14">
+      <p:transition p14:dur="300">
+        <p:fade/>
+      </p:transition>
     </mc:Choice>
-    <mc:Fallback xmlns="">
-      <p:transition/>
+    <mc:Fallback>
+      <p:transition>
+        <p:fade/>
+      </p:transition>
     </mc:Fallback>
   </mc:AlternateContent>
 </p:sld>
@@ -25315,12 +26116,16 @@
   <p:clrMapOvr>
     <a:masterClrMapping/>
   </p:clrMapOvr>
-  <mc:AlternateContent xmlns:mc="http://schemas.openxmlformats.org/markup-compatibility/2006" xmlns:p14="http://schemas.microsoft.com/office/powerpoint/2010/main">
-    <mc:Choice Requires="p14">
-      <p:transition p14:dur="0"/>
+  <mc:AlternateContent xmlns:mc="http://schemas.openxmlformats.org/markup-compatibility/2006">
+    <mc:Choice xmlns:p14="http://schemas.microsoft.com/office/powerpoint/2010/main" Requires="p14">
+      <p:transition p14:dur="300">
+        <p:fade/>
+      </p:transition>
     </mc:Choice>
-    <mc:Fallback xmlns="">
-      <p:transition/>
+    <mc:Fallback>
+      <p:transition>
+        <p:fade/>
+      </p:transition>
     </mc:Fallback>
   </mc:AlternateContent>
 </p:sld>
@@ -25424,12 +26229,16 @@
   <p:clrMapOvr>
     <a:masterClrMapping/>
   </p:clrMapOvr>
-  <mc:AlternateContent xmlns:mc="http://schemas.openxmlformats.org/markup-compatibility/2006" xmlns:p14="http://schemas.microsoft.com/office/powerpoint/2010/main">
-    <mc:Choice Requires="p14">
-      <p:transition p14:dur="0"/>
+  <mc:AlternateContent xmlns:mc="http://schemas.openxmlformats.org/markup-compatibility/2006">
+    <mc:Choice xmlns:p14="http://schemas.microsoft.com/office/powerpoint/2010/main" Requires="p14">
+      <p:transition p14:dur="300">
+        <p:fade/>
+      </p:transition>
     </mc:Choice>
-    <mc:Fallback xmlns="">
-      <p:transition/>
+    <mc:Fallback>
+      <p:transition>
+        <p:fade/>
+      </p:transition>
     </mc:Fallback>
   </mc:AlternateContent>
 </p:sld>
@@ -25529,7 +26338,7 @@
           <a:p>
             <a:r>
               <a:rPr lang="en-US" dirty="0"/>
-              <a:t>For You hast decreed Your worship for Your servants</a:t>
+              <a:t>For You have decreed Your worship for Your servants</a:t>
             </a:r>
           </a:p>
         </p:txBody>
@@ -25544,12 +26353,16 @@
   <p:clrMapOvr>
     <a:masterClrMapping/>
   </p:clrMapOvr>
-  <mc:AlternateContent xmlns:mc="http://schemas.openxmlformats.org/markup-compatibility/2006" xmlns:p14="http://schemas.microsoft.com/office/powerpoint/2010/main">
-    <mc:Choice Requires="p14">
-      <p:transition p14:dur="0"/>
+  <mc:AlternateContent xmlns:mc="http://schemas.openxmlformats.org/markup-compatibility/2006">
+    <mc:Choice xmlns:p14="http://schemas.microsoft.com/office/powerpoint/2010/main" Requires="p14">
+      <p:transition p14:dur="300">
+        <p:fade/>
+      </p:transition>
     </mc:Choice>
-    <mc:Fallback xmlns="">
-      <p:transition/>
+    <mc:Fallback>
+      <p:transition>
+        <p:fade/>
+      </p:transition>
     </mc:Fallback>
   </mc:AlternateContent>
 </p:sld>
@@ -25648,12 +26461,16 @@
   <p:clrMapOvr>
     <a:masterClrMapping/>
   </p:clrMapOvr>
-  <mc:AlternateContent xmlns:mc="http://schemas.openxmlformats.org/markup-compatibility/2006" xmlns:p14="http://schemas.microsoft.com/office/powerpoint/2010/main">
-    <mc:Choice Requires="p14">
-      <p:transition p14:dur="0"/>
+  <mc:AlternateContent xmlns:mc="http://schemas.openxmlformats.org/markup-compatibility/2006">
+    <mc:Choice xmlns:p14="http://schemas.microsoft.com/office/powerpoint/2010/main" Requires="p14">
+      <p:transition p14:dur="300">
+        <p:fade/>
+      </p:transition>
     </mc:Choice>
-    <mc:Fallback xmlns="">
-      <p:transition/>
+    <mc:Fallback>
+      <p:transition>
+        <p:fade/>
+      </p:transition>
     </mc:Fallback>
   </mc:AlternateContent>
 </p:sld>
@@ -25752,12 +26569,16 @@
   <p:clrMapOvr>
     <a:masterClrMapping/>
   </p:clrMapOvr>
-  <mc:AlternateContent xmlns:mc="http://schemas.openxmlformats.org/markup-compatibility/2006" xmlns:p14="http://schemas.microsoft.com/office/powerpoint/2010/main">
-    <mc:Choice Requires="p14">
-      <p:transition p14:dur="0"/>
+  <mc:AlternateContent xmlns:mc="http://schemas.openxmlformats.org/markup-compatibility/2006">
+    <mc:Choice xmlns:p14="http://schemas.microsoft.com/office/powerpoint/2010/main" Requires="p14">
+      <p:transition p14:dur="300">
+        <p:fade/>
+      </p:transition>
     </mc:Choice>
-    <mc:Fallback xmlns="">
-      <p:transition/>
+    <mc:Fallback>
+      <p:transition>
+        <p:fade/>
+      </p:transition>
     </mc:Fallback>
   </mc:AlternateContent>
 </p:sld>
@@ -25864,12 +26685,16 @@
   <p:clrMapOvr>
     <a:masterClrMapping/>
   </p:clrMapOvr>
-  <mc:AlternateContent xmlns:mc="http://schemas.openxmlformats.org/markup-compatibility/2006" xmlns:p14="http://schemas.microsoft.com/office/powerpoint/2010/main">
-    <mc:Choice Requires="p14">
-      <p:transition p14:dur="0"/>
+  <mc:AlternateContent xmlns:mc="http://schemas.openxmlformats.org/markup-compatibility/2006">
+    <mc:Choice xmlns:p14="http://schemas.microsoft.com/office/powerpoint/2010/main" Requires="p14">
+      <p:transition p14:dur="300">
+        <p:fade/>
+      </p:transition>
     </mc:Choice>
-    <mc:Fallback xmlns="">
-      <p:transition/>
+    <mc:Fallback>
+      <p:transition>
+        <p:fade/>
+      </p:transition>
     </mc:Fallback>
   </mc:AlternateContent>
 </p:sld>
@@ -25980,12 +26805,16 @@
   <p:clrMapOvr>
     <a:masterClrMapping/>
   </p:clrMapOvr>
-  <mc:AlternateContent xmlns:mc="http://schemas.openxmlformats.org/markup-compatibility/2006" xmlns:p14="http://schemas.microsoft.com/office/powerpoint/2010/main">
-    <mc:Choice Requires="p14">
-      <p:transition p14:dur="0"/>
+  <mc:AlternateContent xmlns:mc="http://schemas.openxmlformats.org/markup-compatibility/2006">
+    <mc:Choice xmlns:p14="http://schemas.microsoft.com/office/powerpoint/2010/main" Requires="p14">
+      <p:transition p14:dur="300">
+        <p:fade/>
+      </p:transition>
     </mc:Choice>
-    <mc:Fallback xmlns="">
-      <p:transition/>
+    <mc:Fallback>
+      <p:transition>
+        <p:fade/>
+      </p:transition>
     </mc:Fallback>
   </mc:AlternateContent>
 </p:sld>
@@ -26101,12 +26930,16 @@
   <p:clrMapOvr>
     <a:masterClrMapping/>
   </p:clrMapOvr>
-  <mc:AlternateContent xmlns:mc="http://schemas.openxmlformats.org/markup-compatibility/2006" xmlns:p14="http://schemas.microsoft.com/office/powerpoint/2010/main">
-    <mc:Choice Requires="p14">
-      <p:transition p14:dur="0"/>
+  <mc:AlternateContent xmlns:mc="http://schemas.openxmlformats.org/markup-compatibility/2006">
+    <mc:Choice xmlns:p14="http://schemas.microsoft.com/office/powerpoint/2010/main" Requires="p14">
+      <p:transition p14:dur="300">
+        <p:fade/>
+      </p:transition>
     </mc:Choice>
-    <mc:Fallback xmlns="">
-      <p:transition/>
+    <mc:Fallback>
+      <p:transition>
+        <p:fade/>
+      </p:transition>
     </mc:Fallback>
   </mc:AlternateContent>
 </p:sld>
@@ -26213,12 +27046,16 @@
   <p:clrMapOvr>
     <a:masterClrMapping/>
   </p:clrMapOvr>
-  <mc:AlternateContent xmlns:mc="http://schemas.openxmlformats.org/markup-compatibility/2006" xmlns:p14="http://schemas.microsoft.com/office/powerpoint/2010/main">
-    <mc:Choice Requires="p14">
-      <p:transition p14:dur="0"/>
+  <mc:AlternateContent xmlns:mc="http://schemas.openxmlformats.org/markup-compatibility/2006">
+    <mc:Choice xmlns:p14="http://schemas.microsoft.com/office/powerpoint/2010/main" Requires="p14">
+      <p:transition p14:dur="300">
+        <p:fade/>
+      </p:transition>
     </mc:Choice>
-    <mc:Fallback xmlns="">
-      <p:transition/>
+    <mc:Fallback>
+      <p:transition>
+        <p:fade/>
+      </p:transition>
     </mc:Fallback>
   </mc:AlternateContent>
 </p:sld>
@@ -26317,12 +27154,16 @@
   <p:clrMapOvr>
     <a:masterClrMapping/>
   </p:clrMapOvr>
-  <mc:AlternateContent xmlns:mc="http://schemas.openxmlformats.org/markup-compatibility/2006" xmlns:p14="http://schemas.microsoft.com/office/powerpoint/2010/main">
-    <mc:Choice Requires="p14">
-      <p:transition p14:dur="0"/>
+  <mc:AlternateContent xmlns:mc="http://schemas.openxmlformats.org/markup-compatibility/2006">
+    <mc:Choice xmlns:p14="http://schemas.microsoft.com/office/powerpoint/2010/main" Requires="p14">
+      <p:transition p14:dur="300">
+        <p:fade/>
+      </p:transition>
     </mc:Choice>
-    <mc:Fallback xmlns="">
-      <p:transition/>
+    <mc:Fallback>
+      <p:transition>
+        <p:fade/>
+      </p:transition>
     </mc:Fallback>
   </mc:AlternateContent>
 </p:sld>
@@ -26406,13 +27247,8 @@
           <a:p>
             <a:r>
               <a:rPr lang="en-US" dirty="0"/>
-              <a:t>Do not severe my hoping for Your </a:t>
-            </a:r>
-            <a:r>
-              <a:rPr lang="en-US" dirty="0" err="1"/>
-              <a:t>Favours</a:t>
-            </a:r>
-            <a:endParaRPr lang="en-US" dirty="0"/>
+              <a:t>Do not severe my hoping for Your favors</a:t>
+            </a:r>
           </a:p>
         </p:txBody>
       </p:sp>
@@ -26426,12 +27262,16 @@
   <p:clrMapOvr>
     <a:masterClrMapping/>
   </p:clrMapOvr>
-  <mc:AlternateContent xmlns:mc="http://schemas.openxmlformats.org/markup-compatibility/2006" xmlns:p14="http://schemas.microsoft.com/office/powerpoint/2010/main">
-    <mc:Choice Requires="p14">
-      <p:transition p14:dur="0"/>
+  <mc:AlternateContent xmlns:mc="http://schemas.openxmlformats.org/markup-compatibility/2006">
+    <mc:Choice xmlns:p14="http://schemas.microsoft.com/office/powerpoint/2010/main" Requires="p14">
+      <p:transition p14:dur="300">
+        <p:fade/>
+      </p:transition>
     </mc:Choice>
-    <mc:Fallback xmlns="">
-      <p:transition/>
+    <mc:Fallback>
+      <p:transition>
+        <p:fade/>
+      </p:transition>
     </mc:Fallback>
   </mc:AlternateContent>
 </p:sld>
@@ -26538,12 +27378,16 @@
   <p:clrMapOvr>
     <a:masterClrMapping/>
   </p:clrMapOvr>
-  <mc:AlternateContent xmlns:mc="http://schemas.openxmlformats.org/markup-compatibility/2006" xmlns:p14="http://schemas.microsoft.com/office/powerpoint/2010/main">
-    <mc:Choice Requires="p14">
-      <p:transition p14:dur="0"/>
+  <mc:AlternateContent xmlns:mc="http://schemas.openxmlformats.org/markup-compatibility/2006">
+    <mc:Choice xmlns:p14="http://schemas.microsoft.com/office/powerpoint/2010/main" Requires="p14">
+      <p:transition p14:dur="300">
+        <p:fade/>
+      </p:transition>
     </mc:Choice>
-    <mc:Fallback xmlns="">
-      <p:transition/>
+    <mc:Fallback>
+      <p:transition>
+        <p:fade/>
+      </p:transition>
     </mc:Fallback>
   </mc:AlternateContent>
 </p:sld>
@@ -26654,12 +27498,16 @@
   <p:clrMapOvr>
     <a:masterClrMapping/>
   </p:clrMapOvr>
-  <mc:AlternateContent xmlns:mc="http://schemas.openxmlformats.org/markup-compatibility/2006" xmlns:p14="http://schemas.microsoft.com/office/powerpoint/2010/main">
-    <mc:Choice Requires="p14">
-      <p:transition p14:dur="0"/>
+  <mc:AlternateContent xmlns:mc="http://schemas.openxmlformats.org/markup-compatibility/2006">
+    <mc:Choice xmlns:p14="http://schemas.microsoft.com/office/powerpoint/2010/main" Requires="p14">
+      <p:transition p14:dur="300">
+        <p:fade/>
+      </p:transition>
     </mc:Choice>
-    <mc:Fallback xmlns="">
-      <p:transition/>
+    <mc:Fallback>
+      <p:transition>
+        <p:fade/>
+      </p:transition>
     </mc:Fallback>
   </mc:AlternateContent>
 </p:sld>
@@ -26766,12 +27614,16 @@
   <p:clrMapOvr>
     <a:masterClrMapping/>
   </p:clrMapOvr>
-  <mc:AlternateContent xmlns:mc="http://schemas.openxmlformats.org/markup-compatibility/2006" xmlns:p14="http://schemas.microsoft.com/office/powerpoint/2010/main">
-    <mc:Choice Requires="p14">
-      <p:transition p14:dur="0"/>
+  <mc:AlternateContent xmlns:mc="http://schemas.openxmlformats.org/markup-compatibility/2006">
+    <mc:Choice xmlns:p14="http://schemas.microsoft.com/office/powerpoint/2010/main" Requires="p14">
+      <p:transition p14:dur="300">
+        <p:fade/>
+      </p:transition>
     </mc:Choice>
-    <mc:Fallback xmlns="">
-      <p:transition/>
+    <mc:Fallback>
+      <p:transition>
+        <p:fade/>
+      </p:transition>
     </mc:Fallback>
   </mc:AlternateContent>
 </p:sld>
@@ -26870,12 +27722,16 @@
   <p:clrMapOvr>
     <a:masterClrMapping/>
   </p:clrMapOvr>
-  <mc:AlternateContent xmlns:mc="http://schemas.openxmlformats.org/markup-compatibility/2006" xmlns:p14="http://schemas.microsoft.com/office/powerpoint/2010/main">
-    <mc:Choice Requires="p14">
-      <p:transition p14:dur="0"/>
+  <mc:AlternateContent xmlns:mc="http://schemas.openxmlformats.org/markup-compatibility/2006">
+    <mc:Choice xmlns:p14="http://schemas.microsoft.com/office/powerpoint/2010/main" Requires="p14">
+      <p:transition p14:dur="300">
+        <p:fade/>
+      </p:transition>
     </mc:Choice>
-    <mc:Fallback xmlns="">
-      <p:transition/>
+    <mc:Fallback>
+      <p:transition>
+        <p:fade/>
+      </p:transition>
     </mc:Fallback>
   </mc:AlternateContent>
 </p:sld>
@@ -26978,12 +27834,16 @@
   <p:clrMapOvr>
     <a:masterClrMapping/>
   </p:clrMapOvr>
-  <mc:AlternateContent xmlns:mc="http://schemas.openxmlformats.org/markup-compatibility/2006" xmlns:p14="http://schemas.microsoft.com/office/powerpoint/2010/main">
-    <mc:Choice Requires="p14">
-      <p:transition p14:dur="0"/>
+  <mc:AlternateContent xmlns:mc="http://schemas.openxmlformats.org/markup-compatibility/2006">
+    <mc:Choice xmlns:p14="http://schemas.microsoft.com/office/powerpoint/2010/main" Requires="p14">
+      <p:transition p14:dur="300">
+        <p:fade/>
+      </p:transition>
     </mc:Choice>
-    <mc:Fallback xmlns="">
-      <p:transition/>
+    <mc:Fallback>
+      <p:transition>
+        <p:fade/>
+      </p:transition>
     </mc:Fallback>
   </mc:AlternateContent>
 </p:sld>
@@ -27090,12 +27950,16 @@
   <p:clrMapOvr>
     <a:masterClrMapping/>
   </p:clrMapOvr>
-  <mc:AlternateContent xmlns:mc="http://schemas.openxmlformats.org/markup-compatibility/2006" xmlns:p14="http://schemas.microsoft.com/office/powerpoint/2010/main">
-    <mc:Choice Requires="p14">
-      <p:transition p14:dur="0"/>
+  <mc:AlternateContent xmlns:mc="http://schemas.openxmlformats.org/markup-compatibility/2006">
+    <mc:Choice xmlns:p14="http://schemas.microsoft.com/office/powerpoint/2010/main" Requires="p14">
+      <p:transition p14:dur="300">
+        <p:fade/>
+      </p:transition>
     </mc:Choice>
-    <mc:Fallback xmlns="">
-      <p:transition/>
+    <mc:Fallback>
+      <p:transition>
+        <p:fade/>
+      </p:transition>
     </mc:Fallback>
   </mc:AlternateContent>
 </p:sld>
@@ -27194,12 +28058,16 @@
   <p:clrMapOvr>
     <a:masterClrMapping/>
   </p:clrMapOvr>
-  <mc:AlternateContent xmlns:mc="http://schemas.openxmlformats.org/markup-compatibility/2006" xmlns:p14="http://schemas.microsoft.com/office/powerpoint/2010/main">
-    <mc:Choice Requires="p14">
-      <p:transition p14:dur="0"/>
+  <mc:AlternateContent xmlns:mc="http://schemas.openxmlformats.org/markup-compatibility/2006">
+    <mc:Choice xmlns:p14="http://schemas.microsoft.com/office/powerpoint/2010/main" Requires="p14">
+      <p:transition p14:dur="300">
+        <p:fade/>
+      </p:transition>
     </mc:Choice>
-    <mc:Fallback xmlns="">
-      <p:transition/>
+    <mc:Fallback>
+      <p:transition>
+        <p:fade/>
+      </p:transition>
     </mc:Fallback>
   </mc:AlternateContent>
 </p:sld>
@@ -27303,12 +28171,16 @@
   <p:clrMapOvr>
     <a:masterClrMapping/>
   </p:clrMapOvr>
-  <mc:AlternateContent xmlns:mc="http://schemas.openxmlformats.org/markup-compatibility/2006" xmlns:p14="http://schemas.microsoft.com/office/powerpoint/2010/main">
-    <mc:Choice Requires="p14">
-      <p:transition p14:dur="0"/>
+  <mc:AlternateContent xmlns:mc="http://schemas.openxmlformats.org/markup-compatibility/2006">
+    <mc:Choice xmlns:p14="http://schemas.microsoft.com/office/powerpoint/2010/main" Requires="p14">
+      <p:transition p14:dur="300">
+        <p:fade/>
+      </p:transition>
     </mc:Choice>
-    <mc:Fallback xmlns="">
-      <p:transition/>
+    <mc:Fallback>
+      <p:transition>
+        <p:fade/>
+      </p:transition>
     </mc:Fallback>
   </mc:AlternateContent>
 </p:sld>
@@ -27407,12 +28279,16 @@
   <p:clrMapOvr>
     <a:masterClrMapping/>
   </p:clrMapOvr>
-  <mc:AlternateContent xmlns:mc="http://schemas.openxmlformats.org/markup-compatibility/2006" xmlns:p14="http://schemas.microsoft.com/office/powerpoint/2010/main">
-    <mc:Choice Requires="p14">
-      <p:transition p14:dur="0"/>
+  <mc:AlternateContent xmlns:mc="http://schemas.openxmlformats.org/markup-compatibility/2006">
+    <mc:Choice xmlns:p14="http://schemas.microsoft.com/office/powerpoint/2010/main" Requires="p14">
+      <p:transition p14:dur="300">
+        <p:fade/>
+      </p:transition>
     </mc:Choice>
-    <mc:Fallback xmlns="">
-      <p:transition/>
+    <mc:Fallback>
+      <p:transition>
+        <p:fade/>
+      </p:transition>
     </mc:Fallback>
   </mc:AlternateContent>
 </p:sld>
@@ -27511,12 +28387,16 @@
   <p:clrMapOvr>
     <a:masterClrMapping/>
   </p:clrMapOvr>
-  <mc:AlternateContent xmlns:mc="http://schemas.openxmlformats.org/markup-compatibility/2006" xmlns:p14="http://schemas.microsoft.com/office/powerpoint/2010/main">
-    <mc:Choice Requires="p14">
-      <p:transition p14:dur="0"/>
+  <mc:AlternateContent xmlns:mc="http://schemas.openxmlformats.org/markup-compatibility/2006">
+    <mc:Choice xmlns:p14="http://schemas.microsoft.com/office/powerpoint/2010/main" Requires="p14">
+      <p:transition p14:dur="300">
+        <p:fade/>
+      </p:transition>
     </mc:Choice>
-    <mc:Fallback xmlns="">
-      <p:transition/>
+    <mc:Fallback>
+      <p:transition>
+        <p:fade/>
+      </p:transition>
     </mc:Fallback>
   </mc:AlternateContent>
 </p:sld>
@@ -27619,12 +28499,16 @@
   <p:clrMapOvr>
     <a:masterClrMapping/>
   </p:clrMapOvr>
-  <mc:AlternateContent xmlns:mc="http://schemas.openxmlformats.org/markup-compatibility/2006" xmlns:p14="http://schemas.microsoft.com/office/powerpoint/2010/main">
-    <mc:Choice Requires="p14">
-      <p:transition p14:dur="0"/>
+  <mc:AlternateContent xmlns:mc="http://schemas.openxmlformats.org/markup-compatibility/2006">
+    <mc:Choice xmlns:p14="http://schemas.microsoft.com/office/powerpoint/2010/main" Requires="p14">
+      <p:transition p14:dur="300">
+        <p:fade/>
+      </p:transition>
     </mc:Choice>
-    <mc:Fallback xmlns="">
-      <p:transition/>
+    <mc:Fallback>
+      <p:transition>
+        <p:fade/>
+      </p:transition>
     </mc:Fallback>
   </mc:AlternateContent>
 </p:sld>
@@ -27727,12 +28611,16 @@
   <p:clrMapOvr>
     <a:masterClrMapping/>
   </p:clrMapOvr>
-  <mc:AlternateContent xmlns:mc="http://schemas.openxmlformats.org/markup-compatibility/2006" xmlns:p14="http://schemas.microsoft.com/office/powerpoint/2010/main">
-    <mc:Choice Requires="p14">
-      <p:transition p14:dur="0"/>
+  <mc:AlternateContent xmlns:mc="http://schemas.openxmlformats.org/markup-compatibility/2006">
+    <mc:Choice xmlns:p14="http://schemas.microsoft.com/office/powerpoint/2010/main" Requires="p14">
+      <p:transition p14:dur="300">
+        <p:fade/>
+      </p:transition>
     </mc:Choice>
-    <mc:Fallback xmlns="">
-      <p:transition/>
+    <mc:Fallback>
+      <p:transition>
+        <p:fade/>
+      </p:transition>
     </mc:Fallback>
   </mc:AlternateContent>
 </p:sld>
@@ -27851,12 +28739,16 @@
   <p:clrMapOvr>
     <a:masterClrMapping/>
   </p:clrMapOvr>
-  <mc:AlternateContent xmlns:mc="http://schemas.openxmlformats.org/markup-compatibility/2006" xmlns:p14="http://schemas.microsoft.com/office/powerpoint/2010/main">
-    <mc:Choice Requires="p14">
-      <p:transition p14:dur="0"/>
+  <mc:AlternateContent xmlns:mc="http://schemas.openxmlformats.org/markup-compatibility/2006">
+    <mc:Choice xmlns:p14="http://schemas.microsoft.com/office/powerpoint/2010/main" Requires="p14">
+      <p:transition p14:dur="300">
+        <p:fade/>
+      </p:transition>
     </mc:Choice>
-    <mc:Fallback xmlns="">
-      <p:transition/>
+    <mc:Fallback>
+      <p:transition>
+        <p:fade/>
+      </p:transition>
     </mc:Fallback>
   </mc:AlternateContent>
 </p:sld>
@@ -27964,12 +28856,16 @@
   <p:clrMapOvr>
     <a:masterClrMapping/>
   </p:clrMapOvr>
-  <mc:AlternateContent xmlns:mc="http://schemas.openxmlformats.org/markup-compatibility/2006" xmlns:p14="http://schemas.microsoft.com/office/powerpoint/2010/main">
-    <mc:Choice Requires="p14">
-      <p:transition p14:dur="0"/>
+  <mc:AlternateContent xmlns:mc="http://schemas.openxmlformats.org/markup-compatibility/2006">
+    <mc:Choice xmlns:p14="http://schemas.microsoft.com/office/powerpoint/2010/main" Requires="p14">
+      <p:transition p14:dur="300">
+        <p:fade/>
+      </p:transition>
     </mc:Choice>
-    <mc:Fallback xmlns="">
-      <p:transition/>
+    <mc:Fallback>
+      <p:transition>
+        <p:fade/>
+      </p:transition>
     </mc:Fallback>
   </mc:AlternateContent>
 </p:sld>
@@ -28076,12 +28972,16 @@
   <p:clrMapOvr>
     <a:masterClrMapping/>
   </p:clrMapOvr>
-  <mc:AlternateContent xmlns:mc="http://schemas.openxmlformats.org/markup-compatibility/2006" xmlns:p14="http://schemas.microsoft.com/office/powerpoint/2010/main">
-    <mc:Choice Requires="p14">
-      <p:transition p14:dur="0"/>
+  <mc:AlternateContent xmlns:mc="http://schemas.openxmlformats.org/markup-compatibility/2006">
+    <mc:Choice xmlns:p14="http://schemas.microsoft.com/office/powerpoint/2010/main" Requires="p14">
+      <p:transition p14:dur="300">
+        <p:fade/>
+      </p:transition>
     </mc:Choice>
-    <mc:Fallback xmlns="">
-      <p:transition/>
+    <mc:Fallback>
+      <p:transition>
+        <p:fade/>
+      </p:transition>
     </mc:Fallback>
   </mc:AlternateContent>
 </p:sld>
@@ -28180,12 +29080,16 @@
   <p:clrMapOvr>
     <a:masterClrMapping/>
   </p:clrMapOvr>
-  <mc:AlternateContent xmlns:mc="http://schemas.openxmlformats.org/markup-compatibility/2006" xmlns:p14="http://schemas.microsoft.com/office/powerpoint/2010/main">
-    <mc:Choice Requires="p14">
-      <p:transition p14:dur="0"/>
+  <mc:AlternateContent xmlns:mc="http://schemas.openxmlformats.org/markup-compatibility/2006">
+    <mc:Choice xmlns:p14="http://schemas.microsoft.com/office/powerpoint/2010/main" Requires="p14">
+      <p:transition p14:dur="300">
+        <p:fade/>
+      </p:transition>
     </mc:Choice>
-    <mc:Fallback xmlns="">
-      <p:transition/>
+    <mc:Fallback>
+      <p:transition>
+        <p:fade/>
+      </p:transition>
     </mc:Fallback>
   </mc:AlternateContent>
 </p:sld>
@@ -28292,12 +29196,16 @@
   <p:clrMapOvr>
     <a:masterClrMapping/>
   </p:clrMapOvr>
-  <mc:AlternateContent xmlns:mc="http://schemas.openxmlformats.org/markup-compatibility/2006" xmlns:p14="http://schemas.microsoft.com/office/powerpoint/2010/main">
-    <mc:Choice Requires="p14">
-      <p:transition p14:dur="0"/>
+  <mc:AlternateContent xmlns:mc="http://schemas.openxmlformats.org/markup-compatibility/2006">
+    <mc:Choice xmlns:p14="http://schemas.microsoft.com/office/powerpoint/2010/main" Requires="p14">
+      <p:transition p14:dur="300">
+        <p:fade/>
+      </p:transition>
     </mc:Choice>
-    <mc:Fallback xmlns="">
-      <p:transition/>
+    <mc:Fallback>
+      <p:transition>
+        <p:fade/>
+      </p:transition>
     </mc:Fallback>
   </mc:AlternateContent>
 </p:sld>
@@ -28421,12 +29329,16 @@
   <p:clrMapOvr>
     <a:masterClrMapping/>
   </p:clrMapOvr>
-  <mc:AlternateContent xmlns:mc="http://schemas.openxmlformats.org/markup-compatibility/2006" xmlns:p14="http://schemas.microsoft.com/office/powerpoint/2010/main">
-    <mc:Choice Requires="p14">
-      <p:transition p14:dur="0"/>
+  <mc:AlternateContent xmlns:mc="http://schemas.openxmlformats.org/markup-compatibility/2006">
+    <mc:Choice xmlns:p14="http://schemas.microsoft.com/office/powerpoint/2010/main" Requires="p14">
+      <p:transition p14:dur="300">
+        <p:fade/>
+      </p:transition>
     </mc:Choice>
-    <mc:Fallback xmlns="">
-      <p:transition/>
+    <mc:Fallback>
+      <p:transition>
+        <p:fade/>
+      </p:transition>
     </mc:Fallback>
   </mc:AlternateContent>
 </p:sld>
@@ -28530,12 +29442,16 @@
   <p:clrMapOvr>
     <a:masterClrMapping/>
   </p:clrMapOvr>
-  <mc:AlternateContent xmlns:mc="http://schemas.openxmlformats.org/markup-compatibility/2006" xmlns:p14="http://schemas.microsoft.com/office/powerpoint/2010/main">
-    <mc:Choice Requires="p14">
-      <p:transition p14:dur="0"/>
+  <mc:AlternateContent xmlns:mc="http://schemas.openxmlformats.org/markup-compatibility/2006">
+    <mc:Choice xmlns:p14="http://schemas.microsoft.com/office/powerpoint/2010/main" Requires="p14">
+      <p:transition p14:dur="300">
+        <p:fade/>
+      </p:transition>
     </mc:Choice>
-    <mc:Fallback xmlns="">
-      <p:transition/>
+    <mc:Fallback>
+      <p:transition>
+        <p:fade/>
+      </p:transition>
     </mc:Fallback>
   </mc:AlternateContent>
 </p:sld>
@@ -28645,12 +29561,16 @@
   <p:clrMapOvr>
     <a:masterClrMapping/>
   </p:clrMapOvr>
-  <mc:AlternateContent xmlns:mc="http://schemas.openxmlformats.org/markup-compatibility/2006" xmlns:p14="http://schemas.microsoft.com/office/powerpoint/2010/main">
-    <mc:Choice Requires="p14">
-      <p:transition p14:dur="0"/>
+  <mc:AlternateContent xmlns:mc="http://schemas.openxmlformats.org/markup-compatibility/2006">
+    <mc:Choice xmlns:p14="http://schemas.microsoft.com/office/powerpoint/2010/main" Requires="p14">
+      <p:transition p14:dur="300">
+        <p:fade/>
+      </p:transition>
     </mc:Choice>
-    <mc:Fallback xmlns="">
-      <p:transition/>
+    <mc:Fallback>
+      <p:transition>
+        <p:fade/>
+      </p:transition>
     </mc:Fallback>
   </mc:AlternateContent>
 </p:sld>
@@ -29213,12 +30133,16 @@
   <p:clrMapOvr>
     <a:masterClrMapping/>
   </p:clrMapOvr>
-  <mc:AlternateContent xmlns:mc="http://schemas.openxmlformats.org/markup-compatibility/2006" xmlns:p14="http://schemas.microsoft.com/office/powerpoint/2010/main">
-    <mc:Choice Requires="p14">
-      <p:transition p14:dur="0"/>
+  <mc:AlternateContent xmlns:mc="http://schemas.openxmlformats.org/markup-compatibility/2006">
+    <mc:Choice xmlns:p14="http://schemas.microsoft.com/office/powerpoint/2010/main" Requires="p14">
+      <p:transition p14:dur="300">
+        <p:fade/>
+      </p:transition>
     </mc:Choice>
-    <mc:Fallback xmlns="">
-      <p:transition/>
+    <mc:Fallback>
+      <p:transition>
+        <p:fade/>
+      </p:transition>
     </mc:Fallback>
   </mc:AlternateContent>
 </p:sld>
@@ -29325,12 +30249,16 @@
   <p:clrMapOvr>
     <a:masterClrMapping/>
   </p:clrMapOvr>
-  <mc:AlternateContent xmlns:mc="http://schemas.openxmlformats.org/markup-compatibility/2006" xmlns:p14="http://schemas.microsoft.com/office/powerpoint/2010/main">
-    <mc:Choice Requires="p14">
-      <p:transition p14:dur="0"/>
+  <mc:AlternateContent xmlns:mc="http://schemas.openxmlformats.org/markup-compatibility/2006">
+    <mc:Choice xmlns:p14="http://schemas.microsoft.com/office/powerpoint/2010/main" Requires="p14">
+      <p:transition p14:dur="300">
+        <p:fade/>
+      </p:transition>
     </mc:Choice>
-    <mc:Fallback xmlns="">
-      <p:transition/>
+    <mc:Fallback>
+      <p:transition>
+        <p:fade/>
+      </p:transition>
     </mc:Fallback>
   </mc:AlternateContent>
 </p:sld>
@@ -29437,12 +30365,16 @@
   <p:clrMapOvr>
     <a:masterClrMapping/>
   </p:clrMapOvr>
-  <mc:AlternateContent xmlns:mc="http://schemas.openxmlformats.org/markup-compatibility/2006" xmlns:p14="http://schemas.microsoft.com/office/powerpoint/2010/main">
-    <mc:Choice Requires="p14">
-      <p:transition p14:dur="0"/>
+  <mc:AlternateContent xmlns:mc="http://schemas.openxmlformats.org/markup-compatibility/2006">
+    <mc:Choice xmlns:p14="http://schemas.microsoft.com/office/powerpoint/2010/main" Requires="p14">
+      <p:transition p14:dur="300">
+        <p:fade/>
+      </p:transition>
     </mc:Choice>
-    <mc:Fallback xmlns="">
-      <p:transition/>
+    <mc:Fallback>
+      <p:transition>
+        <p:fade/>
+      </p:transition>
     </mc:Fallback>
   </mc:AlternateContent>
 </p:sld>
@@ -29541,12 +30473,16 @@
   <p:clrMapOvr>
     <a:masterClrMapping/>
   </p:clrMapOvr>
-  <mc:AlternateContent xmlns:mc="http://schemas.openxmlformats.org/markup-compatibility/2006" xmlns:p14="http://schemas.microsoft.com/office/powerpoint/2010/main">
-    <mc:Choice Requires="p14">
-      <p:transition p14:dur="0"/>
+  <mc:AlternateContent xmlns:mc="http://schemas.openxmlformats.org/markup-compatibility/2006">
+    <mc:Choice xmlns:p14="http://schemas.microsoft.com/office/powerpoint/2010/main" Requires="p14">
+      <p:transition p14:dur="300">
+        <p:fade/>
+      </p:transition>
     </mc:Choice>
-    <mc:Fallback xmlns="">
-      <p:transition/>
+    <mc:Fallback>
+      <p:transition>
+        <p:fade/>
+      </p:transition>
     </mc:Fallback>
   </mc:AlternateContent>
 </p:sld>
@@ -29645,12 +30581,16 @@
   <p:clrMapOvr>
     <a:masterClrMapping/>
   </p:clrMapOvr>
-  <mc:AlternateContent xmlns:mc="http://schemas.openxmlformats.org/markup-compatibility/2006" xmlns:p14="http://schemas.microsoft.com/office/powerpoint/2010/main">
-    <mc:Choice Requires="p14">
-      <p:transition p14:dur="0"/>
+  <mc:AlternateContent xmlns:mc="http://schemas.openxmlformats.org/markup-compatibility/2006">
+    <mc:Choice xmlns:p14="http://schemas.microsoft.com/office/powerpoint/2010/main" Requires="p14">
+      <p:transition p14:dur="300">
+        <p:fade/>
+      </p:transition>
     </mc:Choice>
-    <mc:Fallback xmlns="">
-      <p:transition/>
+    <mc:Fallback>
+      <p:transition>
+        <p:fade/>
+      </p:transition>
     </mc:Fallback>
   </mc:AlternateContent>
 </p:sld>
@@ -29743,15 +30683,7 @@
           <a:p>
             <a:r>
               <a:rPr lang="en-US" dirty="0"/>
-              <a:t>In the Name of </a:t>
-            </a:r>
-            <a:r>
-              <a:rPr lang="en-US" dirty="0" err="1"/>
-              <a:t>Alláh</a:t>
-            </a:r>
-            <a:r>
-              <a:rPr lang="en-US" dirty="0"/>
-              <a:t>, </a:t>
+              <a:t>In the Name of Allah, </a:t>
             </a:r>
           </a:p>
           <a:p>
@@ -29767,12 +30699,16 @@
   <p:clrMapOvr>
     <a:masterClrMapping/>
   </p:clrMapOvr>
-  <mc:AlternateContent xmlns:mc="http://schemas.openxmlformats.org/markup-compatibility/2006" xmlns:p14="http://schemas.microsoft.com/office/powerpoint/2010/main">
-    <mc:Choice Requires="p14">
-      <p:transition p14:dur="0"/>
+  <mc:AlternateContent xmlns:mc="http://schemas.openxmlformats.org/markup-compatibility/2006">
+    <mc:Choice xmlns:p14="http://schemas.microsoft.com/office/powerpoint/2010/main" Requires="p14">
+      <p:transition p14:dur="300">
+        <p:fade/>
+      </p:transition>
     </mc:Choice>
-    <mc:Fallback xmlns="">
-      <p:transition/>
+    <mc:Fallback>
+      <p:transition>
+        <p:fade/>
+      </p:transition>
     </mc:Fallback>
   </mc:AlternateContent>
 </p:sld>
@@ -29878,12 +30814,16 @@
   <p:clrMapOvr>
     <a:masterClrMapping/>
   </p:clrMapOvr>
-  <mc:AlternateContent xmlns:mc="http://schemas.openxmlformats.org/markup-compatibility/2006" xmlns:p14="http://schemas.microsoft.com/office/powerpoint/2010/main">
-    <mc:Choice Requires="p14">
-      <p:transition p14:dur="0"/>
+  <mc:AlternateContent xmlns:mc="http://schemas.openxmlformats.org/markup-compatibility/2006">
+    <mc:Choice xmlns:p14="http://schemas.microsoft.com/office/powerpoint/2010/main" Requires="p14">
+      <p:transition p14:dur="300">
+        <p:fade/>
+      </p:transition>
     </mc:Choice>
-    <mc:Fallback xmlns="">
-      <p:transition/>
+    <mc:Fallback>
+      <p:transition>
+        <p:fade/>
+      </p:transition>
     </mc:Fallback>
   </mc:AlternateContent>
 </p:sld>
@@ -30009,12 +30949,16 @@
   <p:clrMapOvr>
     <a:masterClrMapping/>
   </p:clrMapOvr>
-  <mc:AlternateContent xmlns:mc="http://schemas.openxmlformats.org/markup-compatibility/2006" xmlns:p14="http://schemas.microsoft.com/office/powerpoint/2010/main">
-    <mc:Choice Requires="p14">
-      <p:transition p14:dur="0"/>
+  <mc:AlternateContent xmlns:mc="http://schemas.openxmlformats.org/markup-compatibility/2006">
+    <mc:Choice xmlns:p14="http://schemas.microsoft.com/office/powerpoint/2010/main" Requires="p14">
+      <p:transition p14:dur="300">
+        <p:fade/>
+      </p:transition>
     </mc:Choice>
-    <mc:Fallback xmlns="">
-      <p:transition/>
+    <mc:Fallback>
+      <p:transition>
+        <p:fade/>
+      </p:transition>
     </mc:Fallback>
   </mc:AlternateContent>
 </p:sld>
@@ -30113,12 +31057,16 @@
   <p:clrMapOvr>
     <a:masterClrMapping/>
   </p:clrMapOvr>
-  <mc:AlternateContent xmlns:mc="http://schemas.openxmlformats.org/markup-compatibility/2006" xmlns:p14="http://schemas.microsoft.com/office/powerpoint/2010/main">
-    <mc:Choice Requires="p14">
-      <p:transition p14:dur="0"/>
+  <mc:AlternateContent xmlns:mc="http://schemas.openxmlformats.org/markup-compatibility/2006">
+    <mc:Choice xmlns:p14="http://schemas.microsoft.com/office/powerpoint/2010/main" Requires="p14">
+      <p:transition p14:dur="300">
+        <p:fade/>
+      </p:transition>
     </mc:Choice>
-    <mc:Fallback xmlns="">
-      <p:transition/>
+    <mc:Fallback>
+      <p:transition>
+        <p:fade/>
+      </p:transition>
     </mc:Fallback>
   </mc:AlternateContent>
 </p:sld>
@@ -30217,12 +31165,16 @@
   <p:clrMapOvr>
     <a:masterClrMapping/>
   </p:clrMapOvr>
-  <mc:AlternateContent xmlns:mc="http://schemas.openxmlformats.org/markup-compatibility/2006" xmlns:p14="http://schemas.microsoft.com/office/powerpoint/2010/main">
-    <mc:Choice Requires="p14">
-      <p:transition p14:dur="0"/>
+  <mc:AlternateContent xmlns:mc="http://schemas.openxmlformats.org/markup-compatibility/2006">
+    <mc:Choice xmlns:p14="http://schemas.microsoft.com/office/powerpoint/2010/main" Requires="p14">
+      <p:transition p14:dur="300">
+        <p:fade/>
+      </p:transition>
     </mc:Choice>
-    <mc:Fallback xmlns="">
-      <p:transition/>
+    <mc:Fallback>
+      <p:transition>
+        <p:fade/>
+      </p:transition>
     </mc:Fallback>
   </mc:AlternateContent>
 </p:sld>
@@ -30329,12 +31281,16 @@
   <p:clrMapOvr>
     <a:masterClrMapping/>
   </p:clrMapOvr>
-  <mc:AlternateContent xmlns:mc="http://schemas.openxmlformats.org/markup-compatibility/2006" xmlns:p14="http://schemas.microsoft.com/office/powerpoint/2010/main">
-    <mc:Choice Requires="p14">
-      <p:transition p14:dur="0"/>
+  <mc:AlternateContent xmlns:mc="http://schemas.openxmlformats.org/markup-compatibility/2006">
+    <mc:Choice xmlns:p14="http://schemas.microsoft.com/office/powerpoint/2010/main" Requires="p14">
+      <p:transition p14:dur="300">
+        <p:fade/>
+      </p:transition>
     </mc:Choice>
-    <mc:Fallback xmlns="">
-      <p:transition/>
+    <mc:Fallback>
+      <p:transition>
+        <p:fade/>
+      </p:transition>
     </mc:Fallback>
   </mc:AlternateContent>
 </p:sld>
@@ -30433,12 +31389,16 @@
   <p:clrMapOvr>
     <a:masterClrMapping/>
   </p:clrMapOvr>
-  <mc:AlternateContent xmlns:mc="http://schemas.openxmlformats.org/markup-compatibility/2006" xmlns:p14="http://schemas.microsoft.com/office/powerpoint/2010/main">
-    <mc:Choice Requires="p14">
-      <p:transition p14:dur="0"/>
+  <mc:AlternateContent xmlns:mc="http://schemas.openxmlformats.org/markup-compatibility/2006">
+    <mc:Choice xmlns:p14="http://schemas.microsoft.com/office/powerpoint/2010/main" Requires="p14">
+      <p:transition p14:dur="300">
+        <p:fade/>
+      </p:transition>
     </mc:Choice>
-    <mc:Fallback xmlns="">
-      <p:transition/>
+    <mc:Fallback>
+      <p:transition>
+        <p:fade/>
+      </p:transition>
     </mc:Fallback>
   </mc:AlternateContent>
 </p:sld>
@@ -30537,12 +31497,16 @@
   <p:clrMapOvr>
     <a:masterClrMapping/>
   </p:clrMapOvr>
-  <mc:AlternateContent xmlns:mc="http://schemas.openxmlformats.org/markup-compatibility/2006" xmlns:p14="http://schemas.microsoft.com/office/powerpoint/2010/main">
-    <mc:Choice Requires="p14">
-      <p:transition p14:dur="0"/>
+  <mc:AlternateContent xmlns:mc="http://schemas.openxmlformats.org/markup-compatibility/2006">
+    <mc:Choice xmlns:p14="http://schemas.microsoft.com/office/powerpoint/2010/main" Requires="p14">
+      <p:transition p14:dur="300">
+        <p:fade/>
+      </p:transition>
     </mc:Choice>
-    <mc:Fallback xmlns="">
-      <p:transition/>
+    <mc:Fallback>
+      <p:transition>
+        <p:fade/>
+      </p:transition>
     </mc:Fallback>
   </mc:AlternateContent>
 </p:sld>
@@ -30641,12 +31605,16 @@
   <p:clrMapOvr>
     <a:masterClrMapping/>
   </p:clrMapOvr>
-  <mc:AlternateContent xmlns:mc="http://schemas.openxmlformats.org/markup-compatibility/2006" xmlns:p14="http://schemas.microsoft.com/office/powerpoint/2010/main">
-    <mc:Choice Requires="p14">
-      <p:transition p14:dur="0"/>
+  <mc:AlternateContent xmlns:mc="http://schemas.openxmlformats.org/markup-compatibility/2006">
+    <mc:Choice xmlns:p14="http://schemas.microsoft.com/office/powerpoint/2010/main" Requires="p14">
+      <p:transition p14:dur="300">
+        <p:fade/>
+      </p:transition>
     </mc:Choice>
-    <mc:Fallback xmlns="">
-      <p:transition/>
+    <mc:Fallback>
+      <p:transition>
+        <p:fade/>
+      </p:transition>
     </mc:Fallback>
   </mc:AlternateContent>
 </p:sld>
@@ -30753,12 +31721,16 @@
   <p:clrMapOvr>
     <a:masterClrMapping/>
   </p:clrMapOvr>
-  <mc:AlternateContent xmlns:mc="http://schemas.openxmlformats.org/markup-compatibility/2006" xmlns:p14="http://schemas.microsoft.com/office/powerpoint/2010/main">
-    <mc:Choice Requires="p14">
-      <p:transition p14:dur="0"/>
+  <mc:AlternateContent xmlns:mc="http://schemas.openxmlformats.org/markup-compatibility/2006">
+    <mc:Choice xmlns:p14="http://schemas.microsoft.com/office/powerpoint/2010/main" Requires="p14">
+      <p:transition p14:dur="300">
+        <p:fade/>
+      </p:transition>
     </mc:Choice>
-    <mc:Fallback xmlns="">
-      <p:transition/>
+    <mc:Fallback>
+      <p:transition>
+        <p:fade/>
+      </p:transition>
     </mc:Fallback>
   </mc:AlternateContent>
 </p:sld>
@@ -30857,12 +31829,16 @@
   <p:clrMapOvr>
     <a:masterClrMapping/>
   </p:clrMapOvr>
-  <mc:AlternateContent xmlns:mc="http://schemas.openxmlformats.org/markup-compatibility/2006" xmlns:p14="http://schemas.microsoft.com/office/powerpoint/2010/main">
-    <mc:Choice Requires="p14">
-      <p:transition p14:dur="0"/>
+  <mc:AlternateContent xmlns:mc="http://schemas.openxmlformats.org/markup-compatibility/2006">
+    <mc:Choice xmlns:p14="http://schemas.microsoft.com/office/powerpoint/2010/main" Requires="p14">
+      <p:transition p14:dur="300">
+        <p:fade/>
+      </p:transition>
     </mc:Choice>
-    <mc:Fallback xmlns="">
-      <p:transition/>
+    <mc:Fallback>
+      <p:transition>
+        <p:fade/>
+      </p:transition>
     </mc:Fallback>
   </mc:AlternateContent>
 </p:sld>
@@ -30966,12 +31942,16 @@
   <p:clrMapOvr>
     <a:masterClrMapping/>
   </p:clrMapOvr>
-  <mc:AlternateContent xmlns:mc="http://schemas.openxmlformats.org/markup-compatibility/2006" xmlns:p14="http://schemas.microsoft.com/office/powerpoint/2010/main">
-    <mc:Choice Requires="p14">
-      <p:transition p14:dur="0"/>
+  <mc:AlternateContent xmlns:mc="http://schemas.openxmlformats.org/markup-compatibility/2006">
+    <mc:Choice xmlns:p14="http://schemas.microsoft.com/office/powerpoint/2010/main" Requires="p14">
+      <p:transition p14:dur="300">
+        <p:fade/>
+      </p:transition>
     </mc:Choice>
-    <mc:Fallback xmlns="">
-      <p:transition/>
+    <mc:Fallback>
+      <p:transition>
+        <p:fade/>
+      </p:transition>
     </mc:Fallback>
   </mc:AlternateContent>
 </p:sld>
@@ -31070,12 +32050,16 @@
   <p:clrMapOvr>
     <a:masterClrMapping/>
   </p:clrMapOvr>
-  <mc:AlternateContent xmlns:mc="http://schemas.openxmlformats.org/markup-compatibility/2006" xmlns:p14="http://schemas.microsoft.com/office/powerpoint/2010/main">
-    <mc:Choice Requires="p14">
-      <p:transition p14:dur="0"/>
+  <mc:AlternateContent xmlns:mc="http://schemas.openxmlformats.org/markup-compatibility/2006">
+    <mc:Choice xmlns:p14="http://schemas.microsoft.com/office/powerpoint/2010/main" Requires="p14">
+      <p:transition p14:dur="300">
+        <p:fade/>
+      </p:transition>
     </mc:Choice>
-    <mc:Fallback xmlns="">
-      <p:transition/>
+    <mc:Fallback>
+      <p:transition>
+        <p:fade/>
+      </p:transition>
     </mc:Fallback>
   </mc:AlternateContent>
 </p:sld>
@@ -31187,12 +32171,16 @@
   <p:clrMapOvr>
     <a:masterClrMapping/>
   </p:clrMapOvr>
-  <mc:AlternateContent xmlns:mc="http://schemas.openxmlformats.org/markup-compatibility/2006" xmlns:p14="http://schemas.microsoft.com/office/powerpoint/2010/main">
-    <mc:Choice Requires="p14">
-      <p:transition p14:dur="0"/>
+  <mc:AlternateContent xmlns:mc="http://schemas.openxmlformats.org/markup-compatibility/2006">
+    <mc:Choice xmlns:p14="http://schemas.microsoft.com/office/powerpoint/2010/main" Requires="p14">
+      <p:transition p14:dur="300">
+        <p:fade/>
+      </p:transition>
     </mc:Choice>
-    <mc:Fallback xmlns="">
-      <p:transition/>
+    <mc:Fallback>
+      <p:transition>
+        <p:fade/>
+      </p:transition>
     </mc:Fallback>
   </mc:AlternateContent>
 </p:sld>
@@ -31299,12 +32287,16 @@
   <p:clrMapOvr>
     <a:masterClrMapping/>
   </p:clrMapOvr>
-  <mc:AlternateContent xmlns:mc="http://schemas.openxmlformats.org/markup-compatibility/2006" xmlns:p14="http://schemas.microsoft.com/office/powerpoint/2010/main">
-    <mc:Choice Requires="p14">
-      <p:transition p14:dur="0"/>
+  <mc:AlternateContent xmlns:mc="http://schemas.openxmlformats.org/markup-compatibility/2006">
+    <mc:Choice xmlns:p14="http://schemas.microsoft.com/office/powerpoint/2010/main" Requires="p14">
+      <p:transition p14:dur="300">
+        <p:fade/>
+      </p:transition>
     </mc:Choice>
-    <mc:Fallback xmlns="">
-      <p:transition/>
+    <mc:Fallback>
+      <p:transition>
+        <p:fade/>
+      </p:transition>
     </mc:Fallback>
   </mc:AlternateContent>
 </p:sld>
@@ -31403,12 +32395,16 @@
   <p:clrMapOvr>
     <a:masterClrMapping/>
   </p:clrMapOvr>
-  <mc:AlternateContent xmlns:mc="http://schemas.openxmlformats.org/markup-compatibility/2006" xmlns:p14="http://schemas.microsoft.com/office/powerpoint/2010/main">
-    <mc:Choice Requires="p14">
-      <p:transition p14:dur="0"/>
+  <mc:AlternateContent xmlns:mc="http://schemas.openxmlformats.org/markup-compatibility/2006">
+    <mc:Choice xmlns:p14="http://schemas.microsoft.com/office/powerpoint/2010/main" Requires="p14">
+      <p:transition p14:dur="300">
+        <p:fade/>
+      </p:transition>
     </mc:Choice>
-    <mc:Fallback xmlns="">
-      <p:transition/>
+    <mc:Fallback>
+      <p:transition>
+        <p:fade/>
+      </p:transition>
     </mc:Fallback>
   </mc:AlternateContent>
 </p:sld>
@@ -31507,12 +32503,16 @@
   <p:clrMapOvr>
     <a:masterClrMapping/>
   </p:clrMapOvr>
-  <mc:AlternateContent xmlns:mc="http://schemas.openxmlformats.org/markup-compatibility/2006" xmlns:p14="http://schemas.microsoft.com/office/powerpoint/2010/main">
-    <mc:Choice Requires="p14">
-      <p:transition p14:dur="0"/>
+  <mc:AlternateContent xmlns:mc="http://schemas.openxmlformats.org/markup-compatibility/2006">
+    <mc:Choice xmlns:p14="http://schemas.microsoft.com/office/powerpoint/2010/main" Requires="p14">
+      <p:transition p14:dur="300">
+        <p:fade/>
+      </p:transition>
     </mc:Choice>
-    <mc:Fallback xmlns="">
-      <p:transition/>
+    <mc:Fallback>
+      <p:transition>
+        <p:fade/>
+      </p:transition>
     </mc:Fallback>
   </mc:AlternateContent>
 </p:sld>
@@ -31611,12 +32611,16 @@
   <p:clrMapOvr>
     <a:masterClrMapping/>
   </p:clrMapOvr>
-  <mc:AlternateContent xmlns:mc="http://schemas.openxmlformats.org/markup-compatibility/2006" xmlns:p14="http://schemas.microsoft.com/office/powerpoint/2010/main">
-    <mc:Choice Requires="p14">
-      <p:transition p14:dur="0"/>
+  <mc:AlternateContent xmlns:mc="http://schemas.openxmlformats.org/markup-compatibility/2006">
+    <mc:Choice xmlns:p14="http://schemas.microsoft.com/office/powerpoint/2010/main" Requires="p14">
+      <p:transition p14:dur="300">
+        <p:fade/>
+      </p:transition>
     </mc:Choice>
-    <mc:Fallback xmlns="">
-      <p:transition/>
+    <mc:Fallback>
+      <p:transition>
+        <p:fade/>
+      </p:transition>
     </mc:Fallback>
   </mc:AlternateContent>
 </p:sld>
@@ -31723,12 +32727,16 @@
   <p:clrMapOvr>
     <a:masterClrMapping/>
   </p:clrMapOvr>
-  <mc:AlternateContent xmlns:mc="http://schemas.openxmlformats.org/markup-compatibility/2006" xmlns:p14="http://schemas.microsoft.com/office/powerpoint/2010/main">
-    <mc:Choice Requires="p14">
-      <p:transition p14:dur="0"/>
+  <mc:AlternateContent xmlns:mc="http://schemas.openxmlformats.org/markup-compatibility/2006">
+    <mc:Choice xmlns:p14="http://schemas.microsoft.com/office/powerpoint/2010/main" Requires="p14">
+      <p:transition p14:dur="300">
+        <p:fade/>
+      </p:transition>
     </mc:Choice>
-    <mc:Fallback xmlns="">
-      <p:transition/>
+    <mc:Fallback>
+      <p:transition>
+        <p:fade/>
+      </p:transition>
     </mc:Fallback>
   </mc:AlternateContent>
 </p:sld>
@@ -31827,12 +32835,16 @@
   <p:clrMapOvr>
     <a:masterClrMapping/>
   </p:clrMapOvr>
-  <mc:AlternateContent xmlns:mc="http://schemas.openxmlformats.org/markup-compatibility/2006" xmlns:p14="http://schemas.microsoft.com/office/powerpoint/2010/main">
-    <mc:Choice Requires="p14">
-      <p:transition p14:dur="0"/>
+  <mc:AlternateContent xmlns:mc="http://schemas.openxmlformats.org/markup-compatibility/2006">
+    <mc:Choice xmlns:p14="http://schemas.microsoft.com/office/powerpoint/2010/main" Requires="p14">
+      <p:transition p14:dur="300">
+        <p:fade/>
+      </p:transition>
     </mc:Choice>
-    <mc:Fallback xmlns="">
-      <p:transition/>
+    <mc:Fallback>
+      <p:transition>
+        <p:fade/>
+      </p:transition>
     </mc:Fallback>
   </mc:AlternateContent>
 </p:sld>
@@ -31924,7 +32936,7 @@
           <a:p>
             <a:r>
               <a:rPr lang="en-US" dirty="0"/>
-              <a:t>How many ugly things You hast concealed!</a:t>
+              <a:t>How many ugly things You have concealed!</a:t>
             </a:r>
           </a:p>
         </p:txBody>
@@ -31939,12 +32951,16 @@
   <p:clrMapOvr>
     <a:masterClrMapping/>
   </p:clrMapOvr>
-  <mc:AlternateContent xmlns:mc="http://schemas.openxmlformats.org/markup-compatibility/2006" xmlns:p14="http://schemas.microsoft.com/office/powerpoint/2010/main">
-    <mc:Choice Requires="p14">
-      <p:transition p14:dur="0"/>
+  <mc:AlternateContent xmlns:mc="http://schemas.openxmlformats.org/markup-compatibility/2006">
+    <mc:Choice xmlns:p14="http://schemas.microsoft.com/office/powerpoint/2010/main" Requires="p14">
+      <p:transition p14:dur="300">
+        <p:fade/>
+      </p:transition>
     </mc:Choice>
-    <mc:Fallback xmlns="">
-      <p:transition/>
+    <mc:Fallback>
+      <p:transition>
+        <p:fade/>
+      </p:transition>
     </mc:Fallback>
   </mc:AlternateContent>
 </p:sld>
@@ -32028,7 +33044,7 @@
           <a:p>
             <a:r>
               <a:rPr lang="en-US" dirty="0"/>
-              <a:t>How many burdensome tribulations You hast abolished!</a:t>
+              <a:t>How many burdensome tribulations You have abolished!</a:t>
             </a:r>
           </a:p>
         </p:txBody>
@@ -32043,12 +33059,16 @@
   <p:clrMapOvr>
     <a:masterClrMapping/>
   </p:clrMapOvr>
-  <mc:AlternateContent xmlns:mc="http://schemas.openxmlformats.org/markup-compatibility/2006" xmlns:p14="http://schemas.microsoft.com/office/powerpoint/2010/main">
-    <mc:Choice Requires="p14">
-      <p:transition p14:dur="0"/>
+  <mc:AlternateContent xmlns:mc="http://schemas.openxmlformats.org/markup-compatibility/2006">
+    <mc:Choice xmlns:p14="http://schemas.microsoft.com/office/powerpoint/2010/main" Requires="p14">
+      <p:transition p14:dur="300">
+        <p:fade/>
+      </p:transition>
     </mc:Choice>
-    <mc:Fallback xmlns="">
-      <p:transition/>
+    <mc:Fallback>
+      <p:transition>
+        <p:fade/>
+      </p:transition>
     </mc:Fallback>
   </mc:AlternateContent>
 </p:sld>
@@ -32160,12 +33180,16 @@
   <p:clrMapOvr>
     <a:masterClrMapping/>
   </p:clrMapOvr>
-  <mc:AlternateContent xmlns:mc="http://schemas.openxmlformats.org/markup-compatibility/2006" xmlns:p14="http://schemas.microsoft.com/office/powerpoint/2010/main">
-    <mc:Choice Requires="p14">
-      <p:transition p14:dur="0"/>
+  <mc:AlternateContent xmlns:mc="http://schemas.openxmlformats.org/markup-compatibility/2006">
+    <mc:Choice xmlns:p14="http://schemas.microsoft.com/office/powerpoint/2010/main" Requires="p14">
+      <p:transition p14:dur="300">
+        <p:fade/>
+      </p:transition>
     </mc:Choice>
-    <mc:Fallback xmlns="">
-      <p:transition/>
+    <mc:Fallback>
+      <p:transition>
+        <p:fade/>
+      </p:transition>
     </mc:Fallback>
   </mc:AlternateContent>
 </p:sld>
@@ -32249,7 +33273,7 @@
           <a:p>
             <a:r>
               <a:rPr lang="en-US" dirty="0"/>
-              <a:t>And how many stumbles You hast prevented!</a:t>
+              <a:t>And how many stumbles You have prevented!</a:t>
             </a:r>
           </a:p>
         </p:txBody>
@@ -32264,12 +33288,16 @@
   <p:clrMapOvr>
     <a:masterClrMapping/>
   </p:clrMapOvr>
-  <mc:AlternateContent xmlns:mc="http://schemas.openxmlformats.org/markup-compatibility/2006" xmlns:p14="http://schemas.microsoft.com/office/powerpoint/2010/main">
-    <mc:Choice Requires="p14">
-      <p:transition p14:dur="0"/>
+  <mc:AlternateContent xmlns:mc="http://schemas.openxmlformats.org/markup-compatibility/2006">
+    <mc:Choice xmlns:p14="http://schemas.microsoft.com/office/powerpoint/2010/main" Requires="p14">
+      <p:transition p14:dur="300">
+        <p:fade/>
+      </p:transition>
     </mc:Choice>
-    <mc:Fallback xmlns="">
-      <p:transition/>
+    <mc:Fallback>
+      <p:transition>
+        <p:fade/>
+      </p:transition>
     </mc:Fallback>
   </mc:AlternateContent>
 </p:sld>
@@ -32353,7 +33381,7 @@
           <a:p>
             <a:r>
               <a:rPr lang="en-US" dirty="0"/>
-              <a:t>And how many ordeals You hast repelled!</a:t>
+              <a:t>And how many ordeals You have repelled!</a:t>
             </a:r>
           </a:p>
         </p:txBody>
@@ -32368,12 +33396,16 @@
   <p:clrMapOvr>
     <a:masterClrMapping/>
   </p:clrMapOvr>
-  <mc:AlternateContent xmlns:mc="http://schemas.openxmlformats.org/markup-compatibility/2006" xmlns:p14="http://schemas.microsoft.com/office/powerpoint/2010/main">
-    <mc:Choice Requires="p14">
-      <p:transition p14:dur="0"/>
+  <mc:AlternateContent xmlns:mc="http://schemas.openxmlformats.org/markup-compatibility/2006">
+    <mc:Choice xmlns:p14="http://schemas.microsoft.com/office/powerpoint/2010/main" Requires="p14">
+      <p:transition p14:dur="300">
+        <p:fade/>
+      </p:transition>
     </mc:Choice>
-    <mc:Fallback xmlns="">
-      <p:transition/>
+    <mc:Fallback>
+      <p:transition>
+        <p:fade/>
+      </p:transition>
     </mc:Fallback>
   </mc:AlternateContent>
 </p:sld>
@@ -32465,7 +33497,7 @@
           <a:p>
             <a:r>
               <a:rPr lang="en-US" dirty="0"/>
-              <a:t>And how much beautiful praise, for which I was unworthy, You hast spread abroad!</a:t>
+              <a:t>And how much beautiful praise, for which I was unworthy, You have spread abroad!</a:t>
             </a:r>
           </a:p>
         </p:txBody>
@@ -32480,12 +33512,16 @@
   <p:clrMapOvr>
     <a:masterClrMapping/>
   </p:clrMapOvr>
-  <mc:AlternateContent xmlns:mc="http://schemas.openxmlformats.org/markup-compatibility/2006" xmlns:p14="http://schemas.microsoft.com/office/powerpoint/2010/main">
-    <mc:Choice Requires="p14">
-      <p:transition p14:dur="0"/>
+  <mc:AlternateContent xmlns:mc="http://schemas.openxmlformats.org/markup-compatibility/2006">
+    <mc:Choice xmlns:p14="http://schemas.microsoft.com/office/powerpoint/2010/main" Requires="p14">
+      <p:transition p14:dur="300">
+        <p:fade/>
+      </p:transition>
     </mc:Choice>
-    <mc:Fallback xmlns="">
-      <p:transition/>
+    <mc:Fallback>
+      <p:transition>
+        <p:fade/>
+      </p:transition>
     </mc:Fallback>
   </mc:AlternateContent>
 </p:sld>
@@ -32584,12 +33620,16 @@
   <p:clrMapOvr>
     <a:masterClrMapping/>
   </p:clrMapOvr>
-  <mc:AlternateContent xmlns:mc="http://schemas.openxmlformats.org/markup-compatibility/2006" xmlns:p14="http://schemas.microsoft.com/office/powerpoint/2010/main">
-    <mc:Choice Requires="p14">
-      <p:transition p14:dur="0"/>
+  <mc:AlternateContent xmlns:mc="http://schemas.openxmlformats.org/markup-compatibility/2006">
+    <mc:Choice xmlns:p14="http://schemas.microsoft.com/office/powerpoint/2010/main" Requires="p14">
+      <p:transition p14:dur="300">
+        <p:fade/>
+      </p:transition>
     </mc:Choice>
-    <mc:Fallback xmlns="">
-      <p:transition/>
+    <mc:Fallback>
+      <p:transition>
+        <p:fade/>
+      </p:transition>
     </mc:Fallback>
   </mc:AlternateContent>
 </p:sld>
@@ -32688,12 +33728,16 @@
   <p:clrMapOvr>
     <a:masterClrMapping/>
   </p:clrMapOvr>
-  <mc:AlternateContent xmlns:mc="http://schemas.openxmlformats.org/markup-compatibility/2006" xmlns:p14="http://schemas.microsoft.com/office/powerpoint/2010/main">
-    <mc:Choice Requires="p14">
-      <p:transition p14:dur="0"/>
+  <mc:AlternateContent xmlns:mc="http://schemas.openxmlformats.org/markup-compatibility/2006">
+    <mc:Choice xmlns:p14="http://schemas.microsoft.com/office/powerpoint/2010/main" Requires="p14">
+      <p:transition p14:dur="300">
+        <p:fade/>
+      </p:transition>
     </mc:Choice>
-    <mc:Fallback xmlns="">
-      <p:transition/>
+    <mc:Fallback>
+      <p:transition>
+        <p:fade/>
+      </p:transition>
     </mc:Fallback>
   </mc:AlternateContent>
 </p:sld>
@@ -32792,12 +33836,16 @@
   <p:clrMapOvr>
     <a:masterClrMapping/>
   </p:clrMapOvr>
-  <mc:AlternateContent xmlns:mc="http://schemas.openxmlformats.org/markup-compatibility/2006" xmlns:p14="http://schemas.microsoft.com/office/powerpoint/2010/main">
-    <mc:Choice Requires="p14">
-      <p:transition p14:dur="0"/>
+  <mc:AlternateContent xmlns:mc="http://schemas.openxmlformats.org/markup-compatibility/2006">
+    <mc:Choice xmlns:p14="http://schemas.microsoft.com/office/powerpoint/2010/main" Requires="p14">
+      <p:transition p14:dur="300">
+        <p:fade/>
+      </p:transition>
     </mc:Choice>
-    <mc:Fallback xmlns="">
-      <p:transition/>
+    <mc:Fallback>
+      <p:transition>
+        <p:fade/>
+      </p:transition>
     </mc:Fallback>
   </mc:AlternateContent>
 </p:sld>
@@ -32896,12 +33944,16 @@
   <p:clrMapOvr>
     <a:masterClrMapping/>
   </p:clrMapOvr>
-  <mc:AlternateContent xmlns:mc="http://schemas.openxmlformats.org/markup-compatibility/2006" xmlns:p14="http://schemas.microsoft.com/office/powerpoint/2010/main">
-    <mc:Choice Requires="p14">
-      <p:transition p14:dur="0"/>
+  <mc:AlternateContent xmlns:mc="http://schemas.openxmlformats.org/markup-compatibility/2006">
+    <mc:Choice xmlns:p14="http://schemas.microsoft.com/office/powerpoint/2010/main" Requires="p14">
+      <p:transition p14:dur="300">
+        <p:fade/>
+      </p:transition>
     </mc:Choice>
-    <mc:Fallback xmlns="">
-      <p:transition/>
+    <mc:Fallback>
+      <p:transition>
+        <p:fade/>
+      </p:transition>
     </mc:Fallback>
   </mc:AlternateContent>
 </p:sld>
@@ -33000,12 +34052,16 @@
   <p:clrMapOvr>
     <a:masterClrMapping/>
   </p:clrMapOvr>
-  <mc:AlternateContent xmlns:mc="http://schemas.openxmlformats.org/markup-compatibility/2006" xmlns:p14="http://schemas.microsoft.com/office/powerpoint/2010/main">
-    <mc:Choice Requires="p14">
-      <p:transition p14:dur="0"/>
+  <mc:AlternateContent xmlns:mc="http://schemas.openxmlformats.org/markup-compatibility/2006">
+    <mc:Choice xmlns:p14="http://schemas.microsoft.com/office/powerpoint/2010/main" Requires="p14">
+      <p:transition p14:dur="300">
+        <p:fade/>
+      </p:transition>
     </mc:Choice>
-    <mc:Fallback xmlns="">
-      <p:transition/>
+    <mc:Fallback>
+      <p:transition>
+        <p:fade/>
+      </p:transition>
     </mc:Fallback>
   </mc:AlternateContent>
 </p:sld>
@@ -33120,12 +34176,16 @@
   <p:clrMapOvr>
     <a:masterClrMapping/>
   </p:clrMapOvr>
-  <mc:AlternateContent xmlns:mc="http://schemas.openxmlformats.org/markup-compatibility/2006" xmlns:p14="http://schemas.microsoft.com/office/powerpoint/2010/main">
-    <mc:Choice Requires="p14">
-      <p:transition p14:dur="0"/>
+  <mc:AlternateContent xmlns:mc="http://schemas.openxmlformats.org/markup-compatibility/2006">
+    <mc:Choice xmlns:p14="http://schemas.microsoft.com/office/powerpoint/2010/main" Requires="p14">
+      <p:transition p14:dur="300">
+        <p:fade/>
+      </p:transition>
     </mc:Choice>
-    <mc:Fallback xmlns="">
-      <p:transition/>
+    <mc:Fallback>
+      <p:transition>
+        <p:fade/>
+      </p:transition>
     </mc:Fallback>
   </mc:AlternateContent>
 </p:sld>
@@ -33259,12 +34319,16 @@
   <p:clrMapOvr>
     <a:masterClrMapping/>
   </p:clrMapOvr>
-  <mc:AlternateContent xmlns:mc="http://schemas.openxmlformats.org/markup-compatibility/2006" xmlns:p14="http://schemas.microsoft.com/office/powerpoint/2010/main">
-    <mc:Choice Requires="p14">
-      <p:transition p14:dur="0"/>
+  <mc:AlternateContent xmlns:mc="http://schemas.openxmlformats.org/markup-compatibility/2006">
+    <mc:Choice xmlns:p14="http://schemas.microsoft.com/office/powerpoint/2010/main" Requires="p14">
+      <p:transition p14:dur="300">
+        <p:fade/>
+      </p:transition>
     </mc:Choice>
-    <mc:Fallback xmlns="">
-      <p:transition/>
+    <mc:Fallback>
+      <p:transition>
+        <p:fade/>
+      </p:transition>
     </mc:Fallback>
   </mc:AlternateContent>
 </p:sld>
@@ -33368,12 +34432,16 @@
   <p:clrMapOvr>
     <a:masterClrMapping/>
   </p:clrMapOvr>
-  <mc:AlternateContent xmlns:mc="http://schemas.openxmlformats.org/markup-compatibility/2006" xmlns:p14="http://schemas.microsoft.com/office/powerpoint/2010/main">
-    <mc:Choice Requires="p14">
-      <p:transition p14:dur="0"/>
+  <mc:AlternateContent xmlns:mc="http://schemas.openxmlformats.org/markup-compatibility/2006">
+    <mc:Choice xmlns:p14="http://schemas.microsoft.com/office/powerpoint/2010/main" Requires="p14">
+      <p:transition p14:dur="300">
+        <p:fade/>
+      </p:transition>
     </mc:Choice>
-    <mc:Fallback xmlns="">
-      <p:transition/>
+    <mc:Fallback>
+      <p:transition>
+        <p:fade/>
+      </p:transition>
     </mc:Fallback>
   </mc:AlternateContent>
 </p:sld>
@@ -33472,12 +34540,16 @@
   <p:clrMapOvr>
     <a:masterClrMapping/>
   </p:clrMapOvr>
-  <mc:AlternateContent xmlns:mc="http://schemas.openxmlformats.org/markup-compatibility/2006" xmlns:p14="http://schemas.microsoft.com/office/powerpoint/2010/main">
-    <mc:Choice Requires="p14">
-      <p:transition p14:dur="0"/>
+  <mc:AlternateContent xmlns:mc="http://schemas.openxmlformats.org/markup-compatibility/2006">
+    <mc:Choice xmlns:p14="http://schemas.microsoft.com/office/powerpoint/2010/main" Requires="p14">
+      <p:transition p14:dur="300">
+        <p:fade/>
+      </p:transition>
     </mc:Choice>
-    <mc:Fallback xmlns="">
-      <p:transition/>
+    <mc:Fallback>
+      <p:transition>
+        <p:fade/>
+      </p:transition>
     </mc:Fallback>
   </mc:AlternateContent>
 </p:sld>
@@ -33577,7 +34649,15 @@
           <a:p>
             <a:r>
               <a:rPr lang="en-US" dirty="0"/>
-              <a:t>And not to hasten me to punishment for what I have done in private:</a:t>
+              <a:t>And not to </a:t>
+            </a:r>
+            <a:r>
+              <a:rPr lang="en-US" dirty="0" err="1"/>
+              <a:t>haveen</a:t>
+            </a:r>
+            <a:r>
+              <a:rPr lang="en-US" dirty="0"/>
+              <a:t> me to punishment for what I have done in private:</a:t>
             </a:r>
           </a:p>
         </p:txBody>
@@ -33592,12 +34672,16 @@
   <p:clrMapOvr>
     <a:masterClrMapping/>
   </p:clrMapOvr>
-  <mc:AlternateContent xmlns:mc="http://schemas.openxmlformats.org/markup-compatibility/2006" xmlns:p14="http://schemas.microsoft.com/office/powerpoint/2010/main">
-    <mc:Choice Requires="p14">
-      <p:transition p14:dur="0"/>
+  <mc:AlternateContent xmlns:mc="http://schemas.openxmlformats.org/markup-compatibility/2006">
+    <mc:Choice xmlns:p14="http://schemas.microsoft.com/office/powerpoint/2010/main" Requires="p14">
+      <p:transition p14:dur="300">
+        <p:fade/>
+      </p:transition>
     </mc:Choice>
-    <mc:Fallback xmlns="">
-      <p:transition/>
+    <mc:Fallback>
+      <p:transition>
+        <p:fade/>
+      </p:transition>
     </mc:Fallback>
   </mc:AlternateContent>
 </p:sld>
@@ -33696,12 +34780,16 @@
   <p:clrMapOvr>
     <a:masterClrMapping/>
   </p:clrMapOvr>
-  <mc:AlternateContent xmlns:mc="http://schemas.openxmlformats.org/markup-compatibility/2006" xmlns:p14="http://schemas.microsoft.com/office/powerpoint/2010/main">
-    <mc:Choice Requires="p14">
-      <p:transition p14:dur="0"/>
+  <mc:AlternateContent xmlns:mc="http://schemas.openxmlformats.org/markup-compatibility/2006">
+    <mc:Choice xmlns:p14="http://schemas.microsoft.com/office/powerpoint/2010/main" Requires="p14">
+      <p:transition p14:dur="300">
+        <p:fade/>
+      </p:transition>
     </mc:Choice>
-    <mc:Fallback xmlns="">
-      <p:transition/>
+    <mc:Fallback>
+      <p:transition>
+        <p:fade/>
+      </p:transition>
     </mc:Fallback>
   </mc:AlternateContent>
 </p:sld>
@@ -33800,12 +34888,16 @@
   <p:clrMapOvr>
     <a:masterClrMapping/>
   </p:clrMapOvr>
-  <mc:AlternateContent xmlns:mc="http://schemas.openxmlformats.org/markup-compatibility/2006" xmlns:p14="http://schemas.microsoft.com/office/powerpoint/2010/main">
-    <mc:Choice Requires="p14">
-      <p:transition p14:dur="0"/>
+  <mc:AlternateContent xmlns:mc="http://schemas.openxmlformats.org/markup-compatibility/2006">
+    <mc:Choice xmlns:p14="http://schemas.microsoft.com/office/powerpoint/2010/main" Requires="p14">
+      <p:transition p14:dur="300">
+        <p:fade/>
+      </p:transition>
     </mc:Choice>
-    <mc:Fallback xmlns="">
-      <p:transition/>
+    <mc:Fallback>
+      <p:transition>
+        <p:fade/>
+      </p:transition>
     </mc:Fallback>
   </mc:AlternateContent>
 </p:sld>
@@ -33904,12 +34996,16 @@
   <p:clrMapOvr>
     <a:masterClrMapping/>
   </p:clrMapOvr>
-  <mc:AlternateContent xmlns:mc="http://schemas.openxmlformats.org/markup-compatibility/2006" xmlns:p14="http://schemas.microsoft.com/office/powerpoint/2010/main">
-    <mc:Choice Requires="p14">
-      <p:transition p14:dur="0"/>
+  <mc:AlternateContent xmlns:mc="http://schemas.openxmlformats.org/markup-compatibility/2006">
+    <mc:Choice xmlns:p14="http://schemas.microsoft.com/office/powerpoint/2010/main" Requires="p14">
+      <p:transition p14:dur="300">
+        <p:fade/>
+      </p:transition>
     </mc:Choice>
-    <mc:Fallback xmlns="">
-      <p:transition/>
+    <mc:Fallback>
+      <p:transition>
+        <p:fade/>
+      </p:transition>
     </mc:Fallback>
   </mc:AlternateContent>
 </p:sld>
@@ -34021,12 +35117,16 @@
   <p:clrMapOvr>
     <a:masterClrMapping/>
   </p:clrMapOvr>
-  <mc:AlternateContent xmlns:mc="http://schemas.openxmlformats.org/markup-compatibility/2006" xmlns:p14="http://schemas.microsoft.com/office/powerpoint/2010/main">
-    <mc:Choice Requires="p14">
-      <p:transition p14:dur="0"/>
+  <mc:AlternateContent xmlns:mc="http://schemas.openxmlformats.org/markup-compatibility/2006">
+    <mc:Choice xmlns:p14="http://schemas.microsoft.com/office/powerpoint/2010/main" Requires="p14">
+      <p:transition p14:dur="300">
+        <p:fade/>
+      </p:transition>
     </mc:Choice>
-    <mc:Fallback xmlns="">
-      <p:transition/>
+    <mc:Fallback>
+      <p:transition>
+        <p:fade/>
+      </p:transition>
     </mc:Fallback>
   </mc:AlternateContent>
 </p:sld>
@@ -34125,12 +35225,16 @@
   <p:clrMapOvr>
     <a:masterClrMapping/>
   </p:clrMapOvr>
-  <mc:AlternateContent xmlns:mc="http://schemas.openxmlformats.org/markup-compatibility/2006" xmlns:p14="http://schemas.microsoft.com/office/powerpoint/2010/main">
-    <mc:Choice Requires="p14">
-      <p:transition p14:dur="0"/>
+  <mc:AlternateContent xmlns:mc="http://schemas.openxmlformats.org/markup-compatibility/2006">
+    <mc:Choice xmlns:p14="http://schemas.microsoft.com/office/powerpoint/2010/main" Requires="p14">
+      <p:transition p14:dur="300">
+        <p:fade/>
+      </p:transition>
     </mc:Choice>
-    <mc:Fallback xmlns="">
-      <p:transition/>
+    <mc:Fallback>
+      <p:transition>
+        <p:fade/>
+      </p:transition>
     </mc:Fallback>
   </mc:AlternateContent>
 </p:sld>
@@ -34261,12 +35365,16 @@
   <p:clrMapOvr>
     <a:masterClrMapping/>
   </p:clrMapOvr>
-  <mc:AlternateContent xmlns:mc="http://schemas.openxmlformats.org/markup-compatibility/2006" xmlns:p14="http://schemas.microsoft.com/office/powerpoint/2010/main">
-    <mc:Choice Requires="p14">
-      <p:transition p14:dur="0"/>
+  <mc:AlternateContent xmlns:mc="http://schemas.openxmlformats.org/markup-compatibility/2006">
+    <mc:Choice xmlns:p14="http://schemas.microsoft.com/office/powerpoint/2010/main" Requires="p14">
+      <p:transition p14:dur="300">
+        <p:fade/>
+      </p:transition>
     </mc:Choice>
-    <mc:Fallback xmlns="">
-      <p:transition/>
+    <mc:Fallback>
+      <p:transition>
+        <p:fade/>
+      </p:transition>
     </mc:Fallback>
   </mc:AlternateContent>
 </p:sld>
@@ -34400,12 +35508,16 @@
   <p:clrMapOvr>
     <a:masterClrMapping/>
   </p:clrMapOvr>
-  <mc:AlternateContent xmlns:mc="http://schemas.openxmlformats.org/markup-compatibility/2006" xmlns:p14="http://schemas.microsoft.com/office/powerpoint/2010/main">
-    <mc:Choice Requires="p14">
-      <p:transition p14:dur="0"/>
+  <mc:AlternateContent xmlns:mc="http://schemas.openxmlformats.org/markup-compatibility/2006">
+    <mc:Choice xmlns:p14="http://schemas.microsoft.com/office/powerpoint/2010/main" Requires="p14">
+      <p:transition p14:dur="300">
+        <p:fade/>
+      </p:transition>
     </mc:Choice>
-    <mc:Fallback xmlns="">
-      <p:transition/>
+    <mc:Fallback>
+      <p:transition>
+        <p:fade/>
+      </p:transition>
     </mc:Fallback>
   </mc:AlternateContent>
 </p:sld>
@@ -34512,12 +35624,16 @@
   <p:clrMapOvr>
     <a:masterClrMapping/>
   </p:clrMapOvr>
-  <mc:AlternateContent xmlns:mc="http://schemas.openxmlformats.org/markup-compatibility/2006" xmlns:p14="http://schemas.microsoft.com/office/powerpoint/2010/main">
-    <mc:Choice Requires="p14">
-      <p:transition p14:dur="0"/>
+  <mc:AlternateContent xmlns:mc="http://schemas.openxmlformats.org/markup-compatibility/2006">
+    <mc:Choice xmlns:p14="http://schemas.microsoft.com/office/powerpoint/2010/main" Requires="p14">
+      <p:transition p14:dur="300">
+        <p:fade/>
+      </p:transition>
     </mc:Choice>
-    <mc:Fallback xmlns="">
-      <p:transition/>
+    <mc:Fallback>
+      <p:transition>
+        <p:fade/>
+      </p:transition>
     </mc:Fallback>
   </mc:AlternateContent>
 </p:sld>
@@ -34621,12 +35737,16 @@
   <p:clrMapOvr>
     <a:masterClrMapping/>
   </p:clrMapOvr>
-  <mc:AlternateContent xmlns:mc="http://schemas.openxmlformats.org/markup-compatibility/2006" xmlns:p14="http://schemas.microsoft.com/office/powerpoint/2010/main">
-    <mc:Choice Requires="p14">
-      <p:transition p14:dur="0"/>
+  <mc:AlternateContent xmlns:mc="http://schemas.openxmlformats.org/markup-compatibility/2006">
+    <mc:Choice xmlns:p14="http://schemas.microsoft.com/office/powerpoint/2010/main" Requires="p14">
+      <p:transition p14:dur="300">
+        <p:fade/>
+      </p:transition>
     </mc:Choice>
-    <mc:Fallback xmlns="">
-      <p:transition/>
+    <mc:Fallback>
+      <p:transition>
+        <p:fade/>
+      </p:transition>
     </mc:Fallback>
   </mc:AlternateContent>
 </p:sld>
@@ -34741,12 +35861,16 @@
   <p:clrMapOvr>
     <a:masterClrMapping/>
   </p:clrMapOvr>
-  <mc:AlternateContent xmlns:mc="http://schemas.openxmlformats.org/markup-compatibility/2006" xmlns:p14="http://schemas.microsoft.com/office/powerpoint/2010/main">
-    <mc:Choice Requires="p14">
-      <p:transition p14:dur="0"/>
+  <mc:AlternateContent xmlns:mc="http://schemas.openxmlformats.org/markup-compatibility/2006">
+    <mc:Choice xmlns:p14="http://schemas.microsoft.com/office/powerpoint/2010/main" Requires="p14">
+      <p:transition p14:dur="300">
+        <p:fade/>
+      </p:transition>
     </mc:Choice>
-    <mc:Fallback xmlns="">
-      <p:transition/>
+    <mc:Fallback>
+      <p:transition>
+        <p:fade/>
+      </p:transition>
     </mc:Fallback>
   </mc:AlternateContent>
 </p:sld>
@@ -34853,12 +35977,16 @@
   <p:clrMapOvr>
     <a:masterClrMapping/>
   </p:clrMapOvr>
-  <mc:AlternateContent xmlns:mc="http://schemas.openxmlformats.org/markup-compatibility/2006" xmlns:p14="http://schemas.microsoft.com/office/powerpoint/2010/main">
-    <mc:Choice Requires="p14">
-      <p:transition p14:dur="0"/>
+  <mc:AlternateContent xmlns:mc="http://schemas.openxmlformats.org/markup-compatibility/2006">
+    <mc:Choice xmlns:p14="http://schemas.microsoft.com/office/powerpoint/2010/main" Requires="p14">
+      <p:transition p14:dur="300">
+        <p:fade/>
+      </p:transition>
     </mc:Choice>
-    <mc:Fallback xmlns="">
-      <p:transition/>
+    <mc:Fallback>
+      <p:transition>
+        <p:fade/>
+      </p:transition>
     </mc:Fallback>
   </mc:AlternateContent>
 </p:sld>
@@ -34957,12 +36085,16 @@
   <p:clrMapOvr>
     <a:masterClrMapping/>
   </p:clrMapOvr>
-  <mc:AlternateContent xmlns:mc="http://schemas.openxmlformats.org/markup-compatibility/2006" xmlns:p14="http://schemas.microsoft.com/office/powerpoint/2010/main">
-    <mc:Choice Requires="p14">
-      <p:transition p14:dur="0"/>
+  <mc:AlternateContent xmlns:mc="http://schemas.openxmlformats.org/markup-compatibility/2006">
+    <mc:Choice xmlns:p14="http://schemas.microsoft.com/office/powerpoint/2010/main" Requires="p14">
+      <p:transition p14:dur="300">
+        <p:fade/>
+      </p:transition>
     </mc:Choice>
-    <mc:Fallback xmlns="">
-      <p:transition/>
+    <mc:Fallback>
+      <p:transition>
+        <p:fade/>
+      </p:transition>
     </mc:Fallback>
   </mc:AlternateContent>
 </p:sld>
@@ -35077,12 +36209,16 @@
   <p:clrMapOvr>
     <a:masterClrMapping/>
   </p:clrMapOvr>
-  <mc:AlternateContent xmlns:mc="http://schemas.openxmlformats.org/markup-compatibility/2006" xmlns:p14="http://schemas.microsoft.com/office/powerpoint/2010/main">
-    <mc:Choice Requires="p14">
-      <p:transition p14:dur="0"/>
+  <mc:AlternateContent xmlns:mc="http://schemas.openxmlformats.org/markup-compatibility/2006">
+    <mc:Choice xmlns:p14="http://schemas.microsoft.com/office/powerpoint/2010/main" Requires="p14">
+      <p:transition p14:dur="300">
+        <p:fade/>
+      </p:transition>
     </mc:Choice>
-    <mc:Fallback xmlns="">
-      <p:transition/>
+    <mc:Fallback>
+      <p:transition>
+        <p:fade/>
+      </p:transition>
     </mc:Fallback>
   </mc:AlternateContent>
 </p:sld>
@@ -35205,12 +36341,16 @@
   <p:clrMapOvr>
     <a:masterClrMapping/>
   </p:clrMapOvr>
-  <mc:AlternateContent xmlns:mc="http://schemas.openxmlformats.org/markup-compatibility/2006" xmlns:p14="http://schemas.microsoft.com/office/powerpoint/2010/main">
-    <mc:Choice Requires="p14">
-      <p:transition p14:dur="0"/>
+  <mc:AlternateContent xmlns:mc="http://schemas.openxmlformats.org/markup-compatibility/2006">
+    <mc:Choice xmlns:p14="http://schemas.microsoft.com/office/powerpoint/2010/main" Requires="p14">
+      <p:transition p14:dur="300">
+        <p:fade/>
+      </p:transition>
     </mc:Choice>
-    <mc:Fallback xmlns="">
-      <p:transition/>
+    <mc:Fallback>
+      <p:transition>
+        <p:fade/>
+      </p:transition>
     </mc:Fallback>
   </mc:AlternateContent>
 </p:sld>
@@ -35309,12 +36449,16 @@
   <p:clrMapOvr>
     <a:masterClrMapping/>
   </p:clrMapOvr>
-  <mc:AlternateContent xmlns:mc="http://schemas.openxmlformats.org/markup-compatibility/2006" xmlns:p14="http://schemas.microsoft.com/office/powerpoint/2010/main">
-    <mc:Choice Requires="p14">
-      <p:transition p14:dur="0"/>
+  <mc:AlternateContent xmlns:mc="http://schemas.openxmlformats.org/markup-compatibility/2006">
+    <mc:Choice xmlns:p14="http://schemas.microsoft.com/office/powerpoint/2010/main" Requires="p14">
+      <p:transition p14:dur="300">
+        <p:fade/>
+      </p:transition>
     </mc:Choice>
-    <mc:Fallback xmlns="">
-      <p:transition/>
+    <mc:Fallback>
+      <p:transition>
+        <p:fade/>
+      </p:transition>
     </mc:Fallback>
   </mc:AlternateContent>
 </p:sld>
@@ -35445,12 +36589,16 @@
   <p:clrMapOvr>
     <a:masterClrMapping/>
   </p:clrMapOvr>
-  <mc:AlternateContent xmlns:mc="http://schemas.openxmlformats.org/markup-compatibility/2006" xmlns:p14="http://schemas.microsoft.com/office/powerpoint/2010/main">
-    <mc:Choice Requires="p14">
-      <p:transition p14:dur="0"/>
+  <mc:AlternateContent xmlns:mc="http://schemas.openxmlformats.org/markup-compatibility/2006">
+    <mc:Choice xmlns:p14="http://schemas.microsoft.com/office/powerpoint/2010/main" Requires="p14">
+      <p:transition p14:dur="300">
+        <p:fade/>
+      </p:transition>
     </mc:Choice>
-    <mc:Fallback xmlns="">
-      <p:transition/>
+    <mc:Fallback>
+      <p:transition>
+        <p:fade/>
+      </p:transition>
     </mc:Fallback>
   </mc:AlternateContent>
 </p:sld>
@@ -35549,12 +36697,16 @@
   <p:clrMapOvr>
     <a:masterClrMapping/>
   </p:clrMapOvr>
-  <mc:AlternateContent xmlns:mc="http://schemas.openxmlformats.org/markup-compatibility/2006" xmlns:p14="http://schemas.microsoft.com/office/powerpoint/2010/main">
-    <mc:Choice Requires="p14">
-      <p:transition p14:dur="0"/>
+  <mc:AlternateContent xmlns:mc="http://schemas.openxmlformats.org/markup-compatibility/2006">
+    <mc:Choice xmlns:p14="http://schemas.microsoft.com/office/powerpoint/2010/main" Requires="p14">
+      <p:transition p14:dur="300">
+        <p:fade/>
+      </p:transition>
     </mc:Choice>
-    <mc:Fallback xmlns="">
-      <p:transition/>
+    <mc:Fallback>
+      <p:transition>
+        <p:fade/>
+      </p:transition>
     </mc:Fallback>
   </mc:AlternateContent>
 </p:sld>
@@ -35658,12 +36810,16 @@
   <p:clrMapOvr>
     <a:masterClrMapping/>
   </p:clrMapOvr>
-  <mc:AlternateContent xmlns:mc="http://schemas.openxmlformats.org/markup-compatibility/2006" xmlns:p14="http://schemas.microsoft.com/office/powerpoint/2010/main">
-    <mc:Choice Requires="p14">
-      <p:transition p14:dur="0"/>
+  <mc:AlternateContent xmlns:mc="http://schemas.openxmlformats.org/markup-compatibility/2006">
+    <mc:Choice xmlns:p14="http://schemas.microsoft.com/office/powerpoint/2010/main" Requires="p14">
+      <p:transition p14:dur="300">
+        <p:fade/>
+      </p:transition>
     </mc:Choice>
-    <mc:Fallback xmlns="">
-      <p:transition/>
+    <mc:Fallback>
+      <p:transition>
+        <p:fade/>
+      </p:transition>
     </mc:Fallback>
   </mc:AlternateContent>
 </p:sld>
@@ -35762,12 +36918,16 @@
   <p:clrMapOvr>
     <a:masterClrMapping/>
   </p:clrMapOvr>
-  <mc:AlternateContent xmlns:mc="http://schemas.openxmlformats.org/markup-compatibility/2006" xmlns:p14="http://schemas.microsoft.com/office/powerpoint/2010/main">
-    <mc:Choice Requires="p14">
-      <p:transition p14:dur="0"/>
+  <mc:AlternateContent xmlns:mc="http://schemas.openxmlformats.org/markup-compatibility/2006">
+    <mc:Choice xmlns:p14="http://schemas.microsoft.com/office/powerpoint/2010/main" Requires="p14">
+      <p:transition p14:dur="300">
+        <p:fade/>
+      </p:transition>
     </mc:Choice>
-    <mc:Fallback xmlns="">
-      <p:transition/>
+    <mc:Fallback>
+      <p:transition>
+        <p:fade/>
+      </p:transition>
     </mc:Fallback>
   </mc:AlternateContent>
 </p:sld>
@@ -35879,12 +37039,16 @@
   <p:clrMapOvr>
     <a:masterClrMapping/>
   </p:clrMapOvr>
-  <mc:AlternateContent xmlns:mc="http://schemas.openxmlformats.org/markup-compatibility/2006" xmlns:p14="http://schemas.microsoft.com/office/powerpoint/2010/main">
-    <mc:Choice Requires="p14">
-      <p:transition p14:dur="0"/>
+  <mc:AlternateContent xmlns:mc="http://schemas.openxmlformats.org/markup-compatibility/2006">
+    <mc:Choice xmlns:p14="http://schemas.microsoft.com/office/powerpoint/2010/main" Requires="p14">
+      <p:transition p14:dur="300">
+        <p:fade/>
+      </p:transition>
     </mc:Choice>
-    <mc:Fallback xmlns="">
-      <p:transition/>
+    <mc:Fallback>
+      <p:transition>
+        <p:fade/>
+      </p:transition>
     </mc:Fallback>
   </mc:AlternateContent>
 </p:sld>
@@ -35983,12 +37147,16 @@
   <p:clrMapOvr>
     <a:masterClrMapping/>
   </p:clrMapOvr>
-  <mc:AlternateContent xmlns:mc="http://schemas.openxmlformats.org/markup-compatibility/2006" xmlns:p14="http://schemas.microsoft.com/office/powerpoint/2010/main">
-    <mc:Choice Requires="p14">
-      <p:transition p14:dur="0"/>
+  <mc:AlternateContent xmlns:mc="http://schemas.openxmlformats.org/markup-compatibility/2006">
+    <mc:Choice xmlns:p14="http://schemas.microsoft.com/office/powerpoint/2010/main" Requires="p14">
+      <p:transition p14:dur="300">
+        <p:fade/>
+      </p:transition>
     </mc:Choice>
-    <mc:Fallback xmlns="">
-      <p:transition/>
+    <mc:Fallback>
+      <p:transition>
+        <p:fade/>
+      </p:transition>
     </mc:Fallback>
   </mc:AlternateContent>
 </p:sld>
@@ -36087,12 +37255,16 @@
   <p:clrMapOvr>
     <a:masterClrMapping/>
   </p:clrMapOvr>
-  <mc:AlternateContent xmlns:mc="http://schemas.openxmlformats.org/markup-compatibility/2006" xmlns:p14="http://schemas.microsoft.com/office/powerpoint/2010/main">
-    <mc:Choice Requires="p14">
-      <p:transition p14:dur="0"/>
+  <mc:AlternateContent xmlns:mc="http://schemas.openxmlformats.org/markup-compatibility/2006">
+    <mc:Choice xmlns:p14="http://schemas.microsoft.com/office/powerpoint/2010/main" Requires="p14">
+      <p:transition p14:dur="300">
+        <p:fade/>
+      </p:transition>
     </mc:Choice>
-    <mc:Fallback xmlns="">
-      <p:transition/>
+    <mc:Fallback>
+      <p:transition>
+        <p:fade/>
+      </p:transition>
     </mc:Fallback>
   </mc:AlternateContent>
 </p:sld>
@@ -36199,12 +37371,16 @@
   <p:clrMapOvr>
     <a:masterClrMapping/>
   </p:clrMapOvr>
-  <mc:AlternateContent xmlns:mc="http://schemas.openxmlformats.org/markup-compatibility/2006" xmlns:p14="http://schemas.microsoft.com/office/powerpoint/2010/main">
-    <mc:Choice Requires="p14">
-      <p:transition p14:dur="0"/>
+  <mc:AlternateContent xmlns:mc="http://schemas.openxmlformats.org/markup-compatibility/2006">
+    <mc:Choice xmlns:p14="http://schemas.microsoft.com/office/powerpoint/2010/main" Requires="p14">
+      <p:transition p14:dur="300">
+        <p:fade/>
+      </p:transition>
     </mc:Choice>
-    <mc:Fallback xmlns="">
-      <p:transition/>
+    <mc:Fallback>
+      <p:transition>
+        <p:fade/>
+      </p:transition>
     </mc:Fallback>
   </mc:AlternateContent>
 </p:sld>
@@ -36330,12 +37506,16 @@
   <p:clrMapOvr>
     <a:masterClrMapping/>
   </p:clrMapOvr>
-  <mc:AlternateContent xmlns:mc="http://schemas.openxmlformats.org/markup-compatibility/2006" xmlns:p14="http://schemas.microsoft.com/office/powerpoint/2010/main">
-    <mc:Choice Requires="p14">
-      <p:transition p14:dur="0"/>
+  <mc:AlternateContent xmlns:mc="http://schemas.openxmlformats.org/markup-compatibility/2006">
+    <mc:Choice xmlns:p14="http://schemas.microsoft.com/office/powerpoint/2010/main" Requires="p14">
+      <p:transition p14:dur="300">
+        <p:fade/>
+      </p:transition>
     </mc:Choice>
-    <mc:Fallback xmlns="">
-      <p:transition/>
+    <mc:Fallback>
+      <p:transition>
+        <p:fade/>
+      </p:transition>
     </mc:Fallback>
   </mc:AlternateContent>
 </p:sld>
@@ -36434,12 +37614,16 @@
   <p:clrMapOvr>
     <a:masterClrMapping/>
   </p:clrMapOvr>
-  <mc:AlternateContent xmlns:mc="http://schemas.openxmlformats.org/markup-compatibility/2006" xmlns:p14="http://schemas.microsoft.com/office/powerpoint/2010/main">
-    <mc:Choice Requires="p14">
-      <p:transition p14:dur="0"/>
+  <mc:AlternateContent xmlns:mc="http://schemas.openxmlformats.org/markup-compatibility/2006">
+    <mc:Choice xmlns:p14="http://schemas.microsoft.com/office/powerpoint/2010/main" Requires="p14">
+      <p:transition p14:dur="300">
+        <p:fade/>
+      </p:transition>
     </mc:Choice>
-    <mc:Fallback xmlns="">
-      <p:transition/>
+    <mc:Fallback>
+      <p:transition>
+        <p:fade/>
+      </p:transition>
     </mc:Fallback>
   </mc:AlternateContent>
 </p:sld>
@@ -36538,12 +37722,16 @@
   <p:clrMapOvr>
     <a:masterClrMapping/>
   </p:clrMapOvr>
-  <mc:AlternateContent xmlns:mc="http://schemas.openxmlformats.org/markup-compatibility/2006" xmlns:p14="http://schemas.microsoft.com/office/powerpoint/2010/main">
-    <mc:Choice Requires="p14">
-      <p:transition p14:dur="0"/>
+  <mc:AlternateContent xmlns:mc="http://schemas.openxmlformats.org/markup-compatibility/2006">
+    <mc:Choice xmlns:p14="http://schemas.microsoft.com/office/powerpoint/2010/main" Requires="p14">
+      <p:transition p14:dur="300">
+        <p:fade/>
+      </p:transition>
     </mc:Choice>
-    <mc:Fallback xmlns="">
-      <p:transition/>
+    <mc:Fallback>
+      <p:transition>
+        <p:fade/>
+      </p:transition>
     </mc:Fallback>
   </mc:AlternateContent>
 </p:sld>
@@ -36642,12 +37830,16 @@
   <p:clrMapOvr>
     <a:masterClrMapping/>
   </p:clrMapOvr>
-  <mc:AlternateContent xmlns:mc="http://schemas.openxmlformats.org/markup-compatibility/2006" xmlns:p14="http://schemas.microsoft.com/office/powerpoint/2010/main">
-    <mc:Choice Requires="p14">
-      <p:transition p14:dur="0"/>
+  <mc:AlternateContent xmlns:mc="http://schemas.openxmlformats.org/markup-compatibility/2006">
+    <mc:Choice xmlns:p14="http://schemas.microsoft.com/office/powerpoint/2010/main" Requires="p14">
+      <p:transition p14:dur="300">
+        <p:fade/>
+      </p:transition>
     </mc:Choice>
-    <mc:Fallback xmlns="">
-      <p:transition/>
+    <mc:Fallback>
+      <p:transition>
+        <p:fade/>
+      </p:transition>
     </mc:Fallback>
   </mc:AlternateContent>
 </p:sld>
@@ -36757,12 +37949,16 @@
   <p:clrMapOvr>
     <a:masterClrMapping/>
   </p:clrMapOvr>
-  <mc:AlternateContent xmlns:mc="http://schemas.openxmlformats.org/markup-compatibility/2006" xmlns:p14="http://schemas.microsoft.com/office/powerpoint/2010/main">
-    <mc:Choice Requires="p14">
-      <p:transition p14:dur="0"/>
+  <mc:AlternateContent xmlns:mc="http://schemas.openxmlformats.org/markup-compatibility/2006">
+    <mc:Choice xmlns:p14="http://schemas.microsoft.com/office/powerpoint/2010/main" Requires="p14">
+      <p:transition p14:dur="300">
+        <p:fade/>
+      </p:transition>
     </mc:Choice>
-    <mc:Fallback xmlns="">
-      <p:transition/>
+    <mc:Fallback>
+      <p:transition>
+        <p:fade/>
+      </p:transition>
     </mc:Fallback>
   </mc:AlternateContent>
 </p:sld>
@@ -36881,12 +38077,16 @@
   <p:clrMapOvr>
     <a:masterClrMapping/>
   </p:clrMapOvr>
-  <mc:AlternateContent xmlns:mc="http://schemas.openxmlformats.org/markup-compatibility/2006" xmlns:p14="http://schemas.microsoft.com/office/powerpoint/2010/main">
-    <mc:Choice Requires="p14">
-      <p:transition p14:dur="0"/>
+  <mc:AlternateContent xmlns:mc="http://schemas.openxmlformats.org/markup-compatibility/2006">
+    <mc:Choice xmlns:p14="http://schemas.microsoft.com/office/powerpoint/2010/main" Requires="p14">
+      <p:transition p14:dur="300">
+        <p:fade/>
+      </p:transition>
     </mc:Choice>
-    <mc:Fallback xmlns="">
-      <p:transition/>
+    <mc:Fallback>
+      <p:transition>
+        <p:fade/>
+      </p:transition>
     </mc:Fallback>
   </mc:AlternateContent>
 </p:sld>
@@ -36985,12 +38185,16 @@
   <p:clrMapOvr>
     <a:masterClrMapping/>
   </p:clrMapOvr>
-  <mc:AlternateContent xmlns:mc="http://schemas.openxmlformats.org/markup-compatibility/2006" xmlns:p14="http://schemas.microsoft.com/office/powerpoint/2010/main">
-    <mc:Choice Requires="p14">
-      <p:transition p14:dur="0"/>
+  <mc:AlternateContent xmlns:mc="http://schemas.openxmlformats.org/markup-compatibility/2006">
+    <mc:Choice xmlns:p14="http://schemas.microsoft.com/office/powerpoint/2010/main" Requires="p14">
+      <p:transition p14:dur="300">
+        <p:fade/>
+      </p:transition>
     </mc:Choice>
-    <mc:Fallback xmlns="">
-      <p:transition/>
+    <mc:Fallback>
+      <p:transition>
+        <p:fade/>
+      </p:transition>
     </mc:Fallback>
   </mc:AlternateContent>
 </p:sld>
@@ -37118,12 +38322,16 @@
   <p:clrMapOvr>
     <a:masterClrMapping/>
   </p:clrMapOvr>
-  <mc:AlternateContent xmlns:mc="http://schemas.openxmlformats.org/markup-compatibility/2006" xmlns:p14="http://schemas.microsoft.com/office/powerpoint/2010/main">
-    <mc:Choice Requires="p14">
-      <p:transition p14:dur="0"/>
+  <mc:AlternateContent xmlns:mc="http://schemas.openxmlformats.org/markup-compatibility/2006">
+    <mc:Choice xmlns:p14="http://schemas.microsoft.com/office/powerpoint/2010/main" Requires="p14">
+      <p:transition p14:dur="300">
+        <p:fade/>
+      </p:transition>
     </mc:Choice>
-    <mc:Fallback xmlns="">
-      <p:transition/>
+    <mc:Fallback>
+      <p:transition>
+        <p:fade/>
+      </p:transition>
     </mc:Fallback>
   </mc:AlternateContent>
 </p:sld>
@@ -37234,12 +38442,16 @@
   <p:clrMapOvr>
     <a:masterClrMapping/>
   </p:clrMapOvr>
-  <mc:AlternateContent xmlns:mc="http://schemas.openxmlformats.org/markup-compatibility/2006" xmlns:p14="http://schemas.microsoft.com/office/powerpoint/2010/main">
-    <mc:Choice Requires="p14">
-      <p:transition p14:dur="0"/>
+  <mc:AlternateContent xmlns:mc="http://schemas.openxmlformats.org/markup-compatibility/2006">
+    <mc:Choice xmlns:p14="http://schemas.microsoft.com/office/powerpoint/2010/main" Requires="p14">
+      <p:transition p14:dur="300">
+        <p:fade/>
+      </p:transition>
     </mc:Choice>
-    <mc:Fallback xmlns="">
-      <p:transition/>
+    <mc:Fallback>
+      <p:transition>
+        <p:fade/>
+      </p:transition>
     </mc:Fallback>
   </mc:AlternateContent>
 </p:sld>
@@ -37347,12 +38559,16 @@
   <p:clrMapOvr>
     <a:masterClrMapping/>
   </p:clrMapOvr>
-  <mc:AlternateContent xmlns:mc="http://schemas.openxmlformats.org/markup-compatibility/2006" xmlns:p14="http://schemas.microsoft.com/office/powerpoint/2010/main">
-    <mc:Choice Requires="p14">
-      <p:transition p14:dur="0"/>
+  <mc:AlternateContent xmlns:mc="http://schemas.openxmlformats.org/markup-compatibility/2006">
+    <mc:Choice xmlns:p14="http://schemas.microsoft.com/office/powerpoint/2010/main" Requires="p14">
+      <p:transition p14:dur="300">
+        <p:fade/>
+      </p:transition>
     </mc:Choice>
-    <mc:Fallback xmlns="">
-      <p:transition/>
+    <mc:Fallback>
+      <p:transition>
+        <p:fade/>
+      </p:transition>
     </mc:Fallback>
   </mc:AlternateContent>
 </p:sld>
@@ -37459,12 +38675,16 @@
   <p:clrMapOvr>
     <a:masterClrMapping/>
   </p:clrMapOvr>
-  <mc:AlternateContent xmlns:mc="http://schemas.openxmlformats.org/markup-compatibility/2006" xmlns:p14="http://schemas.microsoft.com/office/powerpoint/2010/main">
-    <mc:Choice Requires="p14">
-      <p:transition p14:dur="0"/>
+  <mc:AlternateContent xmlns:mc="http://schemas.openxmlformats.org/markup-compatibility/2006">
+    <mc:Choice xmlns:p14="http://schemas.microsoft.com/office/powerpoint/2010/main" Requires="p14">
+      <p:transition p14:dur="300">
+        <p:fade/>
+      </p:transition>
     </mc:Choice>
-    <mc:Fallback xmlns="">
-      <p:transition/>
+    <mc:Fallback>
+      <p:transition>
+        <p:fade/>
+      </p:transition>
     </mc:Fallback>
   </mc:AlternateContent>
 </p:sld>
@@ -37563,12 +38783,16 @@
   <p:clrMapOvr>
     <a:masterClrMapping/>
   </p:clrMapOvr>
-  <mc:AlternateContent xmlns:mc="http://schemas.openxmlformats.org/markup-compatibility/2006" xmlns:p14="http://schemas.microsoft.com/office/powerpoint/2010/main">
-    <mc:Choice Requires="p14">
-      <p:transition p14:dur="0"/>
+  <mc:AlternateContent xmlns:mc="http://schemas.openxmlformats.org/markup-compatibility/2006">
+    <mc:Choice xmlns:p14="http://schemas.microsoft.com/office/powerpoint/2010/main" Requires="p14">
+      <p:transition p14:dur="300">
+        <p:fade/>
+      </p:transition>
     </mc:Choice>
-    <mc:Fallback xmlns="">
-      <p:transition/>
+    <mc:Fallback>
+      <p:transition>
+        <p:fade/>
+      </p:transition>
     </mc:Fallback>
   </mc:AlternateContent>
 </p:sld>
@@ -37675,12 +38899,16 @@
   <p:clrMapOvr>
     <a:masterClrMapping/>
   </p:clrMapOvr>
-  <mc:AlternateContent xmlns:mc="http://schemas.openxmlformats.org/markup-compatibility/2006" xmlns:p14="http://schemas.microsoft.com/office/powerpoint/2010/main">
-    <mc:Choice Requires="p14">
-      <p:transition p14:dur="0"/>
+  <mc:AlternateContent xmlns:mc="http://schemas.openxmlformats.org/markup-compatibility/2006">
+    <mc:Choice xmlns:p14="http://schemas.microsoft.com/office/powerpoint/2010/main" Requires="p14">
+      <p:transition p14:dur="300">
+        <p:fade/>
+      </p:transition>
     </mc:Choice>
-    <mc:Fallback xmlns="">
-      <p:transition/>
+    <mc:Fallback>
+      <p:transition>
+        <p:fade/>
+      </p:transition>
     </mc:Fallback>
   </mc:AlternateContent>
 </p:sld>
@@ -37812,12 +39040,16 @@
   <p:clrMapOvr>
     <a:masterClrMapping/>
   </p:clrMapOvr>
-  <mc:AlternateContent xmlns:mc="http://schemas.openxmlformats.org/markup-compatibility/2006" xmlns:p14="http://schemas.microsoft.com/office/powerpoint/2010/main">
-    <mc:Choice Requires="p14">
-      <p:transition p14:dur="0"/>
+  <mc:AlternateContent xmlns:mc="http://schemas.openxmlformats.org/markup-compatibility/2006">
+    <mc:Choice xmlns:p14="http://schemas.microsoft.com/office/powerpoint/2010/main" Requires="p14">
+      <p:transition p14:dur="300">
+        <p:fade/>
+      </p:transition>
     </mc:Choice>
-    <mc:Fallback xmlns="">
-      <p:transition/>
+    <mc:Fallback>
+      <p:transition>
+        <p:fade/>
+      </p:transition>
     </mc:Fallback>
   </mc:AlternateContent>
 </p:sld>
@@ -37933,12 +39165,16 @@
   <p:clrMapOvr>
     <a:masterClrMapping/>
   </p:clrMapOvr>
-  <mc:AlternateContent xmlns:mc="http://schemas.openxmlformats.org/markup-compatibility/2006" xmlns:p14="http://schemas.microsoft.com/office/powerpoint/2010/main">
-    <mc:Choice Requires="p14">
-      <p:transition p14:dur="0"/>
+  <mc:AlternateContent xmlns:mc="http://schemas.openxmlformats.org/markup-compatibility/2006">
+    <mc:Choice xmlns:p14="http://schemas.microsoft.com/office/powerpoint/2010/main" Requires="p14">
+      <p:transition p14:dur="300">
+        <p:fade/>
+      </p:transition>
     </mc:Choice>
-    <mc:Fallback xmlns="">
-      <p:transition/>
+    <mc:Fallback>
+      <p:transition>
+        <p:fade/>
+      </p:transition>
     </mc:Fallback>
   </mc:AlternateContent>
 </p:sld>
@@ -38050,12 +39286,16 @@
   <p:clrMapOvr>
     <a:masterClrMapping/>
   </p:clrMapOvr>
-  <mc:AlternateContent xmlns:mc="http://schemas.openxmlformats.org/markup-compatibility/2006" xmlns:p14="http://schemas.microsoft.com/office/powerpoint/2010/main">
-    <mc:Choice Requires="p14">
-      <p:transition p14:dur="0"/>
+  <mc:AlternateContent xmlns:mc="http://schemas.openxmlformats.org/markup-compatibility/2006">
+    <mc:Choice xmlns:p14="http://schemas.microsoft.com/office/powerpoint/2010/main" Requires="p14">
+      <p:transition p14:dur="300">
+        <p:fade/>
+      </p:transition>
     </mc:Choice>
-    <mc:Fallback xmlns="">
-      <p:transition/>
+    <mc:Fallback>
+      <p:transition>
+        <p:fade/>
+      </p:transition>
     </mc:Fallback>
   </mc:AlternateContent>
 </p:sld>
@@ -38166,12 +39406,16 @@
   <p:clrMapOvr>
     <a:masterClrMapping/>
   </p:clrMapOvr>
-  <mc:AlternateContent xmlns:mc="http://schemas.openxmlformats.org/markup-compatibility/2006" xmlns:p14="http://schemas.microsoft.com/office/powerpoint/2010/main">
-    <mc:Choice Requires="p14">
-      <p:transition p14:dur="0"/>
+  <mc:AlternateContent xmlns:mc="http://schemas.openxmlformats.org/markup-compatibility/2006">
+    <mc:Choice xmlns:p14="http://schemas.microsoft.com/office/powerpoint/2010/main" Requires="p14">
+      <p:transition p14:dur="300">
+        <p:fade/>
+      </p:transition>
     </mc:Choice>
-    <mc:Fallback xmlns="">
-      <p:transition/>
+    <mc:Fallback>
+      <p:transition>
+        <p:fade/>
+      </p:transition>
     </mc:Fallback>
   </mc:AlternateContent>
 </p:sld>
@@ -38278,12 +39522,16 @@
   <p:clrMapOvr>
     <a:masterClrMapping/>
   </p:clrMapOvr>
-  <mc:AlternateContent xmlns:mc="http://schemas.openxmlformats.org/markup-compatibility/2006" xmlns:p14="http://schemas.microsoft.com/office/powerpoint/2010/main">
-    <mc:Choice Requires="p14">
-      <p:transition p14:dur="0"/>
+  <mc:AlternateContent xmlns:mc="http://schemas.openxmlformats.org/markup-compatibility/2006">
+    <mc:Choice xmlns:p14="http://schemas.microsoft.com/office/powerpoint/2010/main" Requires="p14">
+      <p:transition p14:dur="300">
+        <p:fade/>
+      </p:transition>
     </mc:Choice>
-    <mc:Fallback xmlns="">
-      <p:transition/>
+    <mc:Fallback>
+      <p:transition>
+        <p:fade/>
+      </p:transition>
     </mc:Fallback>
   </mc:AlternateContent>
 </p:sld>
